--- a/exam.pptx
+++ b/exam.pptx
@@ -4,12 +4,23 @@
   <p:sldMasterIdLst>
     <p:sldMasterId id="2147483648" r:id="rId1"/>
   </p:sldMasterIdLst>
+  <p:notesMasterIdLst>
+    <p:notesMasterId r:id="rId15"/>
+  </p:notesMasterIdLst>
   <p:sldIdLst>
-    <p:sldId id="256" r:id="rId2"/>
-    <p:sldId id="257" r:id="rId3"/>
-    <p:sldId id="258" r:id="rId4"/>
-    <p:sldId id="259" r:id="rId5"/>
-    <p:sldId id="260" r:id="rId6"/>
+    <p:sldId id="257" r:id="rId2"/>
+    <p:sldId id="258" r:id="rId3"/>
+    <p:sldId id="259" r:id="rId4"/>
+    <p:sldId id="260" r:id="rId5"/>
+    <p:sldId id="261" r:id="rId6"/>
+    <p:sldId id="262" r:id="rId7"/>
+    <p:sldId id="263" r:id="rId8"/>
+    <p:sldId id="264" r:id="rId9"/>
+    <p:sldId id="265" r:id="rId10"/>
+    <p:sldId id="266" r:id="rId11"/>
+    <p:sldId id="267" r:id="rId12"/>
+    <p:sldId id="269" r:id="rId13"/>
+    <p:sldId id="268" r:id="rId14"/>
   </p:sldIdLst>
   <p:sldSz cx="12192000" cy="6858000"/>
   <p:notesSz cx="6858000" cy="9144000"/>
@@ -111,7 +122,2245 @@
 </p:presentation>
 </file>
 
+<file path=ppt/changesInfos/changesInfo1.xml><?xml version="1.0" encoding="utf-8"?>
+<pc:chgInfo xmlns:a="http://schemas.openxmlformats.org/drawingml/2006/main" xmlns:r="http://schemas.openxmlformats.org/officeDocument/2006/relationships" xmlns:ac="http://schemas.microsoft.com/office/drawing/2013/main/command" xmlns:pc="http://schemas.microsoft.com/office/powerpoint/2013/main/command">
+  <pc:docChgLst>
+    <pc:chgData name="Trym Fjeldstad Varland" userId="420dde44-f307-4b48-8259-5db29f9da038" providerId="ADAL" clId="{0BDB926B-BB4F-41B8-B81A-C0CB97BCBCB7}"/>
+    <pc:docChg chg="custSel modSld">
+      <pc:chgData name="Trym Fjeldstad Varland" userId="420dde44-f307-4b48-8259-5db29f9da038" providerId="ADAL" clId="{0BDB926B-BB4F-41B8-B81A-C0CB97BCBCB7}" dt="2023-06-04T09:52:05.359" v="1" actId="5793"/>
+      <pc:docMkLst>
+        <pc:docMk/>
+      </pc:docMkLst>
+      <pc:sldChg chg="modNotesTx">
+        <pc:chgData name="Trym Fjeldstad Varland" userId="420dde44-f307-4b48-8259-5db29f9da038" providerId="ADAL" clId="{0BDB926B-BB4F-41B8-B81A-C0CB97BCBCB7}" dt="2023-06-04T09:52:05.359" v="1" actId="5793"/>
+        <pc:sldMkLst>
+          <pc:docMk/>
+          <pc:sldMk cId="3925628357" sldId="269"/>
+        </pc:sldMkLst>
+      </pc:sldChg>
+    </pc:docChg>
+  </pc:docChgLst>
+</pc:chgInfo>
+</file>
+
+<file path=ppt/notesMasters/notesMaster1.xml><?xml version="1.0" encoding="utf-8"?>
+<p:notesMaster xmlns:a="http://schemas.openxmlformats.org/drawingml/2006/main" xmlns:r="http://schemas.openxmlformats.org/officeDocument/2006/relationships" xmlns:p="http://schemas.openxmlformats.org/presentationml/2006/main">
+  <p:cSld>
+    <p:bg>
+      <p:bgRef idx="1001">
+        <a:schemeClr val="bg1"/>
+      </p:bgRef>
+    </p:bg>
+    <p:spTree>
+      <p:nvGrpSpPr>
+        <p:cNvPr id="1" name=""/>
+        <p:cNvGrpSpPr/>
+        <p:nvPr/>
+      </p:nvGrpSpPr>
+      <p:grpSpPr>
+        <a:xfrm>
+          <a:off x="0" y="0"/>
+          <a:ext cx="0" cy="0"/>
+          <a:chOff x="0" y="0"/>
+          <a:chExt cx="0" cy="0"/>
+        </a:xfrm>
+      </p:grpSpPr>
+      <p:sp>
+        <p:nvSpPr>
+          <p:cNvPr id="2" name="Header Placeholder 1"/>
+          <p:cNvSpPr>
+            <a:spLocks noGrp="1"/>
+          </p:cNvSpPr>
+          <p:nvPr>
+            <p:ph type="hdr" sz="quarter"/>
+          </p:nvPr>
+        </p:nvSpPr>
+        <p:spPr>
+          <a:xfrm>
+            <a:off x="0" y="0"/>
+            <a:ext cx="2971800" cy="458788"/>
+          </a:xfrm>
+          <a:prstGeom prst="rect">
+            <a:avLst/>
+          </a:prstGeom>
+        </p:spPr>
+        <p:txBody>
+          <a:bodyPr vert="horz" lIns="91440" tIns="45720" rIns="91440" bIns="45720" rtlCol="0"/>
+          <a:lstStyle>
+            <a:lvl1pPr algn="l">
+              <a:defRPr sz="1200"/>
+            </a:lvl1pPr>
+          </a:lstStyle>
+          <a:p>
+            <a:endParaRPr lang="en-US"/>
+          </a:p>
+        </p:txBody>
+      </p:sp>
+      <p:sp>
+        <p:nvSpPr>
+          <p:cNvPr id="3" name="Date Placeholder 2"/>
+          <p:cNvSpPr>
+            <a:spLocks noGrp="1"/>
+          </p:cNvSpPr>
+          <p:nvPr>
+            <p:ph type="dt" idx="1"/>
+          </p:nvPr>
+        </p:nvSpPr>
+        <p:spPr>
+          <a:xfrm>
+            <a:off x="3884613" y="0"/>
+            <a:ext cx="2971800" cy="458788"/>
+          </a:xfrm>
+          <a:prstGeom prst="rect">
+            <a:avLst/>
+          </a:prstGeom>
+        </p:spPr>
+        <p:txBody>
+          <a:bodyPr vert="horz" lIns="91440" tIns="45720" rIns="91440" bIns="45720" rtlCol="0"/>
+          <a:lstStyle>
+            <a:lvl1pPr algn="r">
+              <a:defRPr sz="1200"/>
+            </a:lvl1pPr>
+          </a:lstStyle>
+          <a:p>
+            <a:fld id="{AD5369FE-4F44-4B06-A51B-885BD386BE23}" type="datetimeFigureOut">
+              <a:rPr lang="en-US" smtClean="0"/>
+              <a:t>6/4/2023</a:t>
+            </a:fld>
+            <a:endParaRPr lang="en-US"/>
+          </a:p>
+        </p:txBody>
+      </p:sp>
+      <p:sp>
+        <p:nvSpPr>
+          <p:cNvPr id="4" name="Slide Image Placeholder 3"/>
+          <p:cNvSpPr>
+            <a:spLocks noGrp="1" noRot="1" noChangeAspect="1"/>
+          </p:cNvSpPr>
+          <p:nvPr>
+            <p:ph type="sldImg" idx="2"/>
+          </p:nvPr>
+        </p:nvSpPr>
+        <p:spPr>
+          <a:xfrm>
+            <a:off x="685800" y="1143000"/>
+            <a:ext cx="5486400" cy="3086100"/>
+          </a:xfrm>
+          <a:prstGeom prst="rect">
+            <a:avLst/>
+          </a:prstGeom>
+          <a:noFill/>
+          <a:ln w="12700">
+            <a:solidFill>
+              <a:prstClr val="black"/>
+            </a:solidFill>
+          </a:ln>
+        </p:spPr>
+        <p:txBody>
+          <a:bodyPr vert="horz" lIns="91440" tIns="45720" rIns="91440" bIns="45720" rtlCol="0" anchor="ctr"/>
+          <a:lstStyle/>
+          <a:p>
+            <a:endParaRPr lang="en-US"/>
+          </a:p>
+        </p:txBody>
+      </p:sp>
+      <p:sp>
+        <p:nvSpPr>
+          <p:cNvPr id="5" name="Notes Placeholder 4"/>
+          <p:cNvSpPr>
+            <a:spLocks noGrp="1"/>
+          </p:cNvSpPr>
+          <p:nvPr>
+            <p:ph type="body" sz="quarter" idx="3"/>
+          </p:nvPr>
+        </p:nvSpPr>
+        <p:spPr>
+          <a:xfrm>
+            <a:off x="685800" y="4400550"/>
+            <a:ext cx="5486400" cy="3600450"/>
+          </a:xfrm>
+          <a:prstGeom prst="rect">
+            <a:avLst/>
+          </a:prstGeom>
+        </p:spPr>
+        <p:txBody>
+          <a:bodyPr vert="horz" lIns="91440" tIns="45720" rIns="91440" bIns="45720" rtlCol="0"/>
+          <a:lstStyle/>
+          <a:p>
+            <a:pPr lvl="0"/>
+            <a:r>
+              <a:rPr lang="en-US"/>
+              <a:t>Click to edit Master text styles</a:t>
+            </a:r>
+          </a:p>
+          <a:p>
+            <a:pPr lvl="1"/>
+            <a:r>
+              <a:rPr lang="en-US"/>
+              <a:t>Second level</a:t>
+            </a:r>
+          </a:p>
+          <a:p>
+            <a:pPr lvl="2"/>
+            <a:r>
+              <a:rPr lang="en-US"/>
+              <a:t>Third level</a:t>
+            </a:r>
+          </a:p>
+          <a:p>
+            <a:pPr lvl="3"/>
+            <a:r>
+              <a:rPr lang="en-US"/>
+              <a:t>Fourth level</a:t>
+            </a:r>
+          </a:p>
+          <a:p>
+            <a:pPr lvl="4"/>
+            <a:r>
+              <a:rPr lang="en-US"/>
+              <a:t>Fifth level</a:t>
+            </a:r>
+          </a:p>
+        </p:txBody>
+      </p:sp>
+      <p:sp>
+        <p:nvSpPr>
+          <p:cNvPr id="6" name="Footer Placeholder 5"/>
+          <p:cNvSpPr>
+            <a:spLocks noGrp="1"/>
+          </p:cNvSpPr>
+          <p:nvPr>
+            <p:ph type="ftr" sz="quarter" idx="4"/>
+          </p:nvPr>
+        </p:nvSpPr>
+        <p:spPr>
+          <a:xfrm>
+            <a:off x="0" y="8685213"/>
+            <a:ext cx="2971800" cy="458787"/>
+          </a:xfrm>
+          <a:prstGeom prst="rect">
+            <a:avLst/>
+          </a:prstGeom>
+        </p:spPr>
+        <p:txBody>
+          <a:bodyPr vert="horz" lIns="91440" tIns="45720" rIns="91440" bIns="45720" rtlCol="0" anchor="b"/>
+          <a:lstStyle>
+            <a:lvl1pPr algn="l">
+              <a:defRPr sz="1200"/>
+            </a:lvl1pPr>
+          </a:lstStyle>
+          <a:p>
+            <a:endParaRPr lang="en-US"/>
+          </a:p>
+        </p:txBody>
+      </p:sp>
+      <p:sp>
+        <p:nvSpPr>
+          <p:cNvPr id="7" name="Slide Number Placeholder 6"/>
+          <p:cNvSpPr>
+            <a:spLocks noGrp="1"/>
+          </p:cNvSpPr>
+          <p:nvPr>
+            <p:ph type="sldNum" sz="quarter" idx="5"/>
+          </p:nvPr>
+        </p:nvSpPr>
+        <p:spPr>
+          <a:xfrm>
+            <a:off x="3884613" y="8685213"/>
+            <a:ext cx="2971800" cy="458787"/>
+          </a:xfrm>
+          <a:prstGeom prst="rect">
+            <a:avLst/>
+          </a:prstGeom>
+        </p:spPr>
+        <p:txBody>
+          <a:bodyPr vert="horz" lIns="91440" tIns="45720" rIns="91440" bIns="45720" rtlCol="0" anchor="b"/>
+          <a:lstStyle>
+            <a:lvl1pPr algn="r">
+              <a:defRPr sz="1200"/>
+            </a:lvl1pPr>
+          </a:lstStyle>
+          <a:p>
+            <a:fld id="{4B73EC80-16C9-4DC0-9403-819C598C8364}" type="slidenum">
+              <a:rPr lang="en-US" smtClean="0"/>
+              <a:t>‹#›</a:t>
+            </a:fld>
+            <a:endParaRPr lang="en-US"/>
+          </a:p>
+        </p:txBody>
+      </p:sp>
+    </p:spTree>
+    <p:extLst>
+      <p:ext uri="{BB962C8B-B14F-4D97-AF65-F5344CB8AC3E}">
+        <p14:creationId xmlns:p14="http://schemas.microsoft.com/office/powerpoint/2010/main" val="1024761551"/>
+      </p:ext>
+    </p:extLst>
+  </p:cSld>
+  <p:clrMap bg1="lt1" tx1="dk1" bg2="lt2" tx2="dk2" accent1="accent1" accent2="accent2" accent3="accent3" accent4="accent4" accent5="accent5" accent6="accent6" hlink="hlink" folHlink="folHlink"/>
+  <p:notesStyle>
+    <a:lvl1pPr marL="0" algn="l" defTabSz="914400" rtl="0" eaLnBrk="1" latinLnBrk="0" hangingPunct="1">
+      <a:defRPr sz="1200" kern="1200">
+        <a:solidFill>
+          <a:schemeClr val="tx1"/>
+        </a:solidFill>
+        <a:latin typeface="+mn-lt"/>
+        <a:ea typeface="+mn-ea"/>
+        <a:cs typeface="+mn-cs"/>
+      </a:defRPr>
+    </a:lvl1pPr>
+    <a:lvl2pPr marL="457200" algn="l" defTabSz="914400" rtl="0" eaLnBrk="1" latinLnBrk="0" hangingPunct="1">
+      <a:defRPr sz="1200" kern="1200">
+        <a:solidFill>
+          <a:schemeClr val="tx1"/>
+        </a:solidFill>
+        <a:latin typeface="+mn-lt"/>
+        <a:ea typeface="+mn-ea"/>
+        <a:cs typeface="+mn-cs"/>
+      </a:defRPr>
+    </a:lvl2pPr>
+    <a:lvl3pPr marL="914400" algn="l" defTabSz="914400" rtl="0" eaLnBrk="1" latinLnBrk="0" hangingPunct="1">
+      <a:defRPr sz="1200" kern="1200">
+        <a:solidFill>
+          <a:schemeClr val="tx1"/>
+        </a:solidFill>
+        <a:latin typeface="+mn-lt"/>
+        <a:ea typeface="+mn-ea"/>
+        <a:cs typeface="+mn-cs"/>
+      </a:defRPr>
+    </a:lvl3pPr>
+    <a:lvl4pPr marL="1371600" algn="l" defTabSz="914400" rtl="0" eaLnBrk="1" latinLnBrk="0" hangingPunct="1">
+      <a:defRPr sz="1200" kern="1200">
+        <a:solidFill>
+          <a:schemeClr val="tx1"/>
+        </a:solidFill>
+        <a:latin typeface="+mn-lt"/>
+        <a:ea typeface="+mn-ea"/>
+        <a:cs typeface="+mn-cs"/>
+      </a:defRPr>
+    </a:lvl4pPr>
+    <a:lvl5pPr marL="1828800" algn="l" defTabSz="914400" rtl="0" eaLnBrk="1" latinLnBrk="0" hangingPunct="1">
+      <a:defRPr sz="1200" kern="1200">
+        <a:solidFill>
+          <a:schemeClr val="tx1"/>
+        </a:solidFill>
+        <a:latin typeface="+mn-lt"/>
+        <a:ea typeface="+mn-ea"/>
+        <a:cs typeface="+mn-cs"/>
+      </a:defRPr>
+    </a:lvl5pPr>
+    <a:lvl6pPr marL="2286000" algn="l" defTabSz="914400" rtl="0" eaLnBrk="1" latinLnBrk="0" hangingPunct="1">
+      <a:defRPr sz="1200" kern="1200">
+        <a:solidFill>
+          <a:schemeClr val="tx1"/>
+        </a:solidFill>
+        <a:latin typeface="+mn-lt"/>
+        <a:ea typeface="+mn-ea"/>
+        <a:cs typeface="+mn-cs"/>
+      </a:defRPr>
+    </a:lvl6pPr>
+    <a:lvl7pPr marL="2743200" algn="l" defTabSz="914400" rtl="0" eaLnBrk="1" latinLnBrk="0" hangingPunct="1">
+      <a:defRPr sz="1200" kern="1200">
+        <a:solidFill>
+          <a:schemeClr val="tx1"/>
+        </a:solidFill>
+        <a:latin typeface="+mn-lt"/>
+        <a:ea typeface="+mn-ea"/>
+        <a:cs typeface="+mn-cs"/>
+      </a:defRPr>
+    </a:lvl7pPr>
+    <a:lvl8pPr marL="3200400" algn="l" defTabSz="914400" rtl="0" eaLnBrk="1" latinLnBrk="0" hangingPunct="1">
+      <a:defRPr sz="1200" kern="1200">
+        <a:solidFill>
+          <a:schemeClr val="tx1"/>
+        </a:solidFill>
+        <a:latin typeface="+mn-lt"/>
+        <a:ea typeface="+mn-ea"/>
+        <a:cs typeface="+mn-cs"/>
+      </a:defRPr>
+    </a:lvl8pPr>
+    <a:lvl9pPr marL="3657600" algn="l" defTabSz="914400" rtl="0" eaLnBrk="1" latinLnBrk="0" hangingPunct="1">
+      <a:defRPr sz="1200" kern="1200">
+        <a:solidFill>
+          <a:schemeClr val="tx1"/>
+        </a:solidFill>
+        <a:latin typeface="+mn-lt"/>
+        <a:ea typeface="+mn-ea"/>
+        <a:cs typeface="+mn-cs"/>
+      </a:defRPr>
+    </a:lvl9pPr>
+  </p:notesStyle>
+</p:notesMaster>
+</file>
+
+<file path=ppt/notesSlides/notesSlide1.xml><?xml version="1.0" encoding="utf-8"?>
+<p:notes xmlns:a="http://schemas.openxmlformats.org/drawingml/2006/main" xmlns:r="http://schemas.openxmlformats.org/officeDocument/2006/relationships" xmlns:p="http://schemas.openxmlformats.org/presentationml/2006/main">
+  <p:cSld>
+    <p:spTree>
+      <p:nvGrpSpPr>
+        <p:cNvPr id="1" name=""/>
+        <p:cNvGrpSpPr/>
+        <p:nvPr/>
+      </p:nvGrpSpPr>
+      <p:grpSpPr>
+        <a:xfrm>
+          <a:off x="0" y="0"/>
+          <a:ext cx="0" cy="0"/>
+          <a:chOff x="0" y="0"/>
+          <a:chExt cx="0" cy="0"/>
+        </a:xfrm>
+      </p:grpSpPr>
+      <p:sp>
+        <p:nvSpPr>
+          <p:cNvPr id="2" name="Slide Image Placeholder 1"/>
+          <p:cNvSpPr>
+            <a:spLocks noGrp="1" noRot="1" noChangeAspect="1"/>
+          </p:cNvSpPr>
+          <p:nvPr>
+            <p:ph type="sldImg"/>
+          </p:nvPr>
+        </p:nvSpPr>
+        <p:spPr/>
+      </p:sp>
+      <p:sp>
+        <p:nvSpPr>
+          <p:cNvPr id="3" name="Notes Placeholder 2"/>
+          <p:cNvSpPr>
+            <a:spLocks noGrp="1"/>
+          </p:cNvSpPr>
+          <p:nvPr>
+            <p:ph type="body" idx="1"/>
+          </p:nvPr>
+        </p:nvSpPr>
+        <p:spPr/>
+        <p:txBody>
+          <a:bodyPr/>
+          <a:lstStyle/>
+          <a:p>
+            <a:r>
+              <a:rPr lang="nb-NO" dirty="0" err="1"/>
+              <a:t>Hehhehehehehehhehehehehehhehehehhehe</a:t>
+            </a:r>
+            <a:r>
+              <a:rPr lang="nb-NO"/>
+              <a:t> </a:t>
+            </a:r>
+            <a:endParaRPr lang="en-US"/>
+          </a:p>
+        </p:txBody>
+      </p:sp>
+      <p:sp>
+        <p:nvSpPr>
+          <p:cNvPr id="4" name="Slide Number Placeholder 3"/>
+          <p:cNvSpPr>
+            <a:spLocks noGrp="1"/>
+          </p:cNvSpPr>
+          <p:nvPr>
+            <p:ph type="sldNum" sz="quarter" idx="5"/>
+          </p:nvPr>
+        </p:nvSpPr>
+        <p:spPr/>
+        <p:txBody>
+          <a:bodyPr/>
+          <a:lstStyle/>
+          <a:p>
+            <a:fld id="{4B73EC80-16C9-4DC0-9403-819C598C8364}" type="slidenum">
+              <a:rPr lang="en-US" smtClean="0"/>
+              <a:t>12</a:t>
+            </a:fld>
+            <a:endParaRPr lang="en-US"/>
+          </a:p>
+        </p:txBody>
+      </p:sp>
+    </p:spTree>
+    <p:extLst>
+      <p:ext uri="{BB962C8B-B14F-4D97-AF65-F5344CB8AC3E}">
+        <p14:creationId xmlns:p14="http://schemas.microsoft.com/office/powerpoint/2010/main" val="2924261967"/>
+      </p:ext>
+    </p:extLst>
+  </p:cSld>
+  <p:clrMapOvr>
+    <a:masterClrMapping/>
+  </p:clrMapOvr>
+</p:notes>
+</file>
+
 <file path=ppt/slideLayouts/slideLayout1.xml><?xml version="1.0" encoding="utf-8"?>
+<p:sldLayout xmlns:a="http://schemas.openxmlformats.org/drawingml/2006/main" xmlns:r="http://schemas.openxmlformats.org/officeDocument/2006/relationships" xmlns:p="http://schemas.openxmlformats.org/presentationml/2006/main" type="title" preserve="1">
+  <p:cSld name="Title Slide">
+    <p:spTree>
+      <p:nvGrpSpPr>
+        <p:cNvPr id="1" name=""/>
+        <p:cNvGrpSpPr/>
+        <p:nvPr/>
+      </p:nvGrpSpPr>
+      <p:grpSpPr>
+        <a:xfrm>
+          <a:off x="0" y="0"/>
+          <a:ext cx="0" cy="0"/>
+          <a:chOff x="0" y="0"/>
+          <a:chExt cx="0" cy="0"/>
+        </a:xfrm>
+      </p:grpSpPr>
+      <p:sp>
+        <p:nvSpPr>
+          <p:cNvPr id="2" name="Title 1">
+            <a:extLst>
+              <a:ext uri="{FF2B5EF4-FFF2-40B4-BE49-F238E27FC236}">
+                <a16:creationId xmlns:a16="http://schemas.microsoft.com/office/drawing/2014/main" id="{99C203D5-B60F-EEC8-65F7-47C240172282}"/>
+              </a:ext>
+            </a:extLst>
+          </p:cNvPr>
+          <p:cNvSpPr>
+            <a:spLocks noGrp="1"/>
+          </p:cNvSpPr>
+          <p:nvPr>
+            <p:ph type="ctrTitle"/>
+          </p:nvPr>
+        </p:nvSpPr>
+        <p:spPr>
+          <a:xfrm>
+            <a:off x="1524000" y="1122363"/>
+            <a:ext cx="9144000" cy="2387600"/>
+          </a:xfrm>
+        </p:spPr>
+        <p:txBody>
+          <a:bodyPr anchor="b"/>
+          <a:lstStyle>
+            <a:lvl1pPr algn="ctr">
+              <a:defRPr sz="6000"/>
+            </a:lvl1pPr>
+          </a:lstStyle>
+          <a:p>
+            <a:r>
+              <a:rPr lang="en-US"/>
+              <a:t>Click to edit Master title style</a:t>
+            </a:r>
+          </a:p>
+        </p:txBody>
+      </p:sp>
+      <p:sp>
+        <p:nvSpPr>
+          <p:cNvPr id="3" name="Subtitle 2">
+            <a:extLst>
+              <a:ext uri="{FF2B5EF4-FFF2-40B4-BE49-F238E27FC236}">
+                <a16:creationId xmlns:a16="http://schemas.microsoft.com/office/drawing/2014/main" id="{0A1D6687-7C09-0C54-0FF3-5414A5289D1F}"/>
+              </a:ext>
+            </a:extLst>
+          </p:cNvPr>
+          <p:cNvSpPr>
+            <a:spLocks noGrp="1"/>
+          </p:cNvSpPr>
+          <p:nvPr>
+            <p:ph type="subTitle" idx="1"/>
+          </p:nvPr>
+        </p:nvSpPr>
+        <p:spPr>
+          <a:xfrm>
+            <a:off x="1524000" y="3602038"/>
+            <a:ext cx="9144000" cy="1655762"/>
+          </a:xfrm>
+        </p:spPr>
+        <p:txBody>
+          <a:bodyPr/>
+          <a:lstStyle>
+            <a:lvl1pPr marL="0" indent="0" algn="ctr">
+              <a:buNone/>
+              <a:defRPr sz="2400"/>
+            </a:lvl1pPr>
+            <a:lvl2pPr marL="457200" indent="0" algn="ctr">
+              <a:buNone/>
+              <a:defRPr sz="2000"/>
+            </a:lvl2pPr>
+            <a:lvl3pPr marL="914400" indent="0" algn="ctr">
+              <a:buNone/>
+              <a:defRPr sz="1800"/>
+            </a:lvl3pPr>
+            <a:lvl4pPr marL="1371600" indent="0" algn="ctr">
+              <a:buNone/>
+              <a:defRPr sz="1600"/>
+            </a:lvl4pPr>
+            <a:lvl5pPr marL="1828800" indent="0" algn="ctr">
+              <a:buNone/>
+              <a:defRPr sz="1600"/>
+            </a:lvl5pPr>
+            <a:lvl6pPr marL="2286000" indent="0" algn="ctr">
+              <a:buNone/>
+              <a:defRPr sz="1600"/>
+            </a:lvl6pPr>
+            <a:lvl7pPr marL="2743200" indent="0" algn="ctr">
+              <a:buNone/>
+              <a:defRPr sz="1600"/>
+            </a:lvl7pPr>
+            <a:lvl8pPr marL="3200400" indent="0" algn="ctr">
+              <a:buNone/>
+              <a:defRPr sz="1600"/>
+            </a:lvl8pPr>
+            <a:lvl9pPr marL="3657600" indent="0" algn="ctr">
+              <a:buNone/>
+              <a:defRPr sz="1600"/>
+            </a:lvl9pPr>
+          </a:lstStyle>
+          <a:p>
+            <a:r>
+              <a:rPr lang="en-US"/>
+              <a:t>Click to edit Master subtitle style</a:t>
+            </a:r>
+          </a:p>
+        </p:txBody>
+      </p:sp>
+      <p:sp>
+        <p:nvSpPr>
+          <p:cNvPr id="4" name="Date Placeholder 3">
+            <a:extLst>
+              <a:ext uri="{FF2B5EF4-FFF2-40B4-BE49-F238E27FC236}">
+                <a16:creationId xmlns:a16="http://schemas.microsoft.com/office/drawing/2014/main" id="{9F338AAA-E560-B949-0C33-268AD5A5078F}"/>
+              </a:ext>
+            </a:extLst>
+          </p:cNvPr>
+          <p:cNvSpPr>
+            <a:spLocks noGrp="1"/>
+          </p:cNvSpPr>
+          <p:nvPr>
+            <p:ph type="dt" sz="half" idx="10"/>
+          </p:nvPr>
+        </p:nvSpPr>
+        <p:spPr/>
+        <p:txBody>
+          <a:bodyPr/>
+          <a:lstStyle/>
+          <a:p>
+            <a:fld id="{043BA505-DB19-400D-8033-E8D3662981AD}" type="datetimeFigureOut">
+              <a:rPr lang="en-US" smtClean="0"/>
+              <a:t>6/2/2023</a:t>
+            </a:fld>
+            <a:endParaRPr lang="en-US"/>
+          </a:p>
+        </p:txBody>
+      </p:sp>
+      <p:sp>
+        <p:nvSpPr>
+          <p:cNvPr id="5" name="Footer Placeholder 4">
+            <a:extLst>
+              <a:ext uri="{FF2B5EF4-FFF2-40B4-BE49-F238E27FC236}">
+                <a16:creationId xmlns:a16="http://schemas.microsoft.com/office/drawing/2014/main" id="{43506A74-A77E-4F69-512E-438295EFE8C2}"/>
+              </a:ext>
+            </a:extLst>
+          </p:cNvPr>
+          <p:cNvSpPr>
+            <a:spLocks noGrp="1"/>
+          </p:cNvSpPr>
+          <p:nvPr>
+            <p:ph type="ftr" sz="quarter" idx="11"/>
+          </p:nvPr>
+        </p:nvSpPr>
+        <p:spPr/>
+        <p:txBody>
+          <a:bodyPr/>
+          <a:lstStyle/>
+          <a:p>
+            <a:endParaRPr lang="en-US"/>
+          </a:p>
+        </p:txBody>
+      </p:sp>
+      <p:sp>
+        <p:nvSpPr>
+          <p:cNvPr id="6" name="Slide Number Placeholder 5">
+            <a:extLst>
+              <a:ext uri="{FF2B5EF4-FFF2-40B4-BE49-F238E27FC236}">
+                <a16:creationId xmlns:a16="http://schemas.microsoft.com/office/drawing/2014/main" id="{FD17028C-16B4-24CE-4F3A-BF0518647EB1}"/>
+              </a:ext>
+            </a:extLst>
+          </p:cNvPr>
+          <p:cNvSpPr>
+            <a:spLocks noGrp="1"/>
+          </p:cNvSpPr>
+          <p:nvPr>
+            <p:ph type="sldNum" sz="quarter" idx="12"/>
+          </p:nvPr>
+        </p:nvSpPr>
+        <p:spPr/>
+        <p:txBody>
+          <a:bodyPr/>
+          <a:lstStyle/>
+          <a:p>
+            <a:fld id="{A8CA8744-4CE3-42E4-83C7-E4DED2CF3447}" type="slidenum">
+              <a:rPr lang="en-US" smtClean="0"/>
+              <a:t>‹#›</a:t>
+            </a:fld>
+            <a:endParaRPr lang="en-US"/>
+          </a:p>
+        </p:txBody>
+      </p:sp>
+    </p:spTree>
+    <p:extLst>
+      <p:ext uri="{BB962C8B-B14F-4D97-AF65-F5344CB8AC3E}">
+        <p14:creationId xmlns:p14="http://schemas.microsoft.com/office/powerpoint/2010/main" val="1466648422"/>
+      </p:ext>
+    </p:extLst>
+  </p:cSld>
+  <p:clrMapOvr>
+    <a:masterClrMapping/>
+  </p:clrMapOvr>
+</p:sldLayout>
+</file>
+
+<file path=ppt/slideLayouts/slideLayout10.xml><?xml version="1.0" encoding="utf-8"?>
+<p:sldLayout xmlns:a="http://schemas.openxmlformats.org/drawingml/2006/main" xmlns:r="http://schemas.openxmlformats.org/officeDocument/2006/relationships" xmlns:p="http://schemas.openxmlformats.org/presentationml/2006/main" type="vertTx" preserve="1">
+  <p:cSld name="Title and Vertical Text">
+    <p:spTree>
+      <p:nvGrpSpPr>
+        <p:cNvPr id="1" name=""/>
+        <p:cNvGrpSpPr/>
+        <p:nvPr/>
+      </p:nvGrpSpPr>
+      <p:grpSpPr>
+        <a:xfrm>
+          <a:off x="0" y="0"/>
+          <a:ext cx="0" cy="0"/>
+          <a:chOff x="0" y="0"/>
+          <a:chExt cx="0" cy="0"/>
+        </a:xfrm>
+      </p:grpSpPr>
+      <p:sp>
+        <p:nvSpPr>
+          <p:cNvPr id="2" name="Title 1">
+            <a:extLst>
+              <a:ext uri="{FF2B5EF4-FFF2-40B4-BE49-F238E27FC236}">
+                <a16:creationId xmlns:a16="http://schemas.microsoft.com/office/drawing/2014/main" id="{EA1B2D4A-144A-2A38-0930-B8C2C6395FAD}"/>
+              </a:ext>
+            </a:extLst>
+          </p:cNvPr>
+          <p:cNvSpPr>
+            <a:spLocks noGrp="1"/>
+          </p:cNvSpPr>
+          <p:nvPr>
+            <p:ph type="title"/>
+          </p:nvPr>
+        </p:nvSpPr>
+        <p:spPr/>
+        <p:txBody>
+          <a:bodyPr/>
+          <a:lstStyle/>
+          <a:p>
+            <a:r>
+              <a:rPr lang="en-US"/>
+              <a:t>Click to edit Master title style</a:t>
+            </a:r>
+          </a:p>
+        </p:txBody>
+      </p:sp>
+      <p:sp>
+        <p:nvSpPr>
+          <p:cNvPr id="3" name="Vertical Text Placeholder 2">
+            <a:extLst>
+              <a:ext uri="{FF2B5EF4-FFF2-40B4-BE49-F238E27FC236}">
+                <a16:creationId xmlns:a16="http://schemas.microsoft.com/office/drawing/2014/main" id="{30B577B0-C5F6-D2B5-1118-827318CADD10}"/>
+              </a:ext>
+            </a:extLst>
+          </p:cNvPr>
+          <p:cNvSpPr>
+            <a:spLocks noGrp="1"/>
+          </p:cNvSpPr>
+          <p:nvPr>
+            <p:ph type="body" orient="vert" idx="1"/>
+          </p:nvPr>
+        </p:nvSpPr>
+        <p:spPr/>
+        <p:txBody>
+          <a:bodyPr vert="eaVert"/>
+          <a:lstStyle/>
+          <a:p>
+            <a:pPr lvl="0"/>
+            <a:r>
+              <a:rPr lang="en-US"/>
+              <a:t>Click to edit Master text styles</a:t>
+            </a:r>
+          </a:p>
+          <a:p>
+            <a:pPr lvl="1"/>
+            <a:r>
+              <a:rPr lang="en-US"/>
+              <a:t>Second level</a:t>
+            </a:r>
+          </a:p>
+          <a:p>
+            <a:pPr lvl="2"/>
+            <a:r>
+              <a:rPr lang="en-US"/>
+              <a:t>Third level</a:t>
+            </a:r>
+          </a:p>
+          <a:p>
+            <a:pPr lvl="3"/>
+            <a:r>
+              <a:rPr lang="en-US"/>
+              <a:t>Fourth level</a:t>
+            </a:r>
+          </a:p>
+          <a:p>
+            <a:pPr lvl="4"/>
+            <a:r>
+              <a:rPr lang="en-US"/>
+              <a:t>Fifth level</a:t>
+            </a:r>
+          </a:p>
+        </p:txBody>
+      </p:sp>
+      <p:sp>
+        <p:nvSpPr>
+          <p:cNvPr id="4" name="Date Placeholder 3">
+            <a:extLst>
+              <a:ext uri="{FF2B5EF4-FFF2-40B4-BE49-F238E27FC236}">
+                <a16:creationId xmlns:a16="http://schemas.microsoft.com/office/drawing/2014/main" id="{FDC25EF1-21C9-654A-7172-9BD02D9DB2FA}"/>
+              </a:ext>
+            </a:extLst>
+          </p:cNvPr>
+          <p:cNvSpPr>
+            <a:spLocks noGrp="1"/>
+          </p:cNvSpPr>
+          <p:nvPr>
+            <p:ph type="dt" sz="half" idx="10"/>
+          </p:nvPr>
+        </p:nvSpPr>
+        <p:spPr/>
+        <p:txBody>
+          <a:bodyPr/>
+          <a:lstStyle/>
+          <a:p>
+            <a:fld id="{043BA505-DB19-400D-8033-E8D3662981AD}" type="datetimeFigureOut">
+              <a:rPr lang="en-US" smtClean="0"/>
+              <a:t>6/2/2023</a:t>
+            </a:fld>
+            <a:endParaRPr lang="en-US"/>
+          </a:p>
+        </p:txBody>
+      </p:sp>
+      <p:sp>
+        <p:nvSpPr>
+          <p:cNvPr id="5" name="Footer Placeholder 4">
+            <a:extLst>
+              <a:ext uri="{FF2B5EF4-FFF2-40B4-BE49-F238E27FC236}">
+                <a16:creationId xmlns:a16="http://schemas.microsoft.com/office/drawing/2014/main" id="{613F2304-D4EF-138C-9D3A-C087446E7B4A}"/>
+              </a:ext>
+            </a:extLst>
+          </p:cNvPr>
+          <p:cNvSpPr>
+            <a:spLocks noGrp="1"/>
+          </p:cNvSpPr>
+          <p:nvPr>
+            <p:ph type="ftr" sz="quarter" idx="11"/>
+          </p:nvPr>
+        </p:nvSpPr>
+        <p:spPr/>
+        <p:txBody>
+          <a:bodyPr/>
+          <a:lstStyle/>
+          <a:p>
+            <a:endParaRPr lang="en-US"/>
+          </a:p>
+        </p:txBody>
+      </p:sp>
+      <p:sp>
+        <p:nvSpPr>
+          <p:cNvPr id="6" name="Slide Number Placeholder 5">
+            <a:extLst>
+              <a:ext uri="{FF2B5EF4-FFF2-40B4-BE49-F238E27FC236}">
+                <a16:creationId xmlns:a16="http://schemas.microsoft.com/office/drawing/2014/main" id="{0C81D569-4AAB-1918-357A-9A4D5EE41CAD}"/>
+              </a:ext>
+            </a:extLst>
+          </p:cNvPr>
+          <p:cNvSpPr>
+            <a:spLocks noGrp="1"/>
+          </p:cNvSpPr>
+          <p:nvPr>
+            <p:ph type="sldNum" sz="quarter" idx="12"/>
+          </p:nvPr>
+        </p:nvSpPr>
+        <p:spPr/>
+        <p:txBody>
+          <a:bodyPr/>
+          <a:lstStyle/>
+          <a:p>
+            <a:fld id="{A8CA8744-4CE3-42E4-83C7-E4DED2CF3447}" type="slidenum">
+              <a:rPr lang="en-US" smtClean="0"/>
+              <a:t>‹#›</a:t>
+            </a:fld>
+            <a:endParaRPr lang="en-US"/>
+          </a:p>
+        </p:txBody>
+      </p:sp>
+    </p:spTree>
+    <p:extLst>
+      <p:ext uri="{BB962C8B-B14F-4D97-AF65-F5344CB8AC3E}">
+        <p14:creationId xmlns:p14="http://schemas.microsoft.com/office/powerpoint/2010/main" val="1289130401"/>
+      </p:ext>
+    </p:extLst>
+  </p:cSld>
+  <p:clrMapOvr>
+    <a:masterClrMapping/>
+  </p:clrMapOvr>
+</p:sldLayout>
+</file>
+
+<file path=ppt/slideLayouts/slideLayout11.xml><?xml version="1.0" encoding="utf-8"?>
+<p:sldLayout xmlns:a="http://schemas.openxmlformats.org/drawingml/2006/main" xmlns:r="http://schemas.openxmlformats.org/officeDocument/2006/relationships" xmlns:p="http://schemas.openxmlformats.org/presentationml/2006/main" type="vertTitleAndTx" preserve="1">
+  <p:cSld name="Vertical Title and Text">
+    <p:spTree>
+      <p:nvGrpSpPr>
+        <p:cNvPr id="1" name=""/>
+        <p:cNvGrpSpPr/>
+        <p:nvPr/>
+      </p:nvGrpSpPr>
+      <p:grpSpPr>
+        <a:xfrm>
+          <a:off x="0" y="0"/>
+          <a:ext cx="0" cy="0"/>
+          <a:chOff x="0" y="0"/>
+          <a:chExt cx="0" cy="0"/>
+        </a:xfrm>
+      </p:grpSpPr>
+      <p:sp>
+        <p:nvSpPr>
+          <p:cNvPr id="2" name="Vertical Title 1">
+            <a:extLst>
+              <a:ext uri="{FF2B5EF4-FFF2-40B4-BE49-F238E27FC236}">
+                <a16:creationId xmlns:a16="http://schemas.microsoft.com/office/drawing/2014/main" id="{E509806B-49F7-ABE2-5CFF-4240EAE0ACBE}"/>
+              </a:ext>
+            </a:extLst>
+          </p:cNvPr>
+          <p:cNvSpPr>
+            <a:spLocks noGrp="1"/>
+          </p:cNvSpPr>
+          <p:nvPr>
+            <p:ph type="title" orient="vert"/>
+          </p:nvPr>
+        </p:nvSpPr>
+        <p:spPr>
+          <a:xfrm>
+            <a:off x="8724900" y="365125"/>
+            <a:ext cx="2628900" cy="5811838"/>
+          </a:xfrm>
+        </p:spPr>
+        <p:txBody>
+          <a:bodyPr vert="eaVert"/>
+          <a:lstStyle/>
+          <a:p>
+            <a:r>
+              <a:rPr lang="en-US"/>
+              <a:t>Click to edit Master title style</a:t>
+            </a:r>
+          </a:p>
+        </p:txBody>
+      </p:sp>
+      <p:sp>
+        <p:nvSpPr>
+          <p:cNvPr id="3" name="Vertical Text Placeholder 2">
+            <a:extLst>
+              <a:ext uri="{FF2B5EF4-FFF2-40B4-BE49-F238E27FC236}">
+                <a16:creationId xmlns:a16="http://schemas.microsoft.com/office/drawing/2014/main" id="{EB0AA00F-911D-B405-2C3E-64065DD1DBB7}"/>
+              </a:ext>
+            </a:extLst>
+          </p:cNvPr>
+          <p:cNvSpPr>
+            <a:spLocks noGrp="1"/>
+          </p:cNvSpPr>
+          <p:nvPr>
+            <p:ph type="body" orient="vert" idx="1"/>
+          </p:nvPr>
+        </p:nvSpPr>
+        <p:spPr>
+          <a:xfrm>
+            <a:off x="838200" y="365125"/>
+            <a:ext cx="7734300" cy="5811838"/>
+          </a:xfrm>
+        </p:spPr>
+        <p:txBody>
+          <a:bodyPr vert="eaVert"/>
+          <a:lstStyle/>
+          <a:p>
+            <a:pPr lvl="0"/>
+            <a:r>
+              <a:rPr lang="en-US"/>
+              <a:t>Click to edit Master text styles</a:t>
+            </a:r>
+          </a:p>
+          <a:p>
+            <a:pPr lvl="1"/>
+            <a:r>
+              <a:rPr lang="en-US"/>
+              <a:t>Second level</a:t>
+            </a:r>
+          </a:p>
+          <a:p>
+            <a:pPr lvl="2"/>
+            <a:r>
+              <a:rPr lang="en-US"/>
+              <a:t>Third level</a:t>
+            </a:r>
+          </a:p>
+          <a:p>
+            <a:pPr lvl="3"/>
+            <a:r>
+              <a:rPr lang="en-US"/>
+              <a:t>Fourth level</a:t>
+            </a:r>
+          </a:p>
+          <a:p>
+            <a:pPr lvl="4"/>
+            <a:r>
+              <a:rPr lang="en-US"/>
+              <a:t>Fifth level</a:t>
+            </a:r>
+          </a:p>
+        </p:txBody>
+      </p:sp>
+      <p:sp>
+        <p:nvSpPr>
+          <p:cNvPr id="4" name="Date Placeholder 3">
+            <a:extLst>
+              <a:ext uri="{FF2B5EF4-FFF2-40B4-BE49-F238E27FC236}">
+                <a16:creationId xmlns:a16="http://schemas.microsoft.com/office/drawing/2014/main" id="{3220CD38-9466-01A6-E607-1F4E6CA36EE7}"/>
+              </a:ext>
+            </a:extLst>
+          </p:cNvPr>
+          <p:cNvSpPr>
+            <a:spLocks noGrp="1"/>
+          </p:cNvSpPr>
+          <p:nvPr>
+            <p:ph type="dt" sz="half" idx="10"/>
+          </p:nvPr>
+        </p:nvSpPr>
+        <p:spPr/>
+        <p:txBody>
+          <a:bodyPr/>
+          <a:lstStyle/>
+          <a:p>
+            <a:fld id="{043BA505-DB19-400D-8033-E8D3662981AD}" type="datetimeFigureOut">
+              <a:rPr lang="en-US" smtClean="0"/>
+              <a:t>6/2/2023</a:t>
+            </a:fld>
+            <a:endParaRPr lang="en-US"/>
+          </a:p>
+        </p:txBody>
+      </p:sp>
+      <p:sp>
+        <p:nvSpPr>
+          <p:cNvPr id="5" name="Footer Placeholder 4">
+            <a:extLst>
+              <a:ext uri="{FF2B5EF4-FFF2-40B4-BE49-F238E27FC236}">
+                <a16:creationId xmlns:a16="http://schemas.microsoft.com/office/drawing/2014/main" id="{B4891BDD-FD39-2D09-FE47-514A090CB368}"/>
+              </a:ext>
+            </a:extLst>
+          </p:cNvPr>
+          <p:cNvSpPr>
+            <a:spLocks noGrp="1"/>
+          </p:cNvSpPr>
+          <p:nvPr>
+            <p:ph type="ftr" sz="quarter" idx="11"/>
+          </p:nvPr>
+        </p:nvSpPr>
+        <p:spPr/>
+        <p:txBody>
+          <a:bodyPr/>
+          <a:lstStyle/>
+          <a:p>
+            <a:endParaRPr lang="en-US"/>
+          </a:p>
+        </p:txBody>
+      </p:sp>
+      <p:sp>
+        <p:nvSpPr>
+          <p:cNvPr id="6" name="Slide Number Placeholder 5">
+            <a:extLst>
+              <a:ext uri="{FF2B5EF4-FFF2-40B4-BE49-F238E27FC236}">
+                <a16:creationId xmlns:a16="http://schemas.microsoft.com/office/drawing/2014/main" id="{50AE4A47-E5B1-7CFB-0379-4ED49C82407C}"/>
+              </a:ext>
+            </a:extLst>
+          </p:cNvPr>
+          <p:cNvSpPr>
+            <a:spLocks noGrp="1"/>
+          </p:cNvSpPr>
+          <p:nvPr>
+            <p:ph type="sldNum" sz="quarter" idx="12"/>
+          </p:nvPr>
+        </p:nvSpPr>
+        <p:spPr/>
+        <p:txBody>
+          <a:bodyPr/>
+          <a:lstStyle/>
+          <a:p>
+            <a:fld id="{A8CA8744-4CE3-42E4-83C7-E4DED2CF3447}" type="slidenum">
+              <a:rPr lang="en-US" smtClean="0"/>
+              <a:t>‹#›</a:t>
+            </a:fld>
+            <a:endParaRPr lang="en-US"/>
+          </a:p>
+        </p:txBody>
+      </p:sp>
+    </p:spTree>
+    <p:extLst>
+      <p:ext uri="{BB962C8B-B14F-4D97-AF65-F5344CB8AC3E}">
+        <p14:creationId xmlns:p14="http://schemas.microsoft.com/office/powerpoint/2010/main" val="771205731"/>
+      </p:ext>
+    </p:extLst>
+  </p:cSld>
+  <p:clrMapOvr>
+    <a:masterClrMapping/>
+  </p:clrMapOvr>
+</p:sldLayout>
+</file>
+
+<file path=ppt/slideLayouts/slideLayout2.xml><?xml version="1.0" encoding="utf-8"?>
+<p:sldLayout xmlns:a="http://schemas.openxmlformats.org/drawingml/2006/main" xmlns:r="http://schemas.openxmlformats.org/officeDocument/2006/relationships" xmlns:p="http://schemas.openxmlformats.org/presentationml/2006/main" type="obj" preserve="1">
+  <p:cSld name="Title and Content">
+    <p:spTree>
+      <p:nvGrpSpPr>
+        <p:cNvPr id="1" name=""/>
+        <p:cNvGrpSpPr/>
+        <p:nvPr/>
+      </p:nvGrpSpPr>
+      <p:grpSpPr>
+        <a:xfrm>
+          <a:off x="0" y="0"/>
+          <a:ext cx="0" cy="0"/>
+          <a:chOff x="0" y="0"/>
+          <a:chExt cx="0" cy="0"/>
+        </a:xfrm>
+      </p:grpSpPr>
+      <p:sp>
+        <p:nvSpPr>
+          <p:cNvPr id="2" name="Title 1">
+            <a:extLst>
+              <a:ext uri="{FF2B5EF4-FFF2-40B4-BE49-F238E27FC236}">
+                <a16:creationId xmlns:a16="http://schemas.microsoft.com/office/drawing/2014/main" id="{CF83225C-13C1-0219-DE4C-653C7DD7C8F2}"/>
+              </a:ext>
+            </a:extLst>
+          </p:cNvPr>
+          <p:cNvSpPr>
+            <a:spLocks noGrp="1"/>
+          </p:cNvSpPr>
+          <p:nvPr>
+            <p:ph type="title"/>
+          </p:nvPr>
+        </p:nvSpPr>
+        <p:spPr/>
+        <p:txBody>
+          <a:bodyPr/>
+          <a:lstStyle/>
+          <a:p>
+            <a:r>
+              <a:rPr lang="en-US"/>
+              <a:t>Click to edit Master title style</a:t>
+            </a:r>
+          </a:p>
+        </p:txBody>
+      </p:sp>
+      <p:sp>
+        <p:nvSpPr>
+          <p:cNvPr id="3" name="Content Placeholder 2">
+            <a:extLst>
+              <a:ext uri="{FF2B5EF4-FFF2-40B4-BE49-F238E27FC236}">
+                <a16:creationId xmlns:a16="http://schemas.microsoft.com/office/drawing/2014/main" id="{7AA4360D-7E1C-11B3-7C8B-D54F9586E2F2}"/>
+              </a:ext>
+            </a:extLst>
+          </p:cNvPr>
+          <p:cNvSpPr>
+            <a:spLocks noGrp="1"/>
+          </p:cNvSpPr>
+          <p:nvPr>
+            <p:ph idx="1"/>
+          </p:nvPr>
+        </p:nvSpPr>
+        <p:spPr/>
+        <p:txBody>
+          <a:bodyPr/>
+          <a:lstStyle/>
+          <a:p>
+            <a:pPr lvl="0"/>
+            <a:r>
+              <a:rPr lang="en-US"/>
+              <a:t>Click to edit Master text styles</a:t>
+            </a:r>
+          </a:p>
+          <a:p>
+            <a:pPr lvl="1"/>
+            <a:r>
+              <a:rPr lang="en-US"/>
+              <a:t>Second level</a:t>
+            </a:r>
+          </a:p>
+          <a:p>
+            <a:pPr lvl="2"/>
+            <a:r>
+              <a:rPr lang="en-US"/>
+              <a:t>Third level</a:t>
+            </a:r>
+          </a:p>
+          <a:p>
+            <a:pPr lvl="3"/>
+            <a:r>
+              <a:rPr lang="en-US"/>
+              <a:t>Fourth level</a:t>
+            </a:r>
+          </a:p>
+          <a:p>
+            <a:pPr lvl="4"/>
+            <a:r>
+              <a:rPr lang="en-US"/>
+              <a:t>Fifth level</a:t>
+            </a:r>
+          </a:p>
+        </p:txBody>
+      </p:sp>
+      <p:sp>
+        <p:nvSpPr>
+          <p:cNvPr id="4" name="Date Placeholder 3">
+            <a:extLst>
+              <a:ext uri="{FF2B5EF4-FFF2-40B4-BE49-F238E27FC236}">
+                <a16:creationId xmlns:a16="http://schemas.microsoft.com/office/drawing/2014/main" id="{8659BA60-BC43-5206-B195-998DC596178C}"/>
+              </a:ext>
+            </a:extLst>
+          </p:cNvPr>
+          <p:cNvSpPr>
+            <a:spLocks noGrp="1"/>
+          </p:cNvSpPr>
+          <p:nvPr>
+            <p:ph type="dt" sz="half" idx="10"/>
+          </p:nvPr>
+        </p:nvSpPr>
+        <p:spPr/>
+        <p:txBody>
+          <a:bodyPr/>
+          <a:lstStyle/>
+          <a:p>
+            <a:fld id="{043BA505-DB19-400D-8033-E8D3662981AD}" type="datetimeFigureOut">
+              <a:rPr lang="en-US" smtClean="0"/>
+              <a:t>6/2/2023</a:t>
+            </a:fld>
+            <a:endParaRPr lang="en-US"/>
+          </a:p>
+        </p:txBody>
+      </p:sp>
+      <p:sp>
+        <p:nvSpPr>
+          <p:cNvPr id="5" name="Footer Placeholder 4">
+            <a:extLst>
+              <a:ext uri="{FF2B5EF4-FFF2-40B4-BE49-F238E27FC236}">
+                <a16:creationId xmlns:a16="http://schemas.microsoft.com/office/drawing/2014/main" id="{DEC88414-C28F-B3F2-BD43-AC135EC27D96}"/>
+              </a:ext>
+            </a:extLst>
+          </p:cNvPr>
+          <p:cNvSpPr>
+            <a:spLocks noGrp="1"/>
+          </p:cNvSpPr>
+          <p:nvPr>
+            <p:ph type="ftr" sz="quarter" idx="11"/>
+          </p:nvPr>
+        </p:nvSpPr>
+        <p:spPr/>
+        <p:txBody>
+          <a:bodyPr/>
+          <a:lstStyle/>
+          <a:p>
+            <a:endParaRPr lang="en-US"/>
+          </a:p>
+        </p:txBody>
+      </p:sp>
+      <p:sp>
+        <p:nvSpPr>
+          <p:cNvPr id="6" name="Slide Number Placeholder 5">
+            <a:extLst>
+              <a:ext uri="{FF2B5EF4-FFF2-40B4-BE49-F238E27FC236}">
+                <a16:creationId xmlns:a16="http://schemas.microsoft.com/office/drawing/2014/main" id="{F6B3F655-8149-64CB-D82C-87A020C2A786}"/>
+              </a:ext>
+            </a:extLst>
+          </p:cNvPr>
+          <p:cNvSpPr>
+            <a:spLocks noGrp="1"/>
+          </p:cNvSpPr>
+          <p:nvPr>
+            <p:ph type="sldNum" sz="quarter" idx="12"/>
+          </p:nvPr>
+        </p:nvSpPr>
+        <p:spPr/>
+        <p:txBody>
+          <a:bodyPr/>
+          <a:lstStyle/>
+          <a:p>
+            <a:fld id="{A8CA8744-4CE3-42E4-83C7-E4DED2CF3447}" type="slidenum">
+              <a:rPr lang="en-US" smtClean="0"/>
+              <a:t>‹#›</a:t>
+            </a:fld>
+            <a:endParaRPr lang="en-US"/>
+          </a:p>
+        </p:txBody>
+      </p:sp>
+    </p:spTree>
+    <p:extLst>
+      <p:ext uri="{BB962C8B-B14F-4D97-AF65-F5344CB8AC3E}">
+        <p14:creationId xmlns:p14="http://schemas.microsoft.com/office/powerpoint/2010/main" val="1998983082"/>
+      </p:ext>
+    </p:extLst>
+  </p:cSld>
+  <p:clrMapOvr>
+    <a:masterClrMapping/>
+  </p:clrMapOvr>
+</p:sldLayout>
+</file>
+
+<file path=ppt/slideLayouts/slideLayout3.xml><?xml version="1.0" encoding="utf-8"?>
+<p:sldLayout xmlns:a="http://schemas.openxmlformats.org/drawingml/2006/main" xmlns:r="http://schemas.openxmlformats.org/officeDocument/2006/relationships" xmlns:p="http://schemas.openxmlformats.org/presentationml/2006/main" type="secHead" preserve="1">
+  <p:cSld name="Section Header">
+    <p:spTree>
+      <p:nvGrpSpPr>
+        <p:cNvPr id="1" name=""/>
+        <p:cNvGrpSpPr/>
+        <p:nvPr/>
+      </p:nvGrpSpPr>
+      <p:grpSpPr>
+        <a:xfrm>
+          <a:off x="0" y="0"/>
+          <a:ext cx="0" cy="0"/>
+          <a:chOff x="0" y="0"/>
+          <a:chExt cx="0" cy="0"/>
+        </a:xfrm>
+      </p:grpSpPr>
+      <p:sp>
+        <p:nvSpPr>
+          <p:cNvPr id="2" name="Title 1">
+            <a:extLst>
+              <a:ext uri="{FF2B5EF4-FFF2-40B4-BE49-F238E27FC236}">
+                <a16:creationId xmlns:a16="http://schemas.microsoft.com/office/drawing/2014/main" id="{BD5C753F-D6F5-3310-4516-EA7821EF542D}"/>
+              </a:ext>
+            </a:extLst>
+          </p:cNvPr>
+          <p:cNvSpPr>
+            <a:spLocks noGrp="1"/>
+          </p:cNvSpPr>
+          <p:nvPr>
+            <p:ph type="title"/>
+          </p:nvPr>
+        </p:nvSpPr>
+        <p:spPr>
+          <a:xfrm>
+            <a:off x="831850" y="1709738"/>
+            <a:ext cx="10515600" cy="2852737"/>
+          </a:xfrm>
+        </p:spPr>
+        <p:txBody>
+          <a:bodyPr anchor="b"/>
+          <a:lstStyle>
+            <a:lvl1pPr>
+              <a:defRPr sz="6000"/>
+            </a:lvl1pPr>
+          </a:lstStyle>
+          <a:p>
+            <a:r>
+              <a:rPr lang="en-US"/>
+              <a:t>Click to edit Master title style</a:t>
+            </a:r>
+          </a:p>
+        </p:txBody>
+      </p:sp>
+      <p:sp>
+        <p:nvSpPr>
+          <p:cNvPr id="3" name="Text Placeholder 2">
+            <a:extLst>
+              <a:ext uri="{FF2B5EF4-FFF2-40B4-BE49-F238E27FC236}">
+                <a16:creationId xmlns:a16="http://schemas.microsoft.com/office/drawing/2014/main" id="{64D10115-A59E-97FD-391F-64D91979D5F0}"/>
+              </a:ext>
+            </a:extLst>
+          </p:cNvPr>
+          <p:cNvSpPr>
+            <a:spLocks noGrp="1"/>
+          </p:cNvSpPr>
+          <p:nvPr>
+            <p:ph type="body" idx="1"/>
+          </p:nvPr>
+        </p:nvSpPr>
+        <p:spPr>
+          <a:xfrm>
+            <a:off x="831850" y="4589463"/>
+            <a:ext cx="10515600" cy="1500187"/>
+          </a:xfrm>
+        </p:spPr>
+        <p:txBody>
+          <a:bodyPr/>
+          <a:lstStyle>
+            <a:lvl1pPr marL="0" indent="0">
+              <a:buNone/>
+              <a:defRPr sz="2400">
+                <a:solidFill>
+                  <a:schemeClr val="tx1">
+                    <a:tint val="75000"/>
+                  </a:schemeClr>
+                </a:solidFill>
+              </a:defRPr>
+            </a:lvl1pPr>
+            <a:lvl2pPr marL="457200" indent="0">
+              <a:buNone/>
+              <a:defRPr sz="2000">
+                <a:solidFill>
+                  <a:schemeClr val="tx1">
+                    <a:tint val="75000"/>
+                  </a:schemeClr>
+                </a:solidFill>
+              </a:defRPr>
+            </a:lvl2pPr>
+            <a:lvl3pPr marL="914400" indent="0">
+              <a:buNone/>
+              <a:defRPr sz="1800">
+                <a:solidFill>
+                  <a:schemeClr val="tx1">
+                    <a:tint val="75000"/>
+                  </a:schemeClr>
+                </a:solidFill>
+              </a:defRPr>
+            </a:lvl3pPr>
+            <a:lvl4pPr marL="1371600" indent="0">
+              <a:buNone/>
+              <a:defRPr sz="1600">
+                <a:solidFill>
+                  <a:schemeClr val="tx1">
+                    <a:tint val="75000"/>
+                  </a:schemeClr>
+                </a:solidFill>
+              </a:defRPr>
+            </a:lvl4pPr>
+            <a:lvl5pPr marL="1828800" indent="0">
+              <a:buNone/>
+              <a:defRPr sz="1600">
+                <a:solidFill>
+                  <a:schemeClr val="tx1">
+                    <a:tint val="75000"/>
+                  </a:schemeClr>
+                </a:solidFill>
+              </a:defRPr>
+            </a:lvl5pPr>
+            <a:lvl6pPr marL="2286000" indent="0">
+              <a:buNone/>
+              <a:defRPr sz="1600">
+                <a:solidFill>
+                  <a:schemeClr val="tx1">
+                    <a:tint val="75000"/>
+                  </a:schemeClr>
+                </a:solidFill>
+              </a:defRPr>
+            </a:lvl6pPr>
+            <a:lvl7pPr marL="2743200" indent="0">
+              <a:buNone/>
+              <a:defRPr sz="1600">
+                <a:solidFill>
+                  <a:schemeClr val="tx1">
+                    <a:tint val="75000"/>
+                  </a:schemeClr>
+                </a:solidFill>
+              </a:defRPr>
+            </a:lvl7pPr>
+            <a:lvl8pPr marL="3200400" indent="0">
+              <a:buNone/>
+              <a:defRPr sz="1600">
+                <a:solidFill>
+                  <a:schemeClr val="tx1">
+                    <a:tint val="75000"/>
+                  </a:schemeClr>
+                </a:solidFill>
+              </a:defRPr>
+            </a:lvl8pPr>
+            <a:lvl9pPr marL="3657600" indent="0">
+              <a:buNone/>
+              <a:defRPr sz="1600">
+                <a:solidFill>
+                  <a:schemeClr val="tx1">
+                    <a:tint val="75000"/>
+                  </a:schemeClr>
+                </a:solidFill>
+              </a:defRPr>
+            </a:lvl9pPr>
+          </a:lstStyle>
+          <a:p>
+            <a:pPr lvl="0"/>
+            <a:r>
+              <a:rPr lang="en-US"/>
+              <a:t>Click to edit Master text styles</a:t>
+            </a:r>
+          </a:p>
+        </p:txBody>
+      </p:sp>
+      <p:sp>
+        <p:nvSpPr>
+          <p:cNvPr id="4" name="Date Placeholder 3">
+            <a:extLst>
+              <a:ext uri="{FF2B5EF4-FFF2-40B4-BE49-F238E27FC236}">
+                <a16:creationId xmlns:a16="http://schemas.microsoft.com/office/drawing/2014/main" id="{6E691282-7BF5-7F20-168D-5D685FAAA47D}"/>
+              </a:ext>
+            </a:extLst>
+          </p:cNvPr>
+          <p:cNvSpPr>
+            <a:spLocks noGrp="1"/>
+          </p:cNvSpPr>
+          <p:nvPr>
+            <p:ph type="dt" sz="half" idx="10"/>
+          </p:nvPr>
+        </p:nvSpPr>
+        <p:spPr/>
+        <p:txBody>
+          <a:bodyPr/>
+          <a:lstStyle/>
+          <a:p>
+            <a:fld id="{043BA505-DB19-400D-8033-E8D3662981AD}" type="datetimeFigureOut">
+              <a:rPr lang="en-US" smtClean="0"/>
+              <a:t>6/2/2023</a:t>
+            </a:fld>
+            <a:endParaRPr lang="en-US"/>
+          </a:p>
+        </p:txBody>
+      </p:sp>
+      <p:sp>
+        <p:nvSpPr>
+          <p:cNvPr id="5" name="Footer Placeholder 4">
+            <a:extLst>
+              <a:ext uri="{FF2B5EF4-FFF2-40B4-BE49-F238E27FC236}">
+                <a16:creationId xmlns:a16="http://schemas.microsoft.com/office/drawing/2014/main" id="{D7A8475D-E3BC-7CB4-36C0-05A7115E0C7E}"/>
+              </a:ext>
+            </a:extLst>
+          </p:cNvPr>
+          <p:cNvSpPr>
+            <a:spLocks noGrp="1"/>
+          </p:cNvSpPr>
+          <p:nvPr>
+            <p:ph type="ftr" sz="quarter" idx="11"/>
+          </p:nvPr>
+        </p:nvSpPr>
+        <p:spPr/>
+        <p:txBody>
+          <a:bodyPr/>
+          <a:lstStyle/>
+          <a:p>
+            <a:endParaRPr lang="en-US"/>
+          </a:p>
+        </p:txBody>
+      </p:sp>
+      <p:sp>
+        <p:nvSpPr>
+          <p:cNvPr id="6" name="Slide Number Placeholder 5">
+            <a:extLst>
+              <a:ext uri="{FF2B5EF4-FFF2-40B4-BE49-F238E27FC236}">
+                <a16:creationId xmlns:a16="http://schemas.microsoft.com/office/drawing/2014/main" id="{F4D2573E-6205-6D9C-8B19-DEEC1A7FA4CF}"/>
+              </a:ext>
+            </a:extLst>
+          </p:cNvPr>
+          <p:cNvSpPr>
+            <a:spLocks noGrp="1"/>
+          </p:cNvSpPr>
+          <p:nvPr>
+            <p:ph type="sldNum" sz="quarter" idx="12"/>
+          </p:nvPr>
+        </p:nvSpPr>
+        <p:spPr/>
+        <p:txBody>
+          <a:bodyPr/>
+          <a:lstStyle/>
+          <a:p>
+            <a:fld id="{A8CA8744-4CE3-42E4-83C7-E4DED2CF3447}" type="slidenum">
+              <a:rPr lang="en-US" smtClean="0"/>
+              <a:t>‹#›</a:t>
+            </a:fld>
+            <a:endParaRPr lang="en-US"/>
+          </a:p>
+        </p:txBody>
+      </p:sp>
+    </p:spTree>
+    <p:extLst>
+      <p:ext uri="{BB962C8B-B14F-4D97-AF65-F5344CB8AC3E}">
+        <p14:creationId xmlns:p14="http://schemas.microsoft.com/office/powerpoint/2010/main" val="1778988701"/>
+      </p:ext>
+    </p:extLst>
+  </p:cSld>
+  <p:clrMapOvr>
+    <a:masterClrMapping/>
+  </p:clrMapOvr>
+</p:sldLayout>
+</file>
+
+<file path=ppt/slideLayouts/slideLayout4.xml><?xml version="1.0" encoding="utf-8"?>
+<p:sldLayout xmlns:a="http://schemas.openxmlformats.org/drawingml/2006/main" xmlns:r="http://schemas.openxmlformats.org/officeDocument/2006/relationships" xmlns:p="http://schemas.openxmlformats.org/presentationml/2006/main" type="twoObj" preserve="1">
+  <p:cSld name="Two Content">
+    <p:spTree>
+      <p:nvGrpSpPr>
+        <p:cNvPr id="1" name=""/>
+        <p:cNvGrpSpPr/>
+        <p:nvPr/>
+      </p:nvGrpSpPr>
+      <p:grpSpPr>
+        <a:xfrm>
+          <a:off x="0" y="0"/>
+          <a:ext cx="0" cy="0"/>
+          <a:chOff x="0" y="0"/>
+          <a:chExt cx="0" cy="0"/>
+        </a:xfrm>
+      </p:grpSpPr>
+      <p:sp>
+        <p:nvSpPr>
+          <p:cNvPr id="2" name="Title 1">
+            <a:extLst>
+              <a:ext uri="{FF2B5EF4-FFF2-40B4-BE49-F238E27FC236}">
+                <a16:creationId xmlns:a16="http://schemas.microsoft.com/office/drawing/2014/main" id="{5F3F003C-3CEB-E4AC-FF51-389FAABA97DF}"/>
+              </a:ext>
+            </a:extLst>
+          </p:cNvPr>
+          <p:cNvSpPr>
+            <a:spLocks noGrp="1"/>
+          </p:cNvSpPr>
+          <p:nvPr>
+            <p:ph type="title"/>
+          </p:nvPr>
+        </p:nvSpPr>
+        <p:spPr/>
+        <p:txBody>
+          <a:bodyPr/>
+          <a:lstStyle/>
+          <a:p>
+            <a:r>
+              <a:rPr lang="en-US"/>
+              <a:t>Click to edit Master title style</a:t>
+            </a:r>
+          </a:p>
+        </p:txBody>
+      </p:sp>
+      <p:sp>
+        <p:nvSpPr>
+          <p:cNvPr id="3" name="Content Placeholder 2">
+            <a:extLst>
+              <a:ext uri="{FF2B5EF4-FFF2-40B4-BE49-F238E27FC236}">
+                <a16:creationId xmlns:a16="http://schemas.microsoft.com/office/drawing/2014/main" id="{FA62BD0E-BE48-7EFB-9E59-53D495B1D903}"/>
+              </a:ext>
+            </a:extLst>
+          </p:cNvPr>
+          <p:cNvSpPr>
+            <a:spLocks noGrp="1"/>
+          </p:cNvSpPr>
+          <p:nvPr>
+            <p:ph sz="half" idx="1"/>
+          </p:nvPr>
+        </p:nvSpPr>
+        <p:spPr>
+          <a:xfrm>
+            <a:off x="838200" y="1825625"/>
+            <a:ext cx="5181600" cy="4351338"/>
+          </a:xfrm>
+        </p:spPr>
+        <p:txBody>
+          <a:bodyPr/>
+          <a:lstStyle/>
+          <a:p>
+            <a:pPr lvl="0"/>
+            <a:r>
+              <a:rPr lang="en-US"/>
+              <a:t>Click to edit Master text styles</a:t>
+            </a:r>
+          </a:p>
+          <a:p>
+            <a:pPr lvl="1"/>
+            <a:r>
+              <a:rPr lang="en-US"/>
+              <a:t>Second level</a:t>
+            </a:r>
+          </a:p>
+          <a:p>
+            <a:pPr lvl="2"/>
+            <a:r>
+              <a:rPr lang="en-US"/>
+              <a:t>Third level</a:t>
+            </a:r>
+          </a:p>
+          <a:p>
+            <a:pPr lvl="3"/>
+            <a:r>
+              <a:rPr lang="en-US"/>
+              <a:t>Fourth level</a:t>
+            </a:r>
+          </a:p>
+          <a:p>
+            <a:pPr lvl="4"/>
+            <a:r>
+              <a:rPr lang="en-US"/>
+              <a:t>Fifth level</a:t>
+            </a:r>
+          </a:p>
+        </p:txBody>
+      </p:sp>
+      <p:sp>
+        <p:nvSpPr>
+          <p:cNvPr id="4" name="Content Placeholder 3">
+            <a:extLst>
+              <a:ext uri="{FF2B5EF4-FFF2-40B4-BE49-F238E27FC236}">
+                <a16:creationId xmlns:a16="http://schemas.microsoft.com/office/drawing/2014/main" id="{55E4BCFD-1522-F815-5EED-A0D82E699F89}"/>
+              </a:ext>
+            </a:extLst>
+          </p:cNvPr>
+          <p:cNvSpPr>
+            <a:spLocks noGrp="1"/>
+          </p:cNvSpPr>
+          <p:nvPr>
+            <p:ph sz="half" idx="2"/>
+          </p:nvPr>
+        </p:nvSpPr>
+        <p:spPr>
+          <a:xfrm>
+            <a:off x="6172200" y="1825625"/>
+            <a:ext cx="5181600" cy="4351338"/>
+          </a:xfrm>
+        </p:spPr>
+        <p:txBody>
+          <a:bodyPr/>
+          <a:lstStyle/>
+          <a:p>
+            <a:pPr lvl="0"/>
+            <a:r>
+              <a:rPr lang="en-US"/>
+              <a:t>Click to edit Master text styles</a:t>
+            </a:r>
+          </a:p>
+          <a:p>
+            <a:pPr lvl="1"/>
+            <a:r>
+              <a:rPr lang="en-US"/>
+              <a:t>Second level</a:t>
+            </a:r>
+          </a:p>
+          <a:p>
+            <a:pPr lvl="2"/>
+            <a:r>
+              <a:rPr lang="en-US"/>
+              <a:t>Third level</a:t>
+            </a:r>
+          </a:p>
+          <a:p>
+            <a:pPr lvl="3"/>
+            <a:r>
+              <a:rPr lang="en-US"/>
+              <a:t>Fourth level</a:t>
+            </a:r>
+          </a:p>
+          <a:p>
+            <a:pPr lvl="4"/>
+            <a:r>
+              <a:rPr lang="en-US"/>
+              <a:t>Fifth level</a:t>
+            </a:r>
+          </a:p>
+        </p:txBody>
+      </p:sp>
+      <p:sp>
+        <p:nvSpPr>
+          <p:cNvPr id="5" name="Date Placeholder 4">
+            <a:extLst>
+              <a:ext uri="{FF2B5EF4-FFF2-40B4-BE49-F238E27FC236}">
+                <a16:creationId xmlns:a16="http://schemas.microsoft.com/office/drawing/2014/main" id="{82C0320E-F003-1085-C527-C812C3B36D34}"/>
+              </a:ext>
+            </a:extLst>
+          </p:cNvPr>
+          <p:cNvSpPr>
+            <a:spLocks noGrp="1"/>
+          </p:cNvSpPr>
+          <p:nvPr>
+            <p:ph type="dt" sz="half" idx="10"/>
+          </p:nvPr>
+        </p:nvSpPr>
+        <p:spPr/>
+        <p:txBody>
+          <a:bodyPr/>
+          <a:lstStyle/>
+          <a:p>
+            <a:fld id="{043BA505-DB19-400D-8033-E8D3662981AD}" type="datetimeFigureOut">
+              <a:rPr lang="en-US" smtClean="0"/>
+              <a:t>6/2/2023</a:t>
+            </a:fld>
+            <a:endParaRPr lang="en-US"/>
+          </a:p>
+        </p:txBody>
+      </p:sp>
+      <p:sp>
+        <p:nvSpPr>
+          <p:cNvPr id="6" name="Footer Placeholder 5">
+            <a:extLst>
+              <a:ext uri="{FF2B5EF4-FFF2-40B4-BE49-F238E27FC236}">
+                <a16:creationId xmlns:a16="http://schemas.microsoft.com/office/drawing/2014/main" id="{53FF392A-F724-0AD1-6B53-EC5AFE9D5660}"/>
+              </a:ext>
+            </a:extLst>
+          </p:cNvPr>
+          <p:cNvSpPr>
+            <a:spLocks noGrp="1"/>
+          </p:cNvSpPr>
+          <p:nvPr>
+            <p:ph type="ftr" sz="quarter" idx="11"/>
+          </p:nvPr>
+        </p:nvSpPr>
+        <p:spPr/>
+        <p:txBody>
+          <a:bodyPr/>
+          <a:lstStyle/>
+          <a:p>
+            <a:endParaRPr lang="en-US"/>
+          </a:p>
+        </p:txBody>
+      </p:sp>
+      <p:sp>
+        <p:nvSpPr>
+          <p:cNvPr id="7" name="Slide Number Placeholder 6">
+            <a:extLst>
+              <a:ext uri="{FF2B5EF4-FFF2-40B4-BE49-F238E27FC236}">
+                <a16:creationId xmlns:a16="http://schemas.microsoft.com/office/drawing/2014/main" id="{0B9E705B-BFA0-2A32-14AA-57117E236EB5}"/>
+              </a:ext>
+            </a:extLst>
+          </p:cNvPr>
+          <p:cNvSpPr>
+            <a:spLocks noGrp="1"/>
+          </p:cNvSpPr>
+          <p:nvPr>
+            <p:ph type="sldNum" sz="quarter" idx="12"/>
+          </p:nvPr>
+        </p:nvSpPr>
+        <p:spPr/>
+        <p:txBody>
+          <a:bodyPr/>
+          <a:lstStyle/>
+          <a:p>
+            <a:fld id="{A8CA8744-4CE3-42E4-83C7-E4DED2CF3447}" type="slidenum">
+              <a:rPr lang="en-US" smtClean="0"/>
+              <a:t>‹#›</a:t>
+            </a:fld>
+            <a:endParaRPr lang="en-US"/>
+          </a:p>
+        </p:txBody>
+      </p:sp>
+    </p:spTree>
+    <p:extLst>
+      <p:ext uri="{BB962C8B-B14F-4D97-AF65-F5344CB8AC3E}">
+        <p14:creationId xmlns:p14="http://schemas.microsoft.com/office/powerpoint/2010/main" val="476005001"/>
+      </p:ext>
+    </p:extLst>
+  </p:cSld>
+  <p:clrMapOvr>
+    <a:masterClrMapping/>
+  </p:clrMapOvr>
+</p:sldLayout>
+</file>
+
+<file path=ppt/slideLayouts/slideLayout5.xml><?xml version="1.0" encoding="utf-8"?>
+<p:sldLayout xmlns:a="http://schemas.openxmlformats.org/drawingml/2006/main" xmlns:r="http://schemas.openxmlformats.org/officeDocument/2006/relationships" xmlns:p="http://schemas.openxmlformats.org/presentationml/2006/main" type="twoTxTwoObj" preserve="1">
+  <p:cSld name="Comparison">
+    <p:spTree>
+      <p:nvGrpSpPr>
+        <p:cNvPr id="1" name=""/>
+        <p:cNvGrpSpPr/>
+        <p:nvPr/>
+      </p:nvGrpSpPr>
+      <p:grpSpPr>
+        <a:xfrm>
+          <a:off x="0" y="0"/>
+          <a:ext cx="0" cy="0"/>
+          <a:chOff x="0" y="0"/>
+          <a:chExt cx="0" cy="0"/>
+        </a:xfrm>
+      </p:grpSpPr>
+      <p:sp>
+        <p:nvSpPr>
+          <p:cNvPr id="2" name="Title 1">
+            <a:extLst>
+              <a:ext uri="{FF2B5EF4-FFF2-40B4-BE49-F238E27FC236}">
+                <a16:creationId xmlns:a16="http://schemas.microsoft.com/office/drawing/2014/main" id="{BEE7B533-0D9E-9182-B914-5633E8488E09}"/>
+              </a:ext>
+            </a:extLst>
+          </p:cNvPr>
+          <p:cNvSpPr>
+            <a:spLocks noGrp="1"/>
+          </p:cNvSpPr>
+          <p:nvPr>
+            <p:ph type="title"/>
+          </p:nvPr>
+        </p:nvSpPr>
+        <p:spPr>
+          <a:xfrm>
+            <a:off x="839788" y="365125"/>
+            <a:ext cx="10515600" cy="1325563"/>
+          </a:xfrm>
+        </p:spPr>
+        <p:txBody>
+          <a:bodyPr/>
+          <a:lstStyle/>
+          <a:p>
+            <a:r>
+              <a:rPr lang="en-US"/>
+              <a:t>Click to edit Master title style</a:t>
+            </a:r>
+          </a:p>
+        </p:txBody>
+      </p:sp>
+      <p:sp>
+        <p:nvSpPr>
+          <p:cNvPr id="3" name="Text Placeholder 2">
+            <a:extLst>
+              <a:ext uri="{FF2B5EF4-FFF2-40B4-BE49-F238E27FC236}">
+                <a16:creationId xmlns:a16="http://schemas.microsoft.com/office/drawing/2014/main" id="{1C52019B-8CC3-E289-B02E-7DEA1DB968E7}"/>
+              </a:ext>
+            </a:extLst>
+          </p:cNvPr>
+          <p:cNvSpPr>
+            <a:spLocks noGrp="1"/>
+          </p:cNvSpPr>
+          <p:nvPr>
+            <p:ph type="body" idx="1"/>
+          </p:nvPr>
+        </p:nvSpPr>
+        <p:spPr>
+          <a:xfrm>
+            <a:off x="839788" y="1681163"/>
+            <a:ext cx="5157787" cy="823912"/>
+          </a:xfrm>
+        </p:spPr>
+        <p:txBody>
+          <a:bodyPr anchor="b"/>
+          <a:lstStyle>
+            <a:lvl1pPr marL="0" indent="0">
+              <a:buNone/>
+              <a:defRPr sz="2400" b="1"/>
+            </a:lvl1pPr>
+            <a:lvl2pPr marL="457200" indent="0">
+              <a:buNone/>
+              <a:defRPr sz="2000" b="1"/>
+            </a:lvl2pPr>
+            <a:lvl3pPr marL="914400" indent="0">
+              <a:buNone/>
+              <a:defRPr sz="1800" b="1"/>
+            </a:lvl3pPr>
+            <a:lvl4pPr marL="1371600" indent="0">
+              <a:buNone/>
+              <a:defRPr sz="1600" b="1"/>
+            </a:lvl4pPr>
+            <a:lvl5pPr marL="1828800" indent="0">
+              <a:buNone/>
+              <a:defRPr sz="1600" b="1"/>
+            </a:lvl5pPr>
+            <a:lvl6pPr marL="2286000" indent="0">
+              <a:buNone/>
+              <a:defRPr sz="1600" b="1"/>
+            </a:lvl6pPr>
+            <a:lvl7pPr marL="2743200" indent="0">
+              <a:buNone/>
+              <a:defRPr sz="1600" b="1"/>
+            </a:lvl7pPr>
+            <a:lvl8pPr marL="3200400" indent="0">
+              <a:buNone/>
+              <a:defRPr sz="1600" b="1"/>
+            </a:lvl8pPr>
+            <a:lvl9pPr marL="3657600" indent="0">
+              <a:buNone/>
+              <a:defRPr sz="1600" b="1"/>
+            </a:lvl9pPr>
+          </a:lstStyle>
+          <a:p>
+            <a:pPr lvl="0"/>
+            <a:r>
+              <a:rPr lang="en-US"/>
+              <a:t>Click to edit Master text styles</a:t>
+            </a:r>
+          </a:p>
+        </p:txBody>
+      </p:sp>
+      <p:sp>
+        <p:nvSpPr>
+          <p:cNvPr id="4" name="Content Placeholder 3">
+            <a:extLst>
+              <a:ext uri="{FF2B5EF4-FFF2-40B4-BE49-F238E27FC236}">
+                <a16:creationId xmlns:a16="http://schemas.microsoft.com/office/drawing/2014/main" id="{1A24BB78-13C2-23F4-50EF-20A91113FCB0}"/>
+              </a:ext>
+            </a:extLst>
+          </p:cNvPr>
+          <p:cNvSpPr>
+            <a:spLocks noGrp="1"/>
+          </p:cNvSpPr>
+          <p:nvPr>
+            <p:ph sz="half" idx="2"/>
+          </p:nvPr>
+        </p:nvSpPr>
+        <p:spPr>
+          <a:xfrm>
+            <a:off x="839788" y="2505075"/>
+            <a:ext cx="5157787" cy="3684588"/>
+          </a:xfrm>
+        </p:spPr>
+        <p:txBody>
+          <a:bodyPr/>
+          <a:lstStyle/>
+          <a:p>
+            <a:pPr lvl="0"/>
+            <a:r>
+              <a:rPr lang="en-US"/>
+              <a:t>Click to edit Master text styles</a:t>
+            </a:r>
+          </a:p>
+          <a:p>
+            <a:pPr lvl="1"/>
+            <a:r>
+              <a:rPr lang="en-US"/>
+              <a:t>Second level</a:t>
+            </a:r>
+          </a:p>
+          <a:p>
+            <a:pPr lvl="2"/>
+            <a:r>
+              <a:rPr lang="en-US"/>
+              <a:t>Third level</a:t>
+            </a:r>
+          </a:p>
+          <a:p>
+            <a:pPr lvl="3"/>
+            <a:r>
+              <a:rPr lang="en-US"/>
+              <a:t>Fourth level</a:t>
+            </a:r>
+          </a:p>
+          <a:p>
+            <a:pPr lvl="4"/>
+            <a:r>
+              <a:rPr lang="en-US"/>
+              <a:t>Fifth level</a:t>
+            </a:r>
+          </a:p>
+        </p:txBody>
+      </p:sp>
+      <p:sp>
+        <p:nvSpPr>
+          <p:cNvPr id="5" name="Text Placeholder 4">
+            <a:extLst>
+              <a:ext uri="{FF2B5EF4-FFF2-40B4-BE49-F238E27FC236}">
+                <a16:creationId xmlns:a16="http://schemas.microsoft.com/office/drawing/2014/main" id="{5489B6EE-31BF-37E0-4761-5FD33446B076}"/>
+              </a:ext>
+            </a:extLst>
+          </p:cNvPr>
+          <p:cNvSpPr>
+            <a:spLocks noGrp="1"/>
+          </p:cNvSpPr>
+          <p:nvPr>
+            <p:ph type="body" sz="quarter" idx="3"/>
+          </p:nvPr>
+        </p:nvSpPr>
+        <p:spPr>
+          <a:xfrm>
+            <a:off x="6172200" y="1681163"/>
+            <a:ext cx="5183188" cy="823912"/>
+          </a:xfrm>
+        </p:spPr>
+        <p:txBody>
+          <a:bodyPr anchor="b"/>
+          <a:lstStyle>
+            <a:lvl1pPr marL="0" indent="0">
+              <a:buNone/>
+              <a:defRPr sz="2400" b="1"/>
+            </a:lvl1pPr>
+            <a:lvl2pPr marL="457200" indent="0">
+              <a:buNone/>
+              <a:defRPr sz="2000" b="1"/>
+            </a:lvl2pPr>
+            <a:lvl3pPr marL="914400" indent="0">
+              <a:buNone/>
+              <a:defRPr sz="1800" b="1"/>
+            </a:lvl3pPr>
+            <a:lvl4pPr marL="1371600" indent="0">
+              <a:buNone/>
+              <a:defRPr sz="1600" b="1"/>
+            </a:lvl4pPr>
+            <a:lvl5pPr marL="1828800" indent="0">
+              <a:buNone/>
+              <a:defRPr sz="1600" b="1"/>
+            </a:lvl5pPr>
+            <a:lvl6pPr marL="2286000" indent="0">
+              <a:buNone/>
+              <a:defRPr sz="1600" b="1"/>
+            </a:lvl6pPr>
+            <a:lvl7pPr marL="2743200" indent="0">
+              <a:buNone/>
+              <a:defRPr sz="1600" b="1"/>
+            </a:lvl7pPr>
+            <a:lvl8pPr marL="3200400" indent="0">
+              <a:buNone/>
+              <a:defRPr sz="1600" b="1"/>
+            </a:lvl8pPr>
+            <a:lvl9pPr marL="3657600" indent="0">
+              <a:buNone/>
+              <a:defRPr sz="1600" b="1"/>
+            </a:lvl9pPr>
+          </a:lstStyle>
+          <a:p>
+            <a:pPr lvl="0"/>
+            <a:r>
+              <a:rPr lang="en-US"/>
+              <a:t>Click to edit Master text styles</a:t>
+            </a:r>
+          </a:p>
+        </p:txBody>
+      </p:sp>
+      <p:sp>
+        <p:nvSpPr>
+          <p:cNvPr id="6" name="Content Placeholder 5">
+            <a:extLst>
+              <a:ext uri="{FF2B5EF4-FFF2-40B4-BE49-F238E27FC236}">
+                <a16:creationId xmlns:a16="http://schemas.microsoft.com/office/drawing/2014/main" id="{CE8C52CD-3840-2BD0-AC59-E5397D0AFD36}"/>
+              </a:ext>
+            </a:extLst>
+          </p:cNvPr>
+          <p:cNvSpPr>
+            <a:spLocks noGrp="1"/>
+          </p:cNvSpPr>
+          <p:nvPr>
+            <p:ph sz="quarter" idx="4"/>
+          </p:nvPr>
+        </p:nvSpPr>
+        <p:spPr>
+          <a:xfrm>
+            <a:off x="6172200" y="2505075"/>
+            <a:ext cx="5183188" cy="3684588"/>
+          </a:xfrm>
+        </p:spPr>
+        <p:txBody>
+          <a:bodyPr/>
+          <a:lstStyle/>
+          <a:p>
+            <a:pPr lvl="0"/>
+            <a:r>
+              <a:rPr lang="en-US"/>
+              <a:t>Click to edit Master text styles</a:t>
+            </a:r>
+          </a:p>
+          <a:p>
+            <a:pPr lvl="1"/>
+            <a:r>
+              <a:rPr lang="en-US"/>
+              <a:t>Second level</a:t>
+            </a:r>
+          </a:p>
+          <a:p>
+            <a:pPr lvl="2"/>
+            <a:r>
+              <a:rPr lang="en-US"/>
+              <a:t>Third level</a:t>
+            </a:r>
+          </a:p>
+          <a:p>
+            <a:pPr lvl="3"/>
+            <a:r>
+              <a:rPr lang="en-US"/>
+              <a:t>Fourth level</a:t>
+            </a:r>
+          </a:p>
+          <a:p>
+            <a:pPr lvl="4"/>
+            <a:r>
+              <a:rPr lang="en-US"/>
+              <a:t>Fifth level</a:t>
+            </a:r>
+          </a:p>
+        </p:txBody>
+      </p:sp>
+      <p:sp>
+        <p:nvSpPr>
+          <p:cNvPr id="7" name="Date Placeholder 6">
+            <a:extLst>
+              <a:ext uri="{FF2B5EF4-FFF2-40B4-BE49-F238E27FC236}">
+                <a16:creationId xmlns:a16="http://schemas.microsoft.com/office/drawing/2014/main" id="{A7442774-62AD-BA3B-D7A0-964DF2C2E0B1}"/>
+              </a:ext>
+            </a:extLst>
+          </p:cNvPr>
+          <p:cNvSpPr>
+            <a:spLocks noGrp="1"/>
+          </p:cNvSpPr>
+          <p:nvPr>
+            <p:ph type="dt" sz="half" idx="10"/>
+          </p:nvPr>
+        </p:nvSpPr>
+        <p:spPr/>
+        <p:txBody>
+          <a:bodyPr/>
+          <a:lstStyle/>
+          <a:p>
+            <a:fld id="{043BA505-DB19-400D-8033-E8D3662981AD}" type="datetimeFigureOut">
+              <a:rPr lang="en-US" smtClean="0"/>
+              <a:t>6/2/2023</a:t>
+            </a:fld>
+            <a:endParaRPr lang="en-US"/>
+          </a:p>
+        </p:txBody>
+      </p:sp>
+      <p:sp>
+        <p:nvSpPr>
+          <p:cNvPr id="8" name="Footer Placeholder 7">
+            <a:extLst>
+              <a:ext uri="{FF2B5EF4-FFF2-40B4-BE49-F238E27FC236}">
+                <a16:creationId xmlns:a16="http://schemas.microsoft.com/office/drawing/2014/main" id="{423F52B7-46E3-7037-BE67-204144AB78C3}"/>
+              </a:ext>
+            </a:extLst>
+          </p:cNvPr>
+          <p:cNvSpPr>
+            <a:spLocks noGrp="1"/>
+          </p:cNvSpPr>
+          <p:nvPr>
+            <p:ph type="ftr" sz="quarter" idx="11"/>
+          </p:nvPr>
+        </p:nvSpPr>
+        <p:spPr/>
+        <p:txBody>
+          <a:bodyPr/>
+          <a:lstStyle/>
+          <a:p>
+            <a:endParaRPr lang="en-US"/>
+          </a:p>
+        </p:txBody>
+      </p:sp>
+      <p:sp>
+        <p:nvSpPr>
+          <p:cNvPr id="9" name="Slide Number Placeholder 8">
+            <a:extLst>
+              <a:ext uri="{FF2B5EF4-FFF2-40B4-BE49-F238E27FC236}">
+                <a16:creationId xmlns:a16="http://schemas.microsoft.com/office/drawing/2014/main" id="{D4F326A1-DFAC-04E9-61CD-535F03BFB59A}"/>
+              </a:ext>
+            </a:extLst>
+          </p:cNvPr>
+          <p:cNvSpPr>
+            <a:spLocks noGrp="1"/>
+          </p:cNvSpPr>
+          <p:nvPr>
+            <p:ph type="sldNum" sz="quarter" idx="12"/>
+          </p:nvPr>
+        </p:nvSpPr>
+        <p:spPr/>
+        <p:txBody>
+          <a:bodyPr/>
+          <a:lstStyle/>
+          <a:p>
+            <a:fld id="{A8CA8744-4CE3-42E4-83C7-E4DED2CF3447}" type="slidenum">
+              <a:rPr lang="en-US" smtClean="0"/>
+              <a:t>‹#›</a:t>
+            </a:fld>
+            <a:endParaRPr lang="en-US"/>
+          </a:p>
+        </p:txBody>
+      </p:sp>
+    </p:spTree>
+    <p:extLst>
+      <p:ext uri="{BB962C8B-B14F-4D97-AF65-F5344CB8AC3E}">
+        <p14:creationId xmlns:p14="http://schemas.microsoft.com/office/powerpoint/2010/main" val="3735889749"/>
+      </p:ext>
+    </p:extLst>
+  </p:cSld>
+  <p:clrMapOvr>
+    <a:masterClrMapping/>
+  </p:clrMapOvr>
+</p:sldLayout>
+</file>
+
+<file path=ppt/slideLayouts/slideLayout6.xml><?xml version="1.0" encoding="utf-8"?>
 <p:sldLayout xmlns:a="http://schemas.openxmlformats.org/drawingml/2006/main" xmlns:r="http://schemas.openxmlformats.org/officeDocument/2006/relationships" xmlns:p="http://schemas.openxmlformats.org/presentationml/2006/main" type="titleOnly" preserve="1">
   <p:cSld name="Title Only">
     <p:spTree>
@@ -133,7 +2382,7 @@
           <p:cNvPr id="2" name="Title 1">
             <a:extLst>
               <a:ext uri="{FF2B5EF4-FFF2-40B4-BE49-F238E27FC236}">
-                <a16:creationId xmlns:a16="http://schemas.microsoft.com/office/drawing/2014/main" id="{060D9E71-A065-0089-5130-B71EEBC6ADE5}"/>
+                <a16:creationId xmlns:a16="http://schemas.microsoft.com/office/drawing/2014/main" id="{88DB1558-738F-063D-2098-7934607D4786}"/>
               </a:ext>
             </a:extLst>
           </p:cNvPr>
@@ -161,7 +2410,7 @@
           <p:cNvPr id="3" name="Date Placeholder 2">
             <a:extLst>
               <a:ext uri="{FF2B5EF4-FFF2-40B4-BE49-F238E27FC236}">
-                <a16:creationId xmlns:a16="http://schemas.microsoft.com/office/drawing/2014/main" id="{1DD947BC-77C3-014B-6377-EA97C2EF8817}"/>
+                <a16:creationId xmlns:a16="http://schemas.microsoft.com/office/drawing/2014/main" id="{F190E3F2-1911-E134-C0EE-2C11F909C95F}"/>
               </a:ext>
             </a:extLst>
           </p:cNvPr>
@@ -177,7 +2426,7 @@
           <a:bodyPr/>
           <a:lstStyle/>
           <a:p>
-            <a:fld id="{40E2C83B-333A-4044-A029-1AC26920081E}" type="datetimeFigureOut">
+            <a:fld id="{043BA505-DB19-400D-8033-E8D3662981AD}" type="datetimeFigureOut">
               <a:rPr lang="en-US" smtClean="0"/>
               <a:t>6/2/2023</a:t>
             </a:fld>
@@ -190,7 +2439,7 @@
           <p:cNvPr id="4" name="Footer Placeholder 3">
             <a:extLst>
               <a:ext uri="{FF2B5EF4-FFF2-40B4-BE49-F238E27FC236}">
-                <a16:creationId xmlns:a16="http://schemas.microsoft.com/office/drawing/2014/main" id="{7134C966-3338-3CD9-5A5D-0A85015D901E}"/>
+                <a16:creationId xmlns:a16="http://schemas.microsoft.com/office/drawing/2014/main" id="{72284DA0-74BA-F938-2467-899393978A37}"/>
               </a:ext>
             </a:extLst>
           </p:cNvPr>
@@ -215,7 +2464,7 @@
           <p:cNvPr id="5" name="Slide Number Placeholder 4">
             <a:extLst>
               <a:ext uri="{FF2B5EF4-FFF2-40B4-BE49-F238E27FC236}">
-                <a16:creationId xmlns:a16="http://schemas.microsoft.com/office/drawing/2014/main" id="{15EAA88C-A63D-D953-EA95-26E920904BB7}"/>
+                <a16:creationId xmlns:a16="http://schemas.microsoft.com/office/drawing/2014/main" id="{B8838C15-DC59-BE08-20B0-7FEB6CF04EDE}"/>
               </a:ext>
             </a:extLst>
           </p:cNvPr>
@@ -231,7 +2480,7 @@
           <a:bodyPr/>
           <a:lstStyle/>
           <a:p>
-            <a:fld id="{A70A1119-3763-428A-9AD1-AF8ED0476163}" type="slidenum">
+            <a:fld id="{A8CA8744-4CE3-42E4-83C7-E4DED2CF3447}" type="slidenum">
               <a:rPr lang="en-US" smtClean="0"/>
               <a:t>‹#›</a:t>
             </a:fld>
@@ -242,7 +2491,719 @@
     </p:spTree>
     <p:extLst>
       <p:ext uri="{BB962C8B-B14F-4D97-AF65-F5344CB8AC3E}">
-        <p14:creationId xmlns:p14="http://schemas.microsoft.com/office/powerpoint/2010/main" val="157789338"/>
+        <p14:creationId xmlns:p14="http://schemas.microsoft.com/office/powerpoint/2010/main" val="576038793"/>
+      </p:ext>
+    </p:extLst>
+  </p:cSld>
+  <p:clrMapOvr>
+    <a:masterClrMapping/>
+  </p:clrMapOvr>
+</p:sldLayout>
+</file>
+
+<file path=ppt/slideLayouts/slideLayout7.xml><?xml version="1.0" encoding="utf-8"?>
+<p:sldLayout xmlns:a="http://schemas.openxmlformats.org/drawingml/2006/main" xmlns:r="http://schemas.openxmlformats.org/officeDocument/2006/relationships" xmlns:p="http://schemas.openxmlformats.org/presentationml/2006/main" type="blank" preserve="1">
+  <p:cSld name="Blank">
+    <p:spTree>
+      <p:nvGrpSpPr>
+        <p:cNvPr id="1" name=""/>
+        <p:cNvGrpSpPr/>
+        <p:nvPr/>
+      </p:nvGrpSpPr>
+      <p:grpSpPr>
+        <a:xfrm>
+          <a:off x="0" y="0"/>
+          <a:ext cx="0" cy="0"/>
+          <a:chOff x="0" y="0"/>
+          <a:chExt cx="0" cy="0"/>
+        </a:xfrm>
+      </p:grpSpPr>
+      <p:sp>
+        <p:nvSpPr>
+          <p:cNvPr id="2" name="Date Placeholder 1">
+            <a:extLst>
+              <a:ext uri="{FF2B5EF4-FFF2-40B4-BE49-F238E27FC236}">
+                <a16:creationId xmlns:a16="http://schemas.microsoft.com/office/drawing/2014/main" id="{48407FD5-97A5-E629-7C9B-FFEF1D18853A}"/>
+              </a:ext>
+            </a:extLst>
+          </p:cNvPr>
+          <p:cNvSpPr>
+            <a:spLocks noGrp="1"/>
+          </p:cNvSpPr>
+          <p:nvPr>
+            <p:ph type="dt" sz="half" idx="10"/>
+          </p:nvPr>
+        </p:nvSpPr>
+        <p:spPr/>
+        <p:txBody>
+          <a:bodyPr/>
+          <a:lstStyle/>
+          <a:p>
+            <a:fld id="{043BA505-DB19-400D-8033-E8D3662981AD}" type="datetimeFigureOut">
+              <a:rPr lang="en-US" smtClean="0"/>
+              <a:t>6/2/2023</a:t>
+            </a:fld>
+            <a:endParaRPr lang="en-US"/>
+          </a:p>
+        </p:txBody>
+      </p:sp>
+      <p:sp>
+        <p:nvSpPr>
+          <p:cNvPr id="3" name="Footer Placeholder 2">
+            <a:extLst>
+              <a:ext uri="{FF2B5EF4-FFF2-40B4-BE49-F238E27FC236}">
+                <a16:creationId xmlns:a16="http://schemas.microsoft.com/office/drawing/2014/main" id="{073C55A0-CBBC-5C61-A583-DF090E9794BE}"/>
+              </a:ext>
+            </a:extLst>
+          </p:cNvPr>
+          <p:cNvSpPr>
+            <a:spLocks noGrp="1"/>
+          </p:cNvSpPr>
+          <p:nvPr>
+            <p:ph type="ftr" sz="quarter" idx="11"/>
+          </p:nvPr>
+        </p:nvSpPr>
+        <p:spPr/>
+        <p:txBody>
+          <a:bodyPr/>
+          <a:lstStyle/>
+          <a:p>
+            <a:endParaRPr lang="en-US"/>
+          </a:p>
+        </p:txBody>
+      </p:sp>
+      <p:sp>
+        <p:nvSpPr>
+          <p:cNvPr id="4" name="Slide Number Placeholder 3">
+            <a:extLst>
+              <a:ext uri="{FF2B5EF4-FFF2-40B4-BE49-F238E27FC236}">
+                <a16:creationId xmlns:a16="http://schemas.microsoft.com/office/drawing/2014/main" id="{B8D3AD78-E067-98E3-6487-2804415754EE}"/>
+              </a:ext>
+            </a:extLst>
+          </p:cNvPr>
+          <p:cNvSpPr>
+            <a:spLocks noGrp="1"/>
+          </p:cNvSpPr>
+          <p:nvPr>
+            <p:ph type="sldNum" sz="quarter" idx="12"/>
+          </p:nvPr>
+        </p:nvSpPr>
+        <p:spPr/>
+        <p:txBody>
+          <a:bodyPr/>
+          <a:lstStyle/>
+          <a:p>
+            <a:fld id="{A8CA8744-4CE3-42E4-83C7-E4DED2CF3447}" type="slidenum">
+              <a:rPr lang="en-US" smtClean="0"/>
+              <a:t>‹#›</a:t>
+            </a:fld>
+            <a:endParaRPr lang="en-US"/>
+          </a:p>
+        </p:txBody>
+      </p:sp>
+    </p:spTree>
+    <p:extLst>
+      <p:ext uri="{BB962C8B-B14F-4D97-AF65-F5344CB8AC3E}">
+        <p14:creationId xmlns:p14="http://schemas.microsoft.com/office/powerpoint/2010/main" val="3950620067"/>
+      </p:ext>
+    </p:extLst>
+  </p:cSld>
+  <p:clrMapOvr>
+    <a:masterClrMapping/>
+  </p:clrMapOvr>
+</p:sldLayout>
+</file>
+
+<file path=ppt/slideLayouts/slideLayout8.xml><?xml version="1.0" encoding="utf-8"?>
+<p:sldLayout xmlns:a="http://schemas.openxmlformats.org/drawingml/2006/main" xmlns:r="http://schemas.openxmlformats.org/officeDocument/2006/relationships" xmlns:p="http://schemas.openxmlformats.org/presentationml/2006/main" type="objTx" preserve="1">
+  <p:cSld name="Content with Caption">
+    <p:spTree>
+      <p:nvGrpSpPr>
+        <p:cNvPr id="1" name=""/>
+        <p:cNvGrpSpPr/>
+        <p:nvPr/>
+      </p:nvGrpSpPr>
+      <p:grpSpPr>
+        <a:xfrm>
+          <a:off x="0" y="0"/>
+          <a:ext cx="0" cy="0"/>
+          <a:chOff x="0" y="0"/>
+          <a:chExt cx="0" cy="0"/>
+        </a:xfrm>
+      </p:grpSpPr>
+      <p:sp>
+        <p:nvSpPr>
+          <p:cNvPr id="2" name="Title 1">
+            <a:extLst>
+              <a:ext uri="{FF2B5EF4-FFF2-40B4-BE49-F238E27FC236}">
+                <a16:creationId xmlns:a16="http://schemas.microsoft.com/office/drawing/2014/main" id="{AC307F4D-B08C-A1A1-BF5D-D99590E85BF6}"/>
+              </a:ext>
+            </a:extLst>
+          </p:cNvPr>
+          <p:cNvSpPr>
+            <a:spLocks noGrp="1"/>
+          </p:cNvSpPr>
+          <p:nvPr>
+            <p:ph type="title"/>
+          </p:nvPr>
+        </p:nvSpPr>
+        <p:spPr>
+          <a:xfrm>
+            <a:off x="839788" y="457200"/>
+            <a:ext cx="3932237" cy="1600200"/>
+          </a:xfrm>
+        </p:spPr>
+        <p:txBody>
+          <a:bodyPr anchor="b"/>
+          <a:lstStyle>
+            <a:lvl1pPr>
+              <a:defRPr sz="3200"/>
+            </a:lvl1pPr>
+          </a:lstStyle>
+          <a:p>
+            <a:r>
+              <a:rPr lang="en-US"/>
+              <a:t>Click to edit Master title style</a:t>
+            </a:r>
+          </a:p>
+        </p:txBody>
+      </p:sp>
+      <p:sp>
+        <p:nvSpPr>
+          <p:cNvPr id="3" name="Content Placeholder 2">
+            <a:extLst>
+              <a:ext uri="{FF2B5EF4-FFF2-40B4-BE49-F238E27FC236}">
+                <a16:creationId xmlns:a16="http://schemas.microsoft.com/office/drawing/2014/main" id="{829F7B7E-622A-49F6-A5F7-AD0479F1F168}"/>
+              </a:ext>
+            </a:extLst>
+          </p:cNvPr>
+          <p:cNvSpPr>
+            <a:spLocks noGrp="1"/>
+          </p:cNvSpPr>
+          <p:nvPr>
+            <p:ph idx="1"/>
+          </p:nvPr>
+        </p:nvSpPr>
+        <p:spPr>
+          <a:xfrm>
+            <a:off x="5183188" y="987425"/>
+            <a:ext cx="6172200" cy="4873625"/>
+          </a:xfrm>
+        </p:spPr>
+        <p:txBody>
+          <a:bodyPr/>
+          <a:lstStyle>
+            <a:lvl1pPr>
+              <a:defRPr sz="3200"/>
+            </a:lvl1pPr>
+            <a:lvl2pPr>
+              <a:defRPr sz="2800"/>
+            </a:lvl2pPr>
+            <a:lvl3pPr>
+              <a:defRPr sz="2400"/>
+            </a:lvl3pPr>
+            <a:lvl4pPr>
+              <a:defRPr sz="2000"/>
+            </a:lvl4pPr>
+            <a:lvl5pPr>
+              <a:defRPr sz="2000"/>
+            </a:lvl5pPr>
+            <a:lvl6pPr>
+              <a:defRPr sz="2000"/>
+            </a:lvl6pPr>
+            <a:lvl7pPr>
+              <a:defRPr sz="2000"/>
+            </a:lvl7pPr>
+            <a:lvl8pPr>
+              <a:defRPr sz="2000"/>
+            </a:lvl8pPr>
+            <a:lvl9pPr>
+              <a:defRPr sz="2000"/>
+            </a:lvl9pPr>
+          </a:lstStyle>
+          <a:p>
+            <a:pPr lvl="0"/>
+            <a:r>
+              <a:rPr lang="en-US"/>
+              <a:t>Click to edit Master text styles</a:t>
+            </a:r>
+          </a:p>
+          <a:p>
+            <a:pPr lvl="1"/>
+            <a:r>
+              <a:rPr lang="en-US"/>
+              <a:t>Second level</a:t>
+            </a:r>
+          </a:p>
+          <a:p>
+            <a:pPr lvl="2"/>
+            <a:r>
+              <a:rPr lang="en-US"/>
+              <a:t>Third level</a:t>
+            </a:r>
+          </a:p>
+          <a:p>
+            <a:pPr lvl="3"/>
+            <a:r>
+              <a:rPr lang="en-US"/>
+              <a:t>Fourth level</a:t>
+            </a:r>
+          </a:p>
+          <a:p>
+            <a:pPr lvl="4"/>
+            <a:r>
+              <a:rPr lang="en-US"/>
+              <a:t>Fifth level</a:t>
+            </a:r>
+          </a:p>
+        </p:txBody>
+      </p:sp>
+      <p:sp>
+        <p:nvSpPr>
+          <p:cNvPr id="4" name="Text Placeholder 3">
+            <a:extLst>
+              <a:ext uri="{FF2B5EF4-FFF2-40B4-BE49-F238E27FC236}">
+                <a16:creationId xmlns:a16="http://schemas.microsoft.com/office/drawing/2014/main" id="{8126D0EF-D638-999E-8349-832D61F00D26}"/>
+              </a:ext>
+            </a:extLst>
+          </p:cNvPr>
+          <p:cNvSpPr>
+            <a:spLocks noGrp="1"/>
+          </p:cNvSpPr>
+          <p:nvPr>
+            <p:ph type="body" sz="half" idx="2"/>
+          </p:nvPr>
+        </p:nvSpPr>
+        <p:spPr>
+          <a:xfrm>
+            <a:off x="839788" y="2057400"/>
+            <a:ext cx="3932237" cy="3811588"/>
+          </a:xfrm>
+        </p:spPr>
+        <p:txBody>
+          <a:bodyPr/>
+          <a:lstStyle>
+            <a:lvl1pPr marL="0" indent="0">
+              <a:buNone/>
+              <a:defRPr sz="1600"/>
+            </a:lvl1pPr>
+            <a:lvl2pPr marL="457200" indent="0">
+              <a:buNone/>
+              <a:defRPr sz="1400"/>
+            </a:lvl2pPr>
+            <a:lvl3pPr marL="914400" indent="0">
+              <a:buNone/>
+              <a:defRPr sz="1200"/>
+            </a:lvl3pPr>
+            <a:lvl4pPr marL="1371600" indent="0">
+              <a:buNone/>
+              <a:defRPr sz="1000"/>
+            </a:lvl4pPr>
+            <a:lvl5pPr marL="1828800" indent="0">
+              <a:buNone/>
+              <a:defRPr sz="1000"/>
+            </a:lvl5pPr>
+            <a:lvl6pPr marL="2286000" indent="0">
+              <a:buNone/>
+              <a:defRPr sz="1000"/>
+            </a:lvl6pPr>
+            <a:lvl7pPr marL="2743200" indent="0">
+              <a:buNone/>
+              <a:defRPr sz="1000"/>
+            </a:lvl7pPr>
+            <a:lvl8pPr marL="3200400" indent="0">
+              <a:buNone/>
+              <a:defRPr sz="1000"/>
+            </a:lvl8pPr>
+            <a:lvl9pPr marL="3657600" indent="0">
+              <a:buNone/>
+              <a:defRPr sz="1000"/>
+            </a:lvl9pPr>
+          </a:lstStyle>
+          <a:p>
+            <a:pPr lvl="0"/>
+            <a:r>
+              <a:rPr lang="en-US"/>
+              <a:t>Click to edit Master text styles</a:t>
+            </a:r>
+          </a:p>
+        </p:txBody>
+      </p:sp>
+      <p:sp>
+        <p:nvSpPr>
+          <p:cNvPr id="5" name="Date Placeholder 4">
+            <a:extLst>
+              <a:ext uri="{FF2B5EF4-FFF2-40B4-BE49-F238E27FC236}">
+                <a16:creationId xmlns:a16="http://schemas.microsoft.com/office/drawing/2014/main" id="{7133C676-9686-7F66-A29B-358E7E563DD8}"/>
+              </a:ext>
+            </a:extLst>
+          </p:cNvPr>
+          <p:cNvSpPr>
+            <a:spLocks noGrp="1"/>
+          </p:cNvSpPr>
+          <p:nvPr>
+            <p:ph type="dt" sz="half" idx="10"/>
+          </p:nvPr>
+        </p:nvSpPr>
+        <p:spPr/>
+        <p:txBody>
+          <a:bodyPr/>
+          <a:lstStyle/>
+          <a:p>
+            <a:fld id="{043BA505-DB19-400D-8033-E8D3662981AD}" type="datetimeFigureOut">
+              <a:rPr lang="en-US" smtClean="0"/>
+              <a:t>6/2/2023</a:t>
+            </a:fld>
+            <a:endParaRPr lang="en-US"/>
+          </a:p>
+        </p:txBody>
+      </p:sp>
+      <p:sp>
+        <p:nvSpPr>
+          <p:cNvPr id="6" name="Footer Placeholder 5">
+            <a:extLst>
+              <a:ext uri="{FF2B5EF4-FFF2-40B4-BE49-F238E27FC236}">
+                <a16:creationId xmlns:a16="http://schemas.microsoft.com/office/drawing/2014/main" id="{9A4BF1DC-1169-1428-4FF9-F728DFF1F9F3}"/>
+              </a:ext>
+            </a:extLst>
+          </p:cNvPr>
+          <p:cNvSpPr>
+            <a:spLocks noGrp="1"/>
+          </p:cNvSpPr>
+          <p:nvPr>
+            <p:ph type="ftr" sz="quarter" idx="11"/>
+          </p:nvPr>
+        </p:nvSpPr>
+        <p:spPr/>
+        <p:txBody>
+          <a:bodyPr/>
+          <a:lstStyle/>
+          <a:p>
+            <a:endParaRPr lang="en-US"/>
+          </a:p>
+        </p:txBody>
+      </p:sp>
+      <p:sp>
+        <p:nvSpPr>
+          <p:cNvPr id="7" name="Slide Number Placeholder 6">
+            <a:extLst>
+              <a:ext uri="{FF2B5EF4-FFF2-40B4-BE49-F238E27FC236}">
+                <a16:creationId xmlns:a16="http://schemas.microsoft.com/office/drawing/2014/main" id="{07CA4EF6-21EB-1481-2C50-C1D5FC343CB6}"/>
+              </a:ext>
+            </a:extLst>
+          </p:cNvPr>
+          <p:cNvSpPr>
+            <a:spLocks noGrp="1"/>
+          </p:cNvSpPr>
+          <p:nvPr>
+            <p:ph type="sldNum" sz="quarter" idx="12"/>
+          </p:nvPr>
+        </p:nvSpPr>
+        <p:spPr/>
+        <p:txBody>
+          <a:bodyPr/>
+          <a:lstStyle/>
+          <a:p>
+            <a:fld id="{A8CA8744-4CE3-42E4-83C7-E4DED2CF3447}" type="slidenum">
+              <a:rPr lang="en-US" smtClean="0"/>
+              <a:t>‹#›</a:t>
+            </a:fld>
+            <a:endParaRPr lang="en-US"/>
+          </a:p>
+        </p:txBody>
+      </p:sp>
+    </p:spTree>
+    <p:extLst>
+      <p:ext uri="{BB962C8B-B14F-4D97-AF65-F5344CB8AC3E}">
+        <p14:creationId xmlns:p14="http://schemas.microsoft.com/office/powerpoint/2010/main" val="3038345423"/>
+      </p:ext>
+    </p:extLst>
+  </p:cSld>
+  <p:clrMapOvr>
+    <a:masterClrMapping/>
+  </p:clrMapOvr>
+</p:sldLayout>
+</file>
+
+<file path=ppt/slideLayouts/slideLayout9.xml><?xml version="1.0" encoding="utf-8"?>
+<p:sldLayout xmlns:a="http://schemas.openxmlformats.org/drawingml/2006/main" xmlns:r="http://schemas.openxmlformats.org/officeDocument/2006/relationships" xmlns:p="http://schemas.openxmlformats.org/presentationml/2006/main" type="picTx" preserve="1">
+  <p:cSld name="Picture with Caption">
+    <p:spTree>
+      <p:nvGrpSpPr>
+        <p:cNvPr id="1" name=""/>
+        <p:cNvGrpSpPr/>
+        <p:nvPr/>
+      </p:nvGrpSpPr>
+      <p:grpSpPr>
+        <a:xfrm>
+          <a:off x="0" y="0"/>
+          <a:ext cx="0" cy="0"/>
+          <a:chOff x="0" y="0"/>
+          <a:chExt cx="0" cy="0"/>
+        </a:xfrm>
+      </p:grpSpPr>
+      <p:sp>
+        <p:nvSpPr>
+          <p:cNvPr id="2" name="Title 1">
+            <a:extLst>
+              <a:ext uri="{FF2B5EF4-FFF2-40B4-BE49-F238E27FC236}">
+                <a16:creationId xmlns:a16="http://schemas.microsoft.com/office/drawing/2014/main" id="{52280AAB-576F-22D7-2ED4-AB359381411F}"/>
+              </a:ext>
+            </a:extLst>
+          </p:cNvPr>
+          <p:cNvSpPr>
+            <a:spLocks noGrp="1"/>
+          </p:cNvSpPr>
+          <p:nvPr>
+            <p:ph type="title"/>
+          </p:nvPr>
+        </p:nvSpPr>
+        <p:spPr>
+          <a:xfrm>
+            <a:off x="839788" y="457200"/>
+            <a:ext cx="3932237" cy="1600200"/>
+          </a:xfrm>
+        </p:spPr>
+        <p:txBody>
+          <a:bodyPr anchor="b"/>
+          <a:lstStyle>
+            <a:lvl1pPr>
+              <a:defRPr sz="3200"/>
+            </a:lvl1pPr>
+          </a:lstStyle>
+          <a:p>
+            <a:r>
+              <a:rPr lang="en-US"/>
+              <a:t>Click to edit Master title style</a:t>
+            </a:r>
+          </a:p>
+        </p:txBody>
+      </p:sp>
+      <p:sp>
+        <p:nvSpPr>
+          <p:cNvPr id="3" name="Picture Placeholder 2">
+            <a:extLst>
+              <a:ext uri="{FF2B5EF4-FFF2-40B4-BE49-F238E27FC236}">
+                <a16:creationId xmlns:a16="http://schemas.microsoft.com/office/drawing/2014/main" id="{0AA14026-991D-1AA4-3072-6B0F766C62B4}"/>
+              </a:ext>
+            </a:extLst>
+          </p:cNvPr>
+          <p:cNvSpPr>
+            <a:spLocks noGrp="1"/>
+          </p:cNvSpPr>
+          <p:nvPr>
+            <p:ph type="pic" idx="1"/>
+          </p:nvPr>
+        </p:nvSpPr>
+        <p:spPr>
+          <a:xfrm>
+            <a:off x="5183188" y="987425"/>
+            <a:ext cx="6172200" cy="4873625"/>
+          </a:xfrm>
+        </p:spPr>
+        <p:txBody>
+          <a:bodyPr/>
+          <a:lstStyle>
+            <a:lvl1pPr marL="0" indent="0">
+              <a:buNone/>
+              <a:defRPr sz="3200"/>
+            </a:lvl1pPr>
+            <a:lvl2pPr marL="457200" indent="0">
+              <a:buNone/>
+              <a:defRPr sz="2800"/>
+            </a:lvl2pPr>
+            <a:lvl3pPr marL="914400" indent="0">
+              <a:buNone/>
+              <a:defRPr sz="2400"/>
+            </a:lvl3pPr>
+            <a:lvl4pPr marL="1371600" indent="0">
+              <a:buNone/>
+              <a:defRPr sz="2000"/>
+            </a:lvl4pPr>
+            <a:lvl5pPr marL="1828800" indent="0">
+              <a:buNone/>
+              <a:defRPr sz="2000"/>
+            </a:lvl5pPr>
+            <a:lvl6pPr marL="2286000" indent="0">
+              <a:buNone/>
+              <a:defRPr sz="2000"/>
+            </a:lvl6pPr>
+            <a:lvl7pPr marL="2743200" indent="0">
+              <a:buNone/>
+              <a:defRPr sz="2000"/>
+            </a:lvl7pPr>
+            <a:lvl8pPr marL="3200400" indent="0">
+              <a:buNone/>
+              <a:defRPr sz="2000"/>
+            </a:lvl8pPr>
+            <a:lvl9pPr marL="3657600" indent="0">
+              <a:buNone/>
+              <a:defRPr sz="2000"/>
+            </a:lvl9pPr>
+          </a:lstStyle>
+          <a:p>
+            <a:endParaRPr lang="en-US"/>
+          </a:p>
+        </p:txBody>
+      </p:sp>
+      <p:sp>
+        <p:nvSpPr>
+          <p:cNvPr id="4" name="Text Placeholder 3">
+            <a:extLst>
+              <a:ext uri="{FF2B5EF4-FFF2-40B4-BE49-F238E27FC236}">
+                <a16:creationId xmlns:a16="http://schemas.microsoft.com/office/drawing/2014/main" id="{EB07FDDE-09F5-0835-A03F-222F03295F1C}"/>
+              </a:ext>
+            </a:extLst>
+          </p:cNvPr>
+          <p:cNvSpPr>
+            <a:spLocks noGrp="1"/>
+          </p:cNvSpPr>
+          <p:nvPr>
+            <p:ph type="body" sz="half" idx="2"/>
+          </p:nvPr>
+        </p:nvSpPr>
+        <p:spPr>
+          <a:xfrm>
+            <a:off x="839788" y="2057400"/>
+            <a:ext cx="3932237" cy="3811588"/>
+          </a:xfrm>
+        </p:spPr>
+        <p:txBody>
+          <a:bodyPr/>
+          <a:lstStyle>
+            <a:lvl1pPr marL="0" indent="0">
+              <a:buNone/>
+              <a:defRPr sz="1600"/>
+            </a:lvl1pPr>
+            <a:lvl2pPr marL="457200" indent="0">
+              <a:buNone/>
+              <a:defRPr sz="1400"/>
+            </a:lvl2pPr>
+            <a:lvl3pPr marL="914400" indent="0">
+              <a:buNone/>
+              <a:defRPr sz="1200"/>
+            </a:lvl3pPr>
+            <a:lvl4pPr marL="1371600" indent="0">
+              <a:buNone/>
+              <a:defRPr sz="1000"/>
+            </a:lvl4pPr>
+            <a:lvl5pPr marL="1828800" indent="0">
+              <a:buNone/>
+              <a:defRPr sz="1000"/>
+            </a:lvl5pPr>
+            <a:lvl6pPr marL="2286000" indent="0">
+              <a:buNone/>
+              <a:defRPr sz="1000"/>
+            </a:lvl6pPr>
+            <a:lvl7pPr marL="2743200" indent="0">
+              <a:buNone/>
+              <a:defRPr sz="1000"/>
+            </a:lvl7pPr>
+            <a:lvl8pPr marL="3200400" indent="0">
+              <a:buNone/>
+              <a:defRPr sz="1000"/>
+            </a:lvl8pPr>
+            <a:lvl9pPr marL="3657600" indent="0">
+              <a:buNone/>
+              <a:defRPr sz="1000"/>
+            </a:lvl9pPr>
+          </a:lstStyle>
+          <a:p>
+            <a:pPr lvl="0"/>
+            <a:r>
+              <a:rPr lang="en-US"/>
+              <a:t>Click to edit Master text styles</a:t>
+            </a:r>
+          </a:p>
+        </p:txBody>
+      </p:sp>
+      <p:sp>
+        <p:nvSpPr>
+          <p:cNvPr id="5" name="Date Placeholder 4">
+            <a:extLst>
+              <a:ext uri="{FF2B5EF4-FFF2-40B4-BE49-F238E27FC236}">
+                <a16:creationId xmlns:a16="http://schemas.microsoft.com/office/drawing/2014/main" id="{E109C004-E4DD-4C39-F625-72D831F18819}"/>
+              </a:ext>
+            </a:extLst>
+          </p:cNvPr>
+          <p:cNvSpPr>
+            <a:spLocks noGrp="1"/>
+          </p:cNvSpPr>
+          <p:nvPr>
+            <p:ph type="dt" sz="half" idx="10"/>
+          </p:nvPr>
+        </p:nvSpPr>
+        <p:spPr/>
+        <p:txBody>
+          <a:bodyPr/>
+          <a:lstStyle/>
+          <a:p>
+            <a:fld id="{043BA505-DB19-400D-8033-E8D3662981AD}" type="datetimeFigureOut">
+              <a:rPr lang="en-US" smtClean="0"/>
+              <a:t>6/2/2023</a:t>
+            </a:fld>
+            <a:endParaRPr lang="en-US"/>
+          </a:p>
+        </p:txBody>
+      </p:sp>
+      <p:sp>
+        <p:nvSpPr>
+          <p:cNvPr id="6" name="Footer Placeholder 5">
+            <a:extLst>
+              <a:ext uri="{FF2B5EF4-FFF2-40B4-BE49-F238E27FC236}">
+                <a16:creationId xmlns:a16="http://schemas.microsoft.com/office/drawing/2014/main" id="{ABB2D51B-3346-D966-F3DB-976B1D4A7966}"/>
+              </a:ext>
+            </a:extLst>
+          </p:cNvPr>
+          <p:cNvSpPr>
+            <a:spLocks noGrp="1"/>
+          </p:cNvSpPr>
+          <p:nvPr>
+            <p:ph type="ftr" sz="quarter" idx="11"/>
+          </p:nvPr>
+        </p:nvSpPr>
+        <p:spPr/>
+        <p:txBody>
+          <a:bodyPr/>
+          <a:lstStyle/>
+          <a:p>
+            <a:endParaRPr lang="en-US"/>
+          </a:p>
+        </p:txBody>
+      </p:sp>
+      <p:sp>
+        <p:nvSpPr>
+          <p:cNvPr id="7" name="Slide Number Placeholder 6">
+            <a:extLst>
+              <a:ext uri="{FF2B5EF4-FFF2-40B4-BE49-F238E27FC236}">
+                <a16:creationId xmlns:a16="http://schemas.microsoft.com/office/drawing/2014/main" id="{89F127D2-AC12-2F00-C77E-B223AFB2B9F8}"/>
+              </a:ext>
+            </a:extLst>
+          </p:cNvPr>
+          <p:cNvSpPr>
+            <a:spLocks noGrp="1"/>
+          </p:cNvSpPr>
+          <p:nvPr>
+            <p:ph type="sldNum" sz="quarter" idx="12"/>
+          </p:nvPr>
+        </p:nvSpPr>
+        <p:spPr/>
+        <p:txBody>
+          <a:bodyPr/>
+          <a:lstStyle/>
+          <a:p>
+            <a:fld id="{A8CA8744-4CE3-42E4-83C7-E4DED2CF3447}" type="slidenum">
+              <a:rPr lang="en-US" smtClean="0"/>
+              <a:t>‹#›</a:t>
+            </a:fld>
+            <a:endParaRPr lang="en-US"/>
+          </a:p>
+        </p:txBody>
+      </p:sp>
+    </p:spTree>
+    <p:extLst>
+      <p:ext uri="{BB962C8B-B14F-4D97-AF65-F5344CB8AC3E}">
+        <p14:creationId xmlns:p14="http://schemas.microsoft.com/office/powerpoint/2010/main" val="2025439300"/>
       </p:ext>
     </p:extLst>
   </p:cSld>
@@ -279,7 +3240,7 @@
           <p:cNvPr id="2" name="Title Placeholder 1">
             <a:extLst>
               <a:ext uri="{FF2B5EF4-FFF2-40B4-BE49-F238E27FC236}">
-                <a16:creationId xmlns:a16="http://schemas.microsoft.com/office/drawing/2014/main" id="{F9A206A4-4A75-7761-DFAE-1D769D530135}"/>
+                <a16:creationId xmlns:a16="http://schemas.microsoft.com/office/drawing/2014/main" id="{411089B9-D2DE-DEEE-0200-C7A4BC62A2D1}"/>
               </a:ext>
             </a:extLst>
           </p:cNvPr>
@@ -317,7 +3278,7 @@
           <p:cNvPr id="3" name="Text Placeholder 2">
             <a:extLst>
               <a:ext uri="{FF2B5EF4-FFF2-40B4-BE49-F238E27FC236}">
-                <a16:creationId xmlns:a16="http://schemas.microsoft.com/office/drawing/2014/main" id="{49BE2DB4-7AB7-011A-D1F9-4EF792D55298}"/>
+                <a16:creationId xmlns:a16="http://schemas.microsoft.com/office/drawing/2014/main" id="{8B6DB924-AD97-91A2-18E2-F574A00489A5}"/>
               </a:ext>
             </a:extLst>
           </p:cNvPr>
@@ -384,7 +3345,7 @@
           <p:cNvPr id="4" name="Date Placeholder 3">
             <a:extLst>
               <a:ext uri="{FF2B5EF4-FFF2-40B4-BE49-F238E27FC236}">
-                <a16:creationId xmlns:a16="http://schemas.microsoft.com/office/drawing/2014/main" id="{035F43BB-23BF-B06F-985E-C9A6C22C544D}"/>
+                <a16:creationId xmlns:a16="http://schemas.microsoft.com/office/drawing/2014/main" id="{239B65E6-8810-ECD4-FD2A-CCCAA052C5B6}"/>
               </a:ext>
             </a:extLst>
           </p:cNvPr>
@@ -418,7 +3379,7 @@
             </a:lvl1pPr>
           </a:lstStyle>
           <a:p>
-            <a:fld id="{40E2C83B-333A-4044-A029-1AC26920081E}" type="datetimeFigureOut">
+            <a:fld id="{043BA505-DB19-400D-8033-E8D3662981AD}" type="datetimeFigureOut">
               <a:rPr lang="en-US" smtClean="0"/>
               <a:t>6/2/2023</a:t>
             </a:fld>
@@ -431,7 +3392,7 @@
           <p:cNvPr id="5" name="Footer Placeholder 4">
             <a:extLst>
               <a:ext uri="{FF2B5EF4-FFF2-40B4-BE49-F238E27FC236}">
-                <a16:creationId xmlns:a16="http://schemas.microsoft.com/office/drawing/2014/main" id="{CA40C303-AE50-2B46-7EA5-7433658298B9}"/>
+                <a16:creationId xmlns:a16="http://schemas.microsoft.com/office/drawing/2014/main" id="{5A6DE0C6-9551-EBDB-D3A4-F0477E9DED45}"/>
               </a:ext>
             </a:extLst>
           </p:cNvPr>
@@ -474,7 +3435,7 @@
           <p:cNvPr id="6" name="Slide Number Placeholder 5">
             <a:extLst>
               <a:ext uri="{FF2B5EF4-FFF2-40B4-BE49-F238E27FC236}">
-                <a16:creationId xmlns:a16="http://schemas.microsoft.com/office/drawing/2014/main" id="{4920A27E-C44B-3DAD-DF2A-41FAF916364C}"/>
+                <a16:creationId xmlns:a16="http://schemas.microsoft.com/office/drawing/2014/main" id="{8D5402CB-5F0D-0A36-2EE7-E6636CAC1068}"/>
               </a:ext>
             </a:extLst>
           </p:cNvPr>
@@ -508,7 +3469,7 @@
             </a:lvl1pPr>
           </a:lstStyle>
           <a:p>
-            <a:fld id="{A70A1119-3763-428A-9AD1-AF8ED0476163}" type="slidenum">
+            <a:fld id="{A8CA8744-4CE3-42E4-83C7-E4DED2CF3447}" type="slidenum">
               <a:rPr lang="en-US" smtClean="0"/>
               <a:t>‹#›</a:t>
             </a:fld>
@@ -519,13 +3480,23 @@
     </p:spTree>
     <p:extLst>
       <p:ext uri="{BB962C8B-B14F-4D97-AF65-F5344CB8AC3E}">
-        <p14:creationId xmlns:p14="http://schemas.microsoft.com/office/powerpoint/2010/main" val="3084248730"/>
+        <p14:creationId xmlns:p14="http://schemas.microsoft.com/office/powerpoint/2010/main" val="96100105"/>
       </p:ext>
     </p:extLst>
   </p:cSld>
   <p:clrMap bg1="lt1" tx1="dk1" bg2="lt2" tx2="dk2" accent1="accent1" accent2="accent2" accent3="accent3" accent4="accent4" accent5="accent5" accent6="accent6" hlink="hlink" folHlink="folHlink"/>
   <p:sldLayoutIdLst>
-    <p:sldLayoutId id="2147483654" r:id="rId1"/>
+    <p:sldLayoutId id="2147483649" r:id="rId1"/>
+    <p:sldLayoutId id="2147483650" r:id="rId2"/>
+    <p:sldLayoutId id="2147483651" r:id="rId3"/>
+    <p:sldLayoutId id="2147483652" r:id="rId4"/>
+    <p:sldLayoutId id="2147483653" r:id="rId5"/>
+    <p:sldLayoutId id="2147483654" r:id="rId6"/>
+    <p:sldLayoutId id="2147483655" r:id="rId7"/>
+    <p:sldLayoutId id="2147483656" r:id="rId8"/>
+    <p:sldLayoutId id="2147483657" r:id="rId9"/>
+    <p:sldLayoutId id="2147483658" r:id="rId10"/>
+    <p:sldLayoutId id="2147483659" r:id="rId11"/>
   </p:sldLayoutIdLst>
   <p:txStyles>
     <p:titleStyle>
@@ -813,12 +3784,6 @@
 <file path=ppt/slides/slide1.xml><?xml version="1.0" encoding="utf-8"?>
 <p:sld xmlns:a="http://schemas.openxmlformats.org/drawingml/2006/main" xmlns:r="http://schemas.openxmlformats.org/officeDocument/2006/relationships" xmlns:p="http://schemas.openxmlformats.org/presentationml/2006/main">
   <p:cSld>
-    <p:bg>
-      <p:bgPr>
-        <a:noFill/>
-        <a:effectLst/>
-      </p:bgPr>
-    </p:bg>
     <p:spTree>
       <p:nvGrpSpPr>
         <p:cNvPr id="1" name=""/>
@@ -835,10 +3800,10 @@
       </p:grpSpPr>
       <p:sp>
         <p:nvSpPr>
-          <p:cNvPr id="2" name="Title 1" hidden="1">
-            <a:extLst>
-              <a:ext uri="{FF2B5EF4-FFF2-40B4-BE49-F238E27FC236}">
-                <a16:creationId xmlns:a16="http://schemas.microsoft.com/office/drawing/2014/main" id="{36C837B9-F899-88E3-D01B-C70CCE712FB6}"/>
+          <p:cNvPr id="2" name="Title 1">
+            <a:extLst>
+              <a:ext uri="{FF2B5EF4-FFF2-40B4-BE49-F238E27FC236}">
+                <a16:creationId xmlns:a16="http://schemas.microsoft.com/office/drawing/2014/main" id="{CB92E32B-3720-EE26-BB62-A252BB77A720}"/>
               </a:ext>
             </a:extLst>
           </p:cNvPr>
@@ -849,52 +3814,70 @@
             <p:ph type="title"/>
           </p:nvPr>
         </p:nvSpPr>
-        <p:spPr/>
-        <p:txBody>
-          <a:bodyPr/>
+        <p:spPr>
+          <a:xfrm>
+            <a:off x="838200" y="2103437"/>
+            <a:ext cx="10515600" cy="1325563"/>
+          </a:xfrm>
+          <a:solidFill>
+            <a:schemeClr val="bg1"/>
+          </a:solidFill>
+        </p:spPr>
+        <p:txBody>
+          <a:bodyPr>
+            <a:normAutofit/>
+          </a:bodyPr>
           <a:lstStyle/>
           <a:p>
             <a:pPr algn="ctr"/>
             <a:r>
-              <a:rPr lang="en-US" sz="8000"/>
+              <a:rPr lang="en-US" sz="7200" dirty="0">
+                <a:latin typeface="+mn-lt"/>
+              </a:rPr>
               <a:t>Assignment 1</a:t>
             </a:r>
-            <a:endParaRPr lang="en-US" sz="8000" dirty="0"/>
-          </a:p>
-        </p:txBody>
-      </p:sp>
-      <p:pic>
-        <p:nvPicPr>
-          <p:cNvPr id="3" name="Picture 2">
-            <a:extLst>
-              <a:ext uri="{FF2B5EF4-FFF2-40B4-BE49-F238E27FC236}">
-                <a16:creationId xmlns:a16="http://schemas.microsoft.com/office/drawing/2014/main" id="{48EC6DF1-8B2F-947C-7D04-026B10BCEA2A}"/>
-              </a:ext>
-            </a:extLst>
-          </p:cNvPr>
-          <p:cNvPicPr/>
+          </a:p>
+        </p:txBody>
+      </p:sp>
+      <p:sp>
+        <p:nvSpPr>
+          <p:cNvPr id="5" name="TextBox 4">
+            <a:extLst>
+              <a:ext uri="{FF2B5EF4-FFF2-40B4-BE49-F238E27FC236}">
+                <a16:creationId xmlns:a16="http://schemas.microsoft.com/office/drawing/2014/main" id="{07F16465-F220-D043-A8DE-3539C8CFEB76}"/>
+              </a:ext>
+            </a:extLst>
+          </p:cNvPr>
+          <p:cNvSpPr txBox="1"/>
           <p:nvPr/>
-        </p:nvPicPr>
-        <p:blipFill>
-          <a:blip r:embed="rId2"/>
-          <a:stretch>
-            <a:fillRect/>
-          </a:stretch>
-        </p:blipFill>
-        <p:spPr>
-          <a:xfrm>
-            <a:off x="0" y="0"/>
-            <a:ext cx="12192000" cy="6858000"/>
+        </p:nvSpPr>
+        <p:spPr>
+          <a:xfrm>
+            <a:off x="1423416" y="3105834"/>
+            <a:ext cx="9345168" cy="646331"/>
           </a:xfrm>
           <a:prstGeom prst="rect">
             <a:avLst/>
           </a:prstGeom>
-        </p:spPr>
-      </p:pic>
+          <a:noFill/>
+        </p:spPr>
+        <p:txBody>
+          <a:bodyPr wrap="square" rtlCol="0">
+            <a:spAutoFit/>
+          </a:bodyPr>
+          <a:lstStyle/>
+          <a:p>
+            <a:r>
+              <a:rPr lang="en-US" sz="3600" dirty="0"/>
+              <a:t> Atmospheric pressure and temperature variation</a:t>
+            </a:r>
+          </a:p>
+        </p:txBody>
+      </p:sp>
     </p:spTree>
     <p:extLst>
       <p:ext uri="{BB962C8B-B14F-4D97-AF65-F5344CB8AC3E}">
-        <p14:creationId xmlns:p14="http://schemas.microsoft.com/office/powerpoint/2010/main" val="514458803"/>
+        <p14:creationId xmlns:p14="http://schemas.microsoft.com/office/powerpoint/2010/main" val="63870516"/>
       </p:ext>
     </p:extLst>
   </p:cSld>
@@ -904,15 +3887,9 @@
 </p:sld>
 </file>
 
-<file path=ppt/slides/slide2.xml><?xml version="1.0" encoding="utf-8"?>
+<file path=ppt/slides/slide10.xml><?xml version="1.0" encoding="utf-8"?>
 <p:sld xmlns:a="http://schemas.openxmlformats.org/drawingml/2006/main" xmlns:r="http://schemas.openxmlformats.org/officeDocument/2006/relationships" xmlns:p="http://schemas.openxmlformats.org/presentationml/2006/main">
   <p:cSld>
-    <p:bg>
-      <p:bgPr>
-        <a:noFill/>
-        <a:effectLst/>
-      </p:bgPr>
-    </p:bg>
     <p:spTree>
       <p:nvGrpSpPr>
         <p:cNvPr id="1" name=""/>
@@ -929,10 +3906,10 @@
       </p:grpSpPr>
       <p:sp>
         <p:nvSpPr>
-          <p:cNvPr id="2" name="Title 1" hidden="1">
-            <a:extLst>
-              <a:ext uri="{FF2B5EF4-FFF2-40B4-BE49-F238E27FC236}">
-                <a16:creationId xmlns:a16="http://schemas.microsoft.com/office/drawing/2014/main" id="{CB4E601C-4EBF-4C5A-47DD-25BE7B99111E}"/>
+          <p:cNvPr id="2" name="Title 1">
+            <a:extLst>
+              <a:ext uri="{FF2B5EF4-FFF2-40B4-BE49-F238E27FC236}">
+                <a16:creationId xmlns:a16="http://schemas.microsoft.com/office/drawing/2014/main" id="{892A0FFF-F43B-E0EB-4CAE-C94780B3503D}"/>
               </a:ext>
             </a:extLst>
           </p:cNvPr>
@@ -949,28 +3926,25 @@
           <a:lstStyle/>
           <a:p>
             <a:r>
-              <a:rPr lang="en-US" b="0" i="0">
+              <a:rPr lang="nb-NO" b="0" i="0" dirty="0" err="1">
                 <a:effectLst/>
                 <a:latin typeface="Arial" panose="020B0604020202020204" pitchFamily="34" charset="0"/>
               </a:rPr>
-              <a:t>Task 1: </a:t>
-            </a:r>
-            <a:r>
-              <a:rPr lang="en-US" sz="3600" b="0" i="0">
+              <a:t>Task</a:t>
+            </a:r>
+            <a:r>
+              <a:rPr lang="nb-NO" b="0" i="0" dirty="0">
                 <a:effectLst/>
                 <a:latin typeface="Arial" panose="020B0604020202020204" pitchFamily="34" charset="0"/>
               </a:rPr>
-              <a:t>Make functions that calculate the altitude vari-</a:t>
-            </a:r>
-            <a:br>
-              <a:rPr lang="en-US" sz="3600"/>
-            </a:br>
-            <a:r>
-              <a:rPr lang="en-US" sz="3600" b="0" i="0">
+              <a:t> 2: </a:t>
+            </a:r>
+            <a:r>
+              <a:rPr lang="en-US" sz="3600" b="0" i="0" dirty="0">
                 <a:effectLst/>
                 <a:latin typeface="Arial" panose="020B0604020202020204" pitchFamily="34" charset="0"/>
               </a:rPr>
-              <a:t>ation of the atmospheric scale-height</a:t>
+              <a:t>Calculate the EUV-photon flux as a function of wavelength and height.</a:t>
             </a:r>
             <a:endParaRPr lang="en-US" sz="3600" dirty="0"/>
           </a:p>
@@ -978,36 +3952,150 @@
       </p:sp>
       <p:pic>
         <p:nvPicPr>
-          <p:cNvPr id="3" name="Picture 2">
-            <a:extLst>
-              <a:ext uri="{FF2B5EF4-FFF2-40B4-BE49-F238E27FC236}">
-                <a16:creationId xmlns:a16="http://schemas.microsoft.com/office/drawing/2014/main" id="{B482C7AA-91C0-075F-7080-DDB308BF01F7}"/>
-              </a:ext>
-            </a:extLst>
-          </p:cNvPr>
-          <p:cNvPicPr/>
+          <p:cNvPr id="5" name="Picture 4" descr="A picture containing text, screenshot, colorfulness, purple&#10;&#10;Description automatically generated">
+            <a:extLst>
+              <a:ext uri="{FF2B5EF4-FFF2-40B4-BE49-F238E27FC236}">
+                <a16:creationId xmlns:a16="http://schemas.microsoft.com/office/drawing/2014/main" id="{776AAD25-41FF-6AB5-59AA-EEE90E9A174C}"/>
+              </a:ext>
+            </a:extLst>
+          </p:cNvPr>
+          <p:cNvPicPr>
+            <a:picLocks noChangeAspect="1"/>
+          </p:cNvPicPr>
           <p:nvPr/>
         </p:nvPicPr>
         <p:blipFill>
-          <a:blip r:embed="rId2"/>
+          <a:blip r:embed="rId2">
+            <a:extLst>
+              <a:ext uri="{28A0092B-C50C-407E-A947-70E740481C1C}">
+                <a14:useLocalDpi xmlns:a14="http://schemas.microsoft.com/office/drawing/2010/main" val="0"/>
+              </a:ext>
+            </a:extLst>
+          </a:blip>
           <a:stretch>
             <a:fillRect/>
           </a:stretch>
         </p:blipFill>
         <p:spPr>
           <a:xfrm>
-            <a:off x="0" y="0"/>
-            <a:ext cx="12192000" cy="6858000"/>
+            <a:off x="838200" y="1674250"/>
+            <a:ext cx="4679333" cy="3509500"/>
           </a:xfrm>
           <a:prstGeom prst="rect">
             <a:avLst/>
           </a:prstGeom>
         </p:spPr>
       </p:pic>
+      <p:pic>
+        <p:nvPicPr>
+          <p:cNvPr id="7" name="Picture 6" descr="A picture containing text, screenshot, colorfulness, purple&#10;&#10;Description automatically generated">
+            <a:extLst>
+              <a:ext uri="{FF2B5EF4-FFF2-40B4-BE49-F238E27FC236}">
+                <a16:creationId xmlns:a16="http://schemas.microsoft.com/office/drawing/2014/main" id="{FF168F85-B598-2236-027C-5BAB2D25C07C}"/>
+              </a:ext>
+            </a:extLst>
+          </p:cNvPr>
+          <p:cNvPicPr>
+            <a:picLocks noChangeAspect="1"/>
+          </p:cNvPicPr>
+          <p:nvPr/>
+        </p:nvPicPr>
+        <p:blipFill>
+          <a:blip r:embed="rId3">
+            <a:extLst>
+              <a:ext uri="{28A0092B-C50C-407E-A947-70E740481C1C}">
+                <a14:useLocalDpi xmlns:a14="http://schemas.microsoft.com/office/drawing/2010/main" val="0"/>
+              </a:ext>
+            </a:extLst>
+          </a:blip>
+          <a:stretch>
+            <a:fillRect/>
+          </a:stretch>
+        </p:blipFill>
+        <p:spPr>
+          <a:xfrm>
+            <a:off x="6674469" y="1674250"/>
+            <a:ext cx="4679333" cy="3509500"/>
+          </a:xfrm>
+          <a:prstGeom prst="rect">
+            <a:avLst/>
+          </a:prstGeom>
+        </p:spPr>
+      </p:pic>
+      <p:pic>
+        <p:nvPicPr>
+          <p:cNvPr id="9" name="Picture 8">
+            <a:extLst>
+              <a:ext uri="{FF2B5EF4-FFF2-40B4-BE49-F238E27FC236}">
+                <a16:creationId xmlns:a16="http://schemas.microsoft.com/office/drawing/2014/main" id="{59AC9B26-C1DA-4681-2075-7C4216311BDB}"/>
+              </a:ext>
+            </a:extLst>
+          </p:cNvPr>
+          <p:cNvPicPr>
+            <a:picLocks noChangeAspect="1"/>
+          </p:cNvPicPr>
+          <p:nvPr/>
+        </p:nvPicPr>
+        <p:blipFill>
+          <a:blip r:embed="rId4"/>
+          <a:stretch>
+            <a:fillRect/>
+          </a:stretch>
+        </p:blipFill>
+        <p:spPr>
+          <a:xfrm>
+            <a:off x="4565722" y="5641711"/>
+            <a:ext cx="4217494" cy="437833"/>
+          </a:xfrm>
+          <a:prstGeom prst="rect">
+            <a:avLst/>
+          </a:prstGeom>
+        </p:spPr>
+      </p:pic>
+      <p:sp>
+        <p:nvSpPr>
+          <p:cNvPr id="10" name="TextBox 9">
+            <a:extLst>
+              <a:ext uri="{FF2B5EF4-FFF2-40B4-BE49-F238E27FC236}">
+                <a16:creationId xmlns:a16="http://schemas.microsoft.com/office/drawing/2014/main" id="{A1FE09EE-F5CC-0FD2-4B13-EE4D03AB2774}"/>
+              </a:ext>
+            </a:extLst>
+          </p:cNvPr>
+          <p:cNvSpPr txBox="1"/>
+          <p:nvPr/>
+        </p:nvSpPr>
+        <p:spPr>
+          <a:xfrm>
+            <a:off x="2231136" y="5599018"/>
+            <a:ext cx="2935224" cy="523220"/>
+          </a:xfrm>
+          <a:prstGeom prst="rect">
+            <a:avLst/>
+          </a:prstGeom>
+          <a:noFill/>
+        </p:spPr>
+        <p:txBody>
+          <a:bodyPr wrap="square" rtlCol="0">
+            <a:spAutoFit/>
+          </a:bodyPr>
+          <a:lstStyle/>
+          <a:p>
+            <a:r>
+              <a:rPr lang="nb-NO" sz="2800" dirty="0" err="1"/>
+              <a:t>Photon-flux</a:t>
+            </a:r>
+            <a:r>
+              <a:rPr lang="nb-NO" sz="2800" dirty="0"/>
+              <a:t>:</a:t>
+            </a:r>
+            <a:endParaRPr lang="en-US" sz="2800" dirty="0"/>
+          </a:p>
+        </p:txBody>
+      </p:sp>
     </p:spTree>
     <p:extLst>
       <p:ext uri="{BB962C8B-B14F-4D97-AF65-F5344CB8AC3E}">
-        <p14:creationId xmlns:p14="http://schemas.microsoft.com/office/powerpoint/2010/main" val="821974654"/>
+        <p14:creationId xmlns:p14="http://schemas.microsoft.com/office/powerpoint/2010/main" val="639243603"/>
       </p:ext>
     </p:extLst>
   </p:cSld>
@@ -1017,15 +4105,9 @@
 </p:sld>
 </file>
 
-<file path=ppt/slides/slide3.xml><?xml version="1.0" encoding="utf-8"?>
+<file path=ppt/slides/slide11.xml><?xml version="1.0" encoding="utf-8"?>
 <p:sld xmlns:a="http://schemas.openxmlformats.org/drawingml/2006/main" xmlns:r="http://schemas.openxmlformats.org/officeDocument/2006/relationships" xmlns:p="http://schemas.openxmlformats.org/presentationml/2006/main">
   <p:cSld>
-    <p:bg>
-      <p:bgPr>
-        <a:noFill/>
-        <a:effectLst/>
-      </p:bgPr>
-    </p:bg>
     <p:spTree>
       <p:nvGrpSpPr>
         <p:cNvPr id="1" name=""/>
@@ -1042,10 +4124,10 @@
       </p:grpSpPr>
       <p:sp>
         <p:nvSpPr>
-          <p:cNvPr id="2" name="Title 1" hidden="1">
-            <a:extLst>
-              <a:ext uri="{FF2B5EF4-FFF2-40B4-BE49-F238E27FC236}">
-                <a16:creationId xmlns:a16="http://schemas.microsoft.com/office/drawing/2014/main" id="{A9177A9F-ED23-A567-1553-953B4179EDA7}"/>
+          <p:cNvPr id="4" name="Title 1">
+            <a:extLst>
+              <a:ext uri="{FF2B5EF4-FFF2-40B4-BE49-F238E27FC236}">
+                <a16:creationId xmlns:a16="http://schemas.microsoft.com/office/drawing/2014/main" id="{973D0799-0A1B-EBD2-04A1-152CA253A333}"/>
               </a:ext>
             </a:extLst>
           </p:cNvPr>
@@ -1056,72 +4138,73 @@
             <p:ph type="title"/>
           </p:nvPr>
         </p:nvSpPr>
-        <p:spPr/>
-        <p:txBody>
-          <a:bodyPr/>
-          <a:lstStyle/>
-          <a:p>
-            <a:r>
-              <a:rPr lang="nb-NO" b="1"/>
-              <a:t>Task 2: </a:t>
-            </a:r>
-            <a:r>
-              <a:rPr lang="en-US" sz="4000" i="0">
-                <a:effectLst/>
-                <a:latin typeface="Calibri Light (Headings)"/>
+        <p:spPr>
+          <a:xfrm>
+            <a:off x="838200" y="2103437"/>
+            <a:ext cx="10515600" cy="1325563"/>
+          </a:xfrm>
+        </p:spPr>
+        <p:txBody>
+          <a:bodyPr>
+            <a:normAutofit/>
+          </a:bodyPr>
+          <a:lstStyle/>
+          <a:p>
+            <a:pPr algn="ctr"/>
+            <a:r>
+              <a:rPr lang="nb-NO" sz="7200" b="1" dirty="0" err="1">
+                <a:latin typeface="+mn-lt"/>
               </a:rPr>
-              <a:t>Use the barometric equation to calculate atmo-</a:t>
-            </a:r>
-            <a:br>
-              <a:rPr lang="en-US" sz="4000">
-                <a:latin typeface="Calibri Light (Headings)"/>
-              </a:rPr>
-            </a:br>
-            <a:r>
-              <a:rPr lang="en-US" sz="4000" i="0">
-                <a:effectLst/>
-                <a:latin typeface="Calibri Light (Headings)"/>
-              </a:rPr>
-              <a:t>spheric pressure variation.</a:t>
-            </a:r>
-            <a:endParaRPr lang="en-US" sz="4000" dirty="0">
-              <a:latin typeface="Calibri Light (Headings)"/>
-            </a:endParaRPr>
-          </a:p>
-        </p:txBody>
-      </p:sp>
-      <p:pic>
-        <p:nvPicPr>
-          <p:cNvPr id="3" name="Picture 2">
-            <a:extLst>
-              <a:ext uri="{FF2B5EF4-FFF2-40B4-BE49-F238E27FC236}">
-                <a16:creationId xmlns:a16="http://schemas.microsoft.com/office/drawing/2014/main" id="{6101B158-9398-02A3-ADE4-C93985D73034}"/>
-              </a:ext>
-            </a:extLst>
-          </p:cNvPr>
-          <p:cNvPicPr/>
+              <a:t>Assignment</a:t>
+            </a:r>
+            <a:r>
+              <a:rPr lang="nb-NO" sz="7200" b="1" dirty="0"/>
+              <a:t> 3</a:t>
+            </a:r>
+            <a:endParaRPr lang="en-US" sz="7200" b="1" dirty="0"/>
+          </a:p>
+        </p:txBody>
+      </p:sp>
+      <p:sp>
+        <p:nvSpPr>
+          <p:cNvPr id="5" name="TextBox 4">
+            <a:extLst>
+              <a:ext uri="{FF2B5EF4-FFF2-40B4-BE49-F238E27FC236}">
+                <a16:creationId xmlns:a16="http://schemas.microsoft.com/office/drawing/2014/main" id="{F487A374-A1F5-236D-8188-D29EFF5211A2}"/>
+              </a:ext>
+            </a:extLst>
+          </p:cNvPr>
+          <p:cNvSpPr txBox="1"/>
           <p:nvPr/>
-        </p:nvPicPr>
-        <p:blipFill>
-          <a:blip r:embed="rId2"/>
-          <a:stretch>
-            <a:fillRect/>
-          </a:stretch>
-        </p:blipFill>
-        <p:spPr>
-          <a:xfrm>
-            <a:off x="0" y="0"/>
-            <a:ext cx="12192000" cy="6858000"/>
+        </p:nvSpPr>
+        <p:spPr>
+          <a:xfrm>
+            <a:off x="2598420" y="3172968"/>
+            <a:ext cx="6995160" cy="646331"/>
           </a:xfrm>
           <a:prstGeom prst="rect">
             <a:avLst/>
           </a:prstGeom>
-        </p:spPr>
-      </p:pic>
+          <a:noFill/>
+        </p:spPr>
+        <p:txBody>
+          <a:bodyPr wrap="square" rtlCol="0">
+            <a:spAutoFit/>
+          </a:bodyPr>
+          <a:lstStyle/>
+          <a:p>
+            <a:pPr algn="ctr"/>
+            <a:r>
+              <a:rPr lang="en-US" sz="3600" dirty="0"/>
+              <a:t>Photo-ionization</a:t>
+            </a:r>
+          </a:p>
+        </p:txBody>
+      </p:sp>
     </p:spTree>
     <p:extLst>
       <p:ext uri="{BB962C8B-B14F-4D97-AF65-F5344CB8AC3E}">
-        <p14:creationId xmlns:p14="http://schemas.microsoft.com/office/powerpoint/2010/main" val="2130073492"/>
+        <p14:creationId xmlns:p14="http://schemas.microsoft.com/office/powerpoint/2010/main" val="3191555407"/>
       </p:ext>
     </p:extLst>
   </p:cSld>
@@ -1131,15 +4214,9 @@
 </p:sld>
 </file>
 
-<file path=ppt/slides/slide4.xml><?xml version="1.0" encoding="utf-8"?>
+<file path=ppt/slides/slide12.xml><?xml version="1.0" encoding="utf-8"?>
 <p:sld xmlns:a="http://schemas.openxmlformats.org/drawingml/2006/main" xmlns:r="http://schemas.openxmlformats.org/officeDocument/2006/relationships" xmlns:p="http://schemas.openxmlformats.org/presentationml/2006/main">
   <p:cSld>
-    <p:bg>
-      <p:bgPr>
-        <a:noFill/>
-        <a:effectLst/>
-      </p:bgPr>
-    </p:bg>
     <p:spTree>
       <p:nvGrpSpPr>
         <p:cNvPr id="1" name=""/>
@@ -1156,10 +4233,10 @@
       </p:grpSpPr>
       <p:sp>
         <p:nvSpPr>
-          <p:cNvPr id="2" name="Title 1" hidden="1">
-            <a:extLst>
-              <a:ext uri="{FF2B5EF4-FFF2-40B4-BE49-F238E27FC236}">
-                <a16:creationId xmlns:a16="http://schemas.microsoft.com/office/drawing/2014/main" id="{74355B05-7378-60E7-B4BB-CA372A89C061}"/>
+          <p:cNvPr id="2" name="Title 1">
+            <a:extLst>
+              <a:ext uri="{FF2B5EF4-FFF2-40B4-BE49-F238E27FC236}">
+                <a16:creationId xmlns:a16="http://schemas.microsoft.com/office/drawing/2014/main" id="{5B5F6311-19AC-EE8D-23FA-3EE85A11218F}"/>
               </a:ext>
             </a:extLst>
           </p:cNvPr>
@@ -1170,71 +4247,356 @@
             <p:ph type="title"/>
           </p:nvPr>
         </p:nvSpPr>
-        <p:spPr/>
+        <p:spPr>
+          <a:xfrm>
+            <a:off x="838200" y="365126"/>
+            <a:ext cx="10515600" cy="724766"/>
+          </a:xfrm>
+        </p:spPr>
         <p:txBody>
           <a:bodyPr/>
           <a:lstStyle/>
           <a:p>
             <a:r>
-              <a:rPr lang="en-US" b="0" i="0">
-                <a:effectLst/>
-                <a:latin typeface="Arial" panose="020B0604020202020204" pitchFamily="34" charset="0"/>
-              </a:rPr>
-              <a:t>Task 3: </a:t>
-            </a:r>
-            <a:r>
-              <a:rPr lang="en-US" sz="3600" b="0" i="0">
-                <a:effectLst/>
-                <a:latin typeface="Arial" panose="020B0604020202020204" pitchFamily="34" charset="0"/>
-              </a:rPr>
-              <a:t>Compare your pressure-profile with the ideal</a:t>
-            </a:r>
-            <a:br>
-              <a:rPr lang="en-US" sz="3600"/>
-            </a:br>
-            <a:r>
-              <a:rPr lang="en-US" sz="3600" b="0" i="0">
-                <a:effectLst/>
-                <a:latin typeface="Arial" panose="020B0604020202020204" pitchFamily="34" charset="0"/>
-              </a:rPr>
-              <a:t>gas-law</a:t>
-            </a:r>
-            <a:endParaRPr lang="en-US" sz="3600" dirty="0"/>
+              <a:rPr lang="nb-NO" dirty="0"/>
+              <a:t>Photo-</a:t>
+            </a:r>
+            <a:r>
+              <a:rPr lang="nb-NO" dirty="0" err="1"/>
+              <a:t>ionization</a:t>
+            </a:r>
+            <a:endParaRPr lang="en-US" dirty="0"/>
           </a:p>
         </p:txBody>
       </p:sp>
       <p:pic>
         <p:nvPicPr>
-          <p:cNvPr id="3" name="Picture 2">
-            <a:extLst>
-              <a:ext uri="{FF2B5EF4-FFF2-40B4-BE49-F238E27FC236}">
-                <a16:creationId xmlns:a16="http://schemas.microsoft.com/office/drawing/2014/main" id="{1E030AC8-120D-C521-C172-1211EFF46AD6}"/>
-              </a:ext>
-            </a:extLst>
-          </p:cNvPr>
-          <p:cNvPicPr/>
+          <p:cNvPr id="5" name="Picture 4">
+            <a:extLst>
+              <a:ext uri="{FF2B5EF4-FFF2-40B4-BE49-F238E27FC236}">
+                <a16:creationId xmlns:a16="http://schemas.microsoft.com/office/drawing/2014/main" id="{AF3E0233-E79D-7E8F-1425-B3216D632630}"/>
+              </a:ext>
+            </a:extLst>
+          </p:cNvPr>
+          <p:cNvPicPr>
+            <a:picLocks noChangeAspect="1"/>
+          </p:cNvPicPr>
           <p:nvPr/>
         </p:nvPicPr>
         <p:blipFill>
-          <a:blip r:embed="rId2"/>
+          <a:blip r:embed="rId3"/>
           <a:stretch>
             <a:fillRect/>
           </a:stretch>
         </p:blipFill>
         <p:spPr>
           <a:xfrm>
-            <a:off x="0" y="0"/>
-            <a:ext cx="12192000" cy="6858000"/>
+            <a:off x="362658" y="1912132"/>
+            <a:ext cx="2952902" cy="603281"/>
           </a:xfrm>
           <a:prstGeom prst="rect">
             <a:avLst/>
           </a:prstGeom>
         </p:spPr>
       </p:pic>
+      <p:pic>
+        <p:nvPicPr>
+          <p:cNvPr id="7" name="Picture 6">
+            <a:extLst>
+              <a:ext uri="{FF2B5EF4-FFF2-40B4-BE49-F238E27FC236}">
+                <a16:creationId xmlns:a16="http://schemas.microsoft.com/office/drawing/2014/main" id="{4953AF5B-9721-2482-AAEC-0B287EE4A040}"/>
+              </a:ext>
+            </a:extLst>
+          </p:cNvPr>
+          <p:cNvPicPr>
+            <a:picLocks noChangeAspect="1"/>
+          </p:cNvPicPr>
+          <p:nvPr/>
+        </p:nvPicPr>
+        <p:blipFill>
+          <a:blip r:embed="rId4"/>
+          <a:stretch>
+            <a:fillRect/>
+          </a:stretch>
+        </p:blipFill>
+        <p:spPr>
+          <a:xfrm>
+            <a:off x="473789" y="2582780"/>
+            <a:ext cx="2730640" cy="254013"/>
+          </a:xfrm>
+          <a:prstGeom prst="rect">
+            <a:avLst/>
+          </a:prstGeom>
+        </p:spPr>
+      </p:pic>
+      <p:sp>
+        <p:nvSpPr>
+          <p:cNvPr id="8" name="TextBox 7">
+            <a:extLst>
+              <a:ext uri="{FF2B5EF4-FFF2-40B4-BE49-F238E27FC236}">
+                <a16:creationId xmlns:a16="http://schemas.microsoft.com/office/drawing/2014/main" id="{E77DDD96-0433-4247-D3B4-B0EFD637DBDA}"/>
+              </a:ext>
+            </a:extLst>
+          </p:cNvPr>
+          <p:cNvSpPr txBox="1"/>
+          <p:nvPr/>
+        </p:nvSpPr>
+        <p:spPr>
+          <a:xfrm>
+            <a:off x="362658" y="1583825"/>
+            <a:ext cx="3214254" cy="369332"/>
+          </a:xfrm>
+          <a:prstGeom prst="rect">
+            <a:avLst/>
+          </a:prstGeom>
+          <a:noFill/>
+        </p:spPr>
+        <p:txBody>
+          <a:bodyPr wrap="square" rtlCol="0">
+            <a:spAutoFit/>
+          </a:bodyPr>
+          <a:lstStyle/>
+          <a:p>
+            <a:r>
+              <a:rPr lang="nb-NO" dirty="0"/>
+              <a:t>Photo-</a:t>
+            </a:r>
+            <a:r>
+              <a:rPr lang="nb-NO" dirty="0" err="1"/>
+              <a:t>ionization</a:t>
+            </a:r>
+            <a:r>
+              <a:rPr lang="nb-NO" dirty="0"/>
+              <a:t> </a:t>
+            </a:r>
+            <a:r>
+              <a:rPr lang="nb-NO" dirty="0" err="1"/>
+              <a:t>reactions</a:t>
+            </a:r>
+            <a:r>
+              <a:rPr lang="nb-NO" dirty="0"/>
+              <a:t>:</a:t>
+            </a:r>
+            <a:endParaRPr lang="en-US" dirty="0"/>
+          </a:p>
+        </p:txBody>
+      </p:sp>
+      <p:sp>
+        <p:nvSpPr>
+          <p:cNvPr id="9" name="TextBox 8">
+            <a:extLst>
+              <a:ext uri="{FF2B5EF4-FFF2-40B4-BE49-F238E27FC236}">
+                <a16:creationId xmlns:a16="http://schemas.microsoft.com/office/drawing/2014/main" id="{0B0F2BC8-CBBC-5573-DD0E-A402C29B42FC}"/>
+              </a:ext>
+            </a:extLst>
+          </p:cNvPr>
+          <p:cNvSpPr txBox="1"/>
+          <p:nvPr/>
+        </p:nvSpPr>
+        <p:spPr>
+          <a:xfrm>
+            <a:off x="838200" y="859059"/>
+            <a:ext cx="2477360" cy="461665"/>
+          </a:xfrm>
+          <a:prstGeom prst="rect">
+            <a:avLst/>
+          </a:prstGeom>
+          <a:noFill/>
+        </p:spPr>
+        <p:txBody>
+          <a:bodyPr wrap="square" rtlCol="0">
+            <a:spAutoFit/>
+          </a:bodyPr>
+          <a:lstStyle/>
+          <a:p>
+            <a:r>
+              <a:rPr lang="nb-NO" sz="2400" dirty="0"/>
+              <a:t>Little bit </a:t>
+            </a:r>
+            <a:r>
+              <a:rPr lang="nb-NO" sz="2400" dirty="0" err="1"/>
+              <a:t>of</a:t>
+            </a:r>
+            <a:r>
+              <a:rPr lang="nb-NO" sz="2400" dirty="0"/>
+              <a:t> </a:t>
+            </a:r>
+            <a:r>
+              <a:rPr lang="nb-NO" sz="2400" dirty="0" err="1"/>
+              <a:t>theory</a:t>
+            </a:r>
+            <a:endParaRPr lang="en-US" sz="2400" dirty="0"/>
+          </a:p>
+        </p:txBody>
+      </p:sp>
+      <p:pic>
+        <p:nvPicPr>
+          <p:cNvPr id="14" name="Picture 13">
+            <a:extLst>
+              <a:ext uri="{FF2B5EF4-FFF2-40B4-BE49-F238E27FC236}">
+                <a16:creationId xmlns:a16="http://schemas.microsoft.com/office/drawing/2014/main" id="{D4FCE1B7-3410-F647-9F3C-C57F7B75BB03}"/>
+              </a:ext>
+            </a:extLst>
+          </p:cNvPr>
+          <p:cNvPicPr>
+            <a:picLocks noChangeAspect="1"/>
+          </p:cNvPicPr>
+          <p:nvPr/>
+        </p:nvPicPr>
+        <p:blipFill>
+          <a:blip r:embed="rId5"/>
+          <a:stretch>
+            <a:fillRect/>
+          </a:stretch>
+        </p:blipFill>
+        <p:spPr>
+          <a:xfrm>
+            <a:off x="436549" y="3449679"/>
+            <a:ext cx="5124713" cy="571529"/>
+          </a:xfrm>
+          <a:prstGeom prst="rect">
+            <a:avLst/>
+          </a:prstGeom>
+        </p:spPr>
+      </p:pic>
+      <p:sp>
+        <p:nvSpPr>
+          <p:cNvPr id="15" name="TextBox 14">
+            <a:extLst>
+              <a:ext uri="{FF2B5EF4-FFF2-40B4-BE49-F238E27FC236}">
+                <a16:creationId xmlns:a16="http://schemas.microsoft.com/office/drawing/2014/main" id="{E6BE5350-D80B-3B58-E43F-7BBDA0F5639D}"/>
+              </a:ext>
+            </a:extLst>
+          </p:cNvPr>
+          <p:cNvSpPr txBox="1"/>
+          <p:nvPr/>
+        </p:nvSpPr>
+        <p:spPr>
+          <a:xfrm>
+            <a:off x="362658" y="3223655"/>
+            <a:ext cx="4726578" cy="369332"/>
+          </a:xfrm>
+          <a:prstGeom prst="rect">
+            <a:avLst/>
+          </a:prstGeom>
+          <a:noFill/>
+        </p:spPr>
+        <p:txBody>
+          <a:bodyPr wrap="square" rtlCol="0">
+            <a:spAutoFit/>
+          </a:bodyPr>
+          <a:lstStyle/>
+          <a:p>
+            <a:r>
+              <a:rPr lang="nb-NO" dirty="0"/>
+              <a:t>Photo-</a:t>
+            </a:r>
+            <a:r>
+              <a:rPr lang="nb-NO" dirty="0" err="1"/>
+              <a:t>electron</a:t>
+            </a:r>
+            <a:r>
+              <a:rPr lang="nb-NO" dirty="0"/>
+              <a:t> </a:t>
+            </a:r>
+            <a:r>
+              <a:rPr lang="nb-NO" dirty="0" err="1"/>
+              <a:t>energy</a:t>
+            </a:r>
+            <a:r>
+              <a:rPr lang="nb-NO" dirty="0"/>
+              <a:t>:</a:t>
+            </a:r>
+            <a:endParaRPr lang="en-US" dirty="0"/>
+          </a:p>
+        </p:txBody>
+      </p:sp>
+      <p:pic>
+        <p:nvPicPr>
+          <p:cNvPr id="17" name="Picture 16">
+            <a:extLst>
+              <a:ext uri="{FF2B5EF4-FFF2-40B4-BE49-F238E27FC236}">
+                <a16:creationId xmlns:a16="http://schemas.microsoft.com/office/drawing/2014/main" id="{48BF1470-9236-11B1-801A-637F4F9F3D0D}"/>
+              </a:ext>
+            </a:extLst>
+          </p:cNvPr>
+          <p:cNvPicPr>
+            <a:picLocks noChangeAspect="1"/>
+          </p:cNvPicPr>
+          <p:nvPr/>
+        </p:nvPicPr>
+        <p:blipFill>
+          <a:blip r:embed="rId6"/>
+          <a:stretch>
+            <a:fillRect/>
+          </a:stretch>
+        </p:blipFill>
+        <p:spPr>
+          <a:xfrm>
+            <a:off x="473790" y="4399869"/>
+            <a:ext cx="3507084" cy="573886"/>
+          </a:xfrm>
+          <a:prstGeom prst="rect">
+            <a:avLst/>
+          </a:prstGeom>
+        </p:spPr>
+      </p:pic>
+      <p:sp>
+        <p:nvSpPr>
+          <p:cNvPr id="18" name="TextBox 17">
+            <a:extLst>
+              <a:ext uri="{FF2B5EF4-FFF2-40B4-BE49-F238E27FC236}">
+                <a16:creationId xmlns:a16="http://schemas.microsoft.com/office/drawing/2014/main" id="{534C3D0B-0BD6-FB5E-C8F3-44E5BDDF06DD}"/>
+              </a:ext>
+            </a:extLst>
+          </p:cNvPr>
+          <p:cNvSpPr txBox="1"/>
+          <p:nvPr/>
+        </p:nvSpPr>
+        <p:spPr>
+          <a:xfrm>
+            <a:off x="362658" y="4030536"/>
+            <a:ext cx="4532615" cy="369332"/>
+          </a:xfrm>
+          <a:prstGeom prst="rect">
+            <a:avLst/>
+          </a:prstGeom>
+          <a:noFill/>
+        </p:spPr>
+        <p:txBody>
+          <a:bodyPr wrap="square" rtlCol="0">
+            <a:spAutoFit/>
+          </a:bodyPr>
+          <a:lstStyle/>
+          <a:p>
+            <a:r>
+              <a:rPr lang="nb-NO" dirty="0"/>
+              <a:t>Photo-</a:t>
+            </a:r>
+            <a:r>
+              <a:rPr lang="nb-NO" dirty="0" err="1"/>
+              <a:t>electron</a:t>
+            </a:r>
+            <a:r>
+              <a:rPr lang="nb-NO" dirty="0"/>
+              <a:t> </a:t>
+            </a:r>
+            <a:r>
+              <a:rPr lang="nb-NO" dirty="0" err="1"/>
+              <a:t>production</a:t>
+            </a:r>
+            <a:r>
+              <a:rPr lang="nb-NO" dirty="0"/>
+              <a:t> rate:</a:t>
+            </a:r>
+            <a:endParaRPr lang="en-US" dirty="0"/>
+          </a:p>
+        </p:txBody>
+      </p:sp>
     </p:spTree>
     <p:extLst>
       <p:ext uri="{BB962C8B-B14F-4D97-AF65-F5344CB8AC3E}">
-        <p14:creationId xmlns:p14="http://schemas.microsoft.com/office/powerpoint/2010/main" val="942998831"/>
+        <p14:creationId xmlns:p14="http://schemas.microsoft.com/office/powerpoint/2010/main" val="3925628357"/>
       </p:ext>
     </p:extLst>
   </p:cSld>
@@ -1244,15 +4606,9 @@
 </p:sld>
 </file>
 
-<file path=ppt/slides/slide5.xml><?xml version="1.0" encoding="utf-8"?>
+<file path=ppt/slides/slide13.xml><?xml version="1.0" encoding="utf-8"?>
 <p:sld xmlns:a="http://schemas.openxmlformats.org/drawingml/2006/main" xmlns:r="http://schemas.openxmlformats.org/officeDocument/2006/relationships" xmlns:p="http://schemas.openxmlformats.org/presentationml/2006/main">
   <p:cSld>
-    <p:bg>
-      <p:bgPr>
-        <a:noFill/>
-        <a:effectLst/>
-      </p:bgPr>
-    </p:bg>
     <p:spTree>
       <p:nvGrpSpPr>
         <p:cNvPr id="1" name=""/>
@@ -1269,10 +4625,10 @@
       </p:grpSpPr>
       <p:sp>
         <p:nvSpPr>
-          <p:cNvPr id="2" name="Title 1" hidden="1">
-            <a:extLst>
-              <a:ext uri="{FF2B5EF4-FFF2-40B4-BE49-F238E27FC236}">
-                <a16:creationId xmlns:a16="http://schemas.microsoft.com/office/drawing/2014/main" id="{93BB2BE1-E7D2-945E-D9BE-F1D5AE108325}"/>
+          <p:cNvPr id="2" name="Title 1">
+            <a:extLst>
+              <a:ext uri="{FF2B5EF4-FFF2-40B4-BE49-F238E27FC236}">
+                <a16:creationId xmlns:a16="http://schemas.microsoft.com/office/drawing/2014/main" id="{86C89552-A4CF-6DEB-2909-1A4969D53E8A}"/>
               </a:ext>
             </a:extLst>
           </p:cNvPr>
@@ -1285,32 +4641,150 @@
         </p:nvSpPr>
         <p:spPr/>
         <p:txBody>
-          <a:bodyPr/>
-          <a:lstStyle/>
-          <a:p>
-            <a:r>
-              <a:rPr lang="en-US" b="0" i="0">
+          <a:bodyPr>
+            <a:normAutofit fontScale="90000"/>
+          </a:bodyPr>
+          <a:lstStyle/>
+          <a:p>
+            <a:r>
+              <a:rPr lang="nb-NO" b="0" i="0" dirty="0" err="1">
                 <a:effectLst/>
                 <a:latin typeface="Arial" panose="020B0604020202020204" pitchFamily="34" charset="0"/>
               </a:rPr>
-              <a:t>Task 4: </a:t>
-            </a:r>
-            <a:r>
-              <a:rPr lang="en-US" sz="3600" b="0" i="0">
+              <a:t>Task</a:t>
+            </a:r>
+            <a:r>
+              <a:rPr lang="nb-NO" b="0" i="0" dirty="0">
                 <a:effectLst/>
                 <a:latin typeface="Arial" panose="020B0604020202020204" pitchFamily="34" charset="0"/>
               </a:rPr>
-              <a:t>Check the temperature-gradient for regions of</a:t>
-            </a:r>
-            <a:br>
-              <a:rPr lang="en-US" sz="3600"/>
-            </a:br>
-            <a:r>
-              <a:rPr lang="en-US" sz="3600" b="0" i="0">
+              <a:t> 1: </a:t>
+            </a:r>
+            <a:r>
+              <a:rPr lang="en-US" sz="3100" b="0" i="0" dirty="0">
                 <a:effectLst/>
                 <a:latin typeface="Arial" panose="020B0604020202020204" pitchFamily="34" charset="0"/>
               </a:rPr>
-              <a:t>instability to convective instability</a:t>
+              <a:t>Make functions that calculate the production rate of photo-electrons as a function of altitude</a:t>
+            </a:r>
+            <a:br>
+              <a:rPr lang="en-US" sz="3100" dirty="0"/>
+            </a:br>
+            <a:r>
+              <a:rPr lang="en-US" sz="3100" b="0" i="0" dirty="0">
+                <a:effectLst/>
+                <a:latin typeface="Arial" panose="020B0604020202020204" pitchFamily="34" charset="0"/>
+              </a:rPr>
+              <a:t>and energy.</a:t>
+            </a:r>
+            <a:r>
+              <a:rPr lang="nb-NO" sz="3100" b="0" i="0" dirty="0">
+                <a:effectLst/>
+                <a:latin typeface="Arial" panose="020B0604020202020204" pitchFamily="34" charset="0"/>
+              </a:rPr>
+              <a:t> </a:t>
+            </a:r>
+            <a:endParaRPr lang="en-US" sz="3100" dirty="0"/>
+          </a:p>
+        </p:txBody>
+      </p:sp>
+    </p:spTree>
+    <p:extLst>
+      <p:ext uri="{BB962C8B-B14F-4D97-AF65-F5344CB8AC3E}">
+        <p14:creationId xmlns:p14="http://schemas.microsoft.com/office/powerpoint/2010/main" val="4046829854"/>
+      </p:ext>
+    </p:extLst>
+  </p:cSld>
+  <p:clrMapOvr>
+    <a:masterClrMapping/>
+  </p:clrMapOvr>
+</p:sld>
+</file>
+
+<file path=ppt/slides/slide2.xml><?xml version="1.0" encoding="utf-8"?>
+<p:sld xmlns:a="http://schemas.openxmlformats.org/drawingml/2006/main" xmlns:r="http://schemas.openxmlformats.org/officeDocument/2006/relationships" xmlns:p="http://schemas.openxmlformats.org/presentationml/2006/main">
+  <p:cSld>
+    <p:spTree>
+      <p:nvGrpSpPr>
+        <p:cNvPr id="1" name=""/>
+        <p:cNvGrpSpPr/>
+        <p:nvPr/>
+      </p:nvGrpSpPr>
+      <p:grpSpPr>
+        <a:xfrm>
+          <a:off x="0" y="0"/>
+          <a:ext cx="0" cy="0"/>
+          <a:chOff x="0" y="0"/>
+          <a:chExt cx="0" cy="0"/>
+        </a:xfrm>
+      </p:grpSpPr>
+      <p:sp>
+        <p:nvSpPr>
+          <p:cNvPr id="2" name="Title 1">
+            <a:extLst>
+              <a:ext uri="{FF2B5EF4-FFF2-40B4-BE49-F238E27FC236}">
+                <a16:creationId xmlns:a16="http://schemas.microsoft.com/office/drawing/2014/main" id="{42256D87-9D80-064A-0A4F-8FD21E59BC1D}"/>
+              </a:ext>
+            </a:extLst>
+          </p:cNvPr>
+          <p:cNvSpPr>
+            <a:spLocks noGrp="1"/>
+          </p:cNvSpPr>
+          <p:nvPr>
+            <p:ph type="title"/>
+          </p:nvPr>
+        </p:nvSpPr>
+        <p:spPr/>
+        <p:txBody>
+          <a:bodyPr>
+            <a:normAutofit fontScale="90000"/>
+          </a:bodyPr>
+          <a:lstStyle/>
+          <a:p>
+            <a:r>
+              <a:rPr lang="en-US" b="0" i="0" dirty="0">
+                <a:effectLst/>
+                <a:latin typeface="Arial" panose="020B0604020202020204" pitchFamily="34" charset="0"/>
+              </a:rPr>
+              <a:t>Task 1: </a:t>
+            </a:r>
+            <a:r>
+              <a:rPr lang="en-US" sz="3600" b="0" i="0" dirty="0">
+                <a:effectLst/>
+                <a:latin typeface="Arial" panose="020B0604020202020204" pitchFamily="34" charset="0"/>
+              </a:rPr>
+              <a:t>Make functions that calculate the altitude </a:t>
+            </a:r>
+            <a:r>
+              <a:rPr lang="en-US" sz="3600" b="0" i="0" dirty="0" err="1">
+                <a:effectLst/>
+                <a:latin typeface="Arial" panose="020B0604020202020204" pitchFamily="34" charset="0"/>
+              </a:rPr>
+              <a:t>vari</a:t>
+            </a:r>
+            <a:r>
+              <a:rPr lang="en-US" sz="3600" b="0" i="0" dirty="0">
+                <a:effectLst/>
+                <a:latin typeface="Arial" panose="020B0604020202020204" pitchFamily="34" charset="0"/>
+              </a:rPr>
+              <a:t>-</a:t>
+            </a:r>
+            <a:br>
+              <a:rPr lang="en-US" sz="3600" dirty="0"/>
+            </a:br>
+            <a:r>
+              <a:rPr lang="en-US" sz="3600" b="0" i="0" dirty="0" err="1">
+                <a:effectLst/>
+                <a:latin typeface="Arial" panose="020B0604020202020204" pitchFamily="34" charset="0"/>
+              </a:rPr>
+              <a:t>ation</a:t>
+            </a:r>
+            <a:r>
+              <a:rPr lang="en-US" sz="3600" b="0" i="0" dirty="0">
+                <a:effectLst/>
+                <a:latin typeface="Arial" panose="020B0604020202020204" pitchFamily="34" charset="0"/>
+              </a:rPr>
+              <a:t> of the atmospheric scale-height</a:t>
             </a:r>
             <a:endParaRPr lang="en-US" sz="3600" dirty="0"/>
           </a:p>
@@ -1318,14 +4792,16 @@
       </p:sp>
       <p:pic>
         <p:nvPicPr>
-          <p:cNvPr id="3" name="Picture 2">
-            <a:extLst>
-              <a:ext uri="{FF2B5EF4-FFF2-40B4-BE49-F238E27FC236}">
-                <a16:creationId xmlns:a16="http://schemas.microsoft.com/office/drawing/2014/main" id="{FCE84F16-EDC4-14E1-0443-9B067507FCAE}"/>
-              </a:ext>
-            </a:extLst>
-          </p:cNvPr>
-          <p:cNvPicPr/>
+          <p:cNvPr id="9" name="Picture 8">
+            <a:extLst>
+              <a:ext uri="{FF2B5EF4-FFF2-40B4-BE49-F238E27FC236}">
+                <a16:creationId xmlns:a16="http://schemas.microsoft.com/office/drawing/2014/main" id="{D180A04A-240A-DDE7-8834-33D1D9C31376}"/>
+              </a:ext>
+            </a:extLst>
+          </p:cNvPr>
+          <p:cNvPicPr>
+            <a:picLocks noChangeAspect="1"/>
+          </p:cNvPicPr>
           <p:nvPr/>
         </p:nvPicPr>
         <p:blipFill>
@@ -1336,8 +4812,640 @@
         </p:blipFill>
         <p:spPr>
           <a:xfrm>
-            <a:off x="0" y="0"/>
-            <a:ext cx="12192000" cy="6858000"/>
+            <a:off x="2090851" y="2524717"/>
+            <a:ext cx="1467391" cy="944360"/>
+          </a:xfrm>
+          <a:prstGeom prst="rect">
+            <a:avLst/>
+          </a:prstGeom>
+        </p:spPr>
+      </p:pic>
+      <p:pic>
+        <p:nvPicPr>
+          <p:cNvPr id="11" name="Picture 10">
+            <a:extLst>
+              <a:ext uri="{FF2B5EF4-FFF2-40B4-BE49-F238E27FC236}">
+                <a16:creationId xmlns:a16="http://schemas.microsoft.com/office/drawing/2014/main" id="{56132867-8E4E-6F6A-5444-7BA2760BB9B0}"/>
+              </a:ext>
+            </a:extLst>
+          </p:cNvPr>
+          <p:cNvPicPr>
+            <a:picLocks noChangeAspect="1"/>
+          </p:cNvPicPr>
+          <p:nvPr/>
+        </p:nvPicPr>
+        <p:blipFill>
+          <a:blip r:embed="rId3"/>
+          <a:stretch>
+            <a:fillRect/>
+          </a:stretch>
+        </p:blipFill>
+        <p:spPr>
+          <a:xfrm>
+            <a:off x="1854556" y="5110040"/>
+            <a:ext cx="2895749" cy="863644"/>
+          </a:xfrm>
+          <a:prstGeom prst="rect">
+            <a:avLst/>
+          </a:prstGeom>
+        </p:spPr>
+      </p:pic>
+      <p:pic>
+        <p:nvPicPr>
+          <p:cNvPr id="13" name="Picture 12" descr="A graph with a red line&#10;&#10;Description automatically generated with low confidence">
+            <a:extLst>
+              <a:ext uri="{FF2B5EF4-FFF2-40B4-BE49-F238E27FC236}">
+                <a16:creationId xmlns:a16="http://schemas.microsoft.com/office/drawing/2014/main" id="{5C4EF7BC-4B8B-E58A-0825-6B4E312778F5}"/>
+              </a:ext>
+            </a:extLst>
+          </p:cNvPr>
+          <p:cNvPicPr>
+            <a:picLocks noChangeAspect="1"/>
+          </p:cNvPicPr>
+          <p:nvPr/>
+        </p:nvPicPr>
+        <p:blipFill>
+          <a:blip r:embed="rId4">
+            <a:extLst>
+              <a:ext uri="{28A0092B-C50C-407E-A947-70E740481C1C}">
+                <a14:useLocalDpi xmlns:a14="http://schemas.microsoft.com/office/drawing/2010/main" val="0"/>
+              </a:ext>
+            </a:extLst>
+          </a:blip>
+          <a:stretch>
+            <a:fillRect/>
+          </a:stretch>
+        </p:blipFill>
+        <p:spPr>
+          <a:xfrm>
+            <a:off x="5340090" y="1609972"/>
+            <a:ext cx="6851910" cy="5138933"/>
+          </a:xfrm>
+          <a:prstGeom prst="rect">
+            <a:avLst/>
+          </a:prstGeom>
+        </p:spPr>
+      </p:pic>
+      <p:sp>
+        <p:nvSpPr>
+          <p:cNvPr id="14" name="TextBox 13">
+            <a:extLst>
+              <a:ext uri="{FF2B5EF4-FFF2-40B4-BE49-F238E27FC236}">
+                <a16:creationId xmlns:a16="http://schemas.microsoft.com/office/drawing/2014/main" id="{37BC0B7D-C871-BB1E-55CE-CA8EF46E6778}"/>
+              </a:ext>
+            </a:extLst>
+          </p:cNvPr>
+          <p:cNvSpPr txBox="1"/>
+          <p:nvPr/>
+        </p:nvSpPr>
+        <p:spPr>
+          <a:xfrm>
+            <a:off x="838200" y="1981235"/>
+            <a:ext cx="3322320" cy="2585323"/>
+          </a:xfrm>
+          <a:prstGeom prst="rect">
+            <a:avLst/>
+          </a:prstGeom>
+          <a:noFill/>
+        </p:spPr>
+        <p:txBody>
+          <a:bodyPr wrap="square" rtlCol="0">
+            <a:spAutoFit/>
+          </a:bodyPr>
+          <a:lstStyle/>
+          <a:p>
+            <a:r>
+              <a:rPr lang="nb-NO" dirty="0" err="1"/>
+              <a:t>Scale</a:t>
+            </a:r>
+            <a:r>
+              <a:rPr lang="nb-NO" dirty="0"/>
+              <a:t> </a:t>
+            </a:r>
+            <a:r>
+              <a:rPr lang="nb-NO" dirty="0" err="1"/>
+              <a:t>height</a:t>
+            </a:r>
+            <a:r>
+              <a:rPr lang="nb-NO" dirty="0"/>
+              <a:t>:</a:t>
+            </a:r>
+          </a:p>
+          <a:p>
+            <a:endParaRPr lang="nb-NO" dirty="0"/>
+          </a:p>
+          <a:p>
+            <a:endParaRPr lang="nb-NO" dirty="0"/>
+          </a:p>
+          <a:p>
+            <a:endParaRPr lang="nb-NO" dirty="0"/>
+          </a:p>
+          <a:p>
+            <a:endParaRPr lang="nb-NO" dirty="0"/>
+          </a:p>
+          <a:p>
+            <a:endParaRPr lang="nb-NO" dirty="0"/>
+          </a:p>
+          <a:p>
+            <a:endParaRPr lang="en-US" b="0" i="0" dirty="0">
+              <a:effectLst/>
+              <a:latin typeface="Arial" panose="020B0604020202020204" pitchFamily="34" charset="0"/>
+            </a:endParaRPr>
+          </a:p>
+          <a:p>
+            <a:endParaRPr lang="en-US" dirty="0">
+              <a:latin typeface="Arial" panose="020B0604020202020204" pitchFamily="34" charset="0"/>
+            </a:endParaRPr>
+          </a:p>
+          <a:p>
+            <a:r>
+              <a:rPr lang="en-US" b="0" i="0" dirty="0">
+                <a:effectLst/>
+                <a:latin typeface="Arial" panose="020B0604020202020204" pitchFamily="34" charset="0"/>
+              </a:rPr>
+              <a:t>Gravitational  acceleration:</a:t>
+            </a:r>
+            <a:endParaRPr lang="en-US" dirty="0"/>
+          </a:p>
+        </p:txBody>
+      </p:sp>
+    </p:spTree>
+    <p:extLst>
+      <p:ext uri="{BB962C8B-B14F-4D97-AF65-F5344CB8AC3E}">
+        <p14:creationId xmlns:p14="http://schemas.microsoft.com/office/powerpoint/2010/main" val="3711381050"/>
+      </p:ext>
+    </p:extLst>
+  </p:cSld>
+  <p:clrMapOvr>
+    <a:masterClrMapping/>
+  </p:clrMapOvr>
+</p:sld>
+</file>
+
+<file path=ppt/slides/slide3.xml><?xml version="1.0" encoding="utf-8"?>
+<p:sld xmlns:a="http://schemas.openxmlformats.org/drawingml/2006/main" xmlns:r="http://schemas.openxmlformats.org/officeDocument/2006/relationships" xmlns:p="http://schemas.openxmlformats.org/presentationml/2006/main">
+  <p:cSld>
+    <p:spTree>
+      <p:nvGrpSpPr>
+        <p:cNvPr id="1" name=""/>
+        <p:cNvGrpSpPr/>
+        <p:nvPr/>
+      </p:nvGrpSpPr>
+      <p:grpSpPr>
+        <a:xfrm>
+          <a:off x="0" y="0"/>
+          <a:ext cx="0" cy="0"/>
+          <a:chOff x="0" y="0"/>
+          <a:chExt cx="0" cy="0"/>
+        </a:xfrm>
+      </p:grpSpPr>
+      <p:sp>
+        <p:nvSpPr>
+          <p:cNvPr id="2" name="Title 1">
+            <a:extLst>
+              <a:ext uri="{FF2B5EF4-FFF2-40B4-BE49-F238E27FC236}">
+                <a16:creationId xmlns:a16="http://schemas.microsoft.com/office/drawing/2014/main" id="{4363759D-0B31-1B3B-BA4F-2F580DFE0173}"/>
+              </a:ext>
+            </a:extLst>
+          </p:cNvPr>
+          <p:cNvSpPr>
+            <a:spLocks noGrp="1"/>
+          </p:cNvSpPr>
+          <p:nvPr>
+            <p:ph type="title"/>
+          </p:nvPr>
+        </p:nvSpPr>
+        <p:spPr/>
+        <p:txBody>
+          <a:bodyPr>
+            <a:normAutofit fontScale="90000"/>
+          </a:bodyPr>
+          <a:lstStyle/>
+          <a:p>
+            <a:r>
+              <a:rPr lang="nb-NO" b="1" dirty="0" err="1"/>
+              <a:t>Task</a:t>
+            </a:r>
+            <a:r>
+              <a:rPr lang="nb-NO" b="1" dirty="0"/>
+              <a:t> 2: </a:t>
+            </a:r>
+            <a:r>
+              <a:rPr lang="en-US" sz="4000" i="0" dirty="0">
+                <a:effectLst/>
+                <a:latin typeface="Calibri Light (Headings)"/>
+              </a:rPr>
+              <a:t>Use the barometric equation to calculate </a:t>
+            </a:r>
+            <a:r>
+              <a:rPr lang="en-US" sz="4000" i="0" dirty="0" err="1">
+                <a:effectLst/>
+                <a:latin typeface="Calibri Light (Headings)"/>
+              </a:rPr>
+              <a:t>atmo</a:t>
+            </a:r>
+            <a:r>
+              <a:rPr lang="en-US" sz="4000" i="0" dirty="0">
+                <a:effectLst/>
+                <a:latin typeface="Calibri Light (Headings)"/>
+              </a:rPr>
+              <a:t>-</a:t>
+            </a:r>
+            <a:br>
+              <a:rPr lang="en-US" sz="4000" dirty="0">
+                <a:latin typeface="Calibri Light (Headings)"/>
+              </a:rPr>
+            </a:br>
+            <a:r>
+              <a:rPr lang="en-US" sz="4000" i="0" dirty="0">
+                <a:effectLst/>
+                <a:latin typeface="Calibri Light (Headings)"/>
+              </a:rPr>
+              <a:t>spheric pressure variation.</a:t>
+            </a:r>
+            <a:endParaRPr lang="en-US" sz="4000" dirty="0">
+              <a:latin typeface="Calibri Light (Headings)"/>
+            </a:endParaRPr>
+          </a:p>
+        </p:txBody>
+      </p:sp>
+      <p:pic>
+        <p:nvPicPr>
+          <p:cNvPr id="5" name="Picture 4" descr="A graph with a red line&#10;&#10;Description automatically generated with low confidence">
+            <a:extLst>
+              <a:ext uri="{FF2B5EF4-FFF2-40B4-BE49-F238E27FC236}">
+                <a16:creationId xmlns:a16="http://schemas.microsoft.com/office/drawing/2014/main" id="{B8B8C1CD-D82C-A9A9-DFF8-3F97EBF0F462}"/>
+              </a:ext>
+            </a:extLst>
+          </p:cNvPr>
+          <p:cNvPicPr>
+            <a:picLocks noChangeAspect="1"/>
+          </p:cNvPicPr>
+          <p:nvPr/>
+        </p:nvPicPr>
+        <p:blipFill>
+          <a:blip r:embed="rId2">
+            <a:extLst>
+              <a:ext uri="{28A0092B-C50C-407E-A947-70E740481C1C}">
+                <a14:useLocalDpi xmlns:a14="http://schemas.microsoft.com/office/drawing/2010/main" val="0"/>
+              </a:ext>
+            </a:extLst>
+          </a:blip>
+          <a:stretch>
+            <a:fillRect/>
+          </a:stretch>
+        </p:blipFill>
+        <p:spPr>
+          <a:xfrm>
+            <a:off x="6096000" y="1690688"/>
+            <a:ext cx="6422136" cy="4816602"/>
+          </a:xfrm>
+          <a:prstGeom prst="rect">
+            <a:avLst/>
+          </a:prstGeom>
+        </p:spPr>
+      </p:pic>
+      <p:pic>
+        <p:nvPicPr>
+          <p:cNvPr id="7" name="Picture 6">
+            <a:extLst>
+              <a:ext uri="{FF2B5EF4-FFF2-40B4-BE49-F238E27FC236}">
+                <a16:creationId xmlns:a16="http://schemas.microsoft.com/office/drawing/2014/main" id="{7233A19F-BE40-5545-0FFA-19147F44EC88}"/>
+              </a:ext>
+            </a:extLst>
+          </p:cNvPr>
+          <p:cNvPicPr>
+            <a:picLocks noChangeAspect="1"/>
+          </p:cNvPicPr>
+          <p:nvPr/>
+        </p:nvPicPr>
+        <p:blipFill>
+          <a:blip r:embed="rId3"/>
+          <a:stretch>
+            <a:fillRect/>
+          </a:stretch>
+        </p:blipFill>
+        <p:spPr>
+          <a:xfrm>
+            <a:off x="1691277" y="2403588"/>
+            <a:ext cx="3145493" cy="650508"/>
+          </a:xfrm>
+          <a:prstGeom prst="rect">
+            <a:avLst/>
+          </a:prstGeom>
+        </p:spPr>
+      </p:pic>
+      <p:sp>
+        <p:nvSpPr>
+          <p:cNvPr id="8" name="TextBox 7">
+            <a:extLst>
+              <a:ext uri="{FF2B5EF4-FFF2-40B4-BE49-F238E27FC236}">
+                <a16:creationId xmlns:a16="http://schemas.microsoft.com/office/drawing/2014/main" id="{19D66B64-50D2-2ECB-2BD6-DB52F36D5E02}"/>
+              </a:ext>
+            </a:extLst>
+          </p:cNvPr>
+          <p:cNvSpPr txBox="1"/>
+          <p:nvPr/>
+        </p:nvSpPr>
+        <p:spPr>
+          <a:xfrm>
+            <a:off x="838199" y="1847083"/>
+            <a:ext cx="2425825" cy="400110"/>
+          </a:xfrm>
+          <a:prstGeom prst="rect">
+            <a:avLst/>
+          </a:prstGeom>
+          <a:noFill/>
+        </p:spPr>
+        <p:txBody>
+          <a:bodyPr wrap="square" rtlCol="0">
+            <a:spAutoFit/>
+          </a:bodyPr>
+          <a:lstStyle/>
+          <a:p>
+            <a:r>
+              <a:rPr lang="nb-NO" sz="2000" dirty="0" err="1"/>
+              <a:t>Barometric</a:t>
+            </a:r>
+            <a:r>
+              <a:rPr lang="nb-NO" sz="2000" dirty="0"/>
+              <a:t> </a:t>
+            </a:r>
+            <a:r>
+              <a:rPr lang="nb-NO" sz="2000" dirty="0" err="1"/>
+              <a:t>equation</a:t>
+            </a:r>
+            <a:r>
+              <a:rPr lang="nb-NO" sz="2000" dirty="0"/>
+              <a:t>:</a:t>
+            </a:r>
+            <a:endParaRPr lang="en-US" sz="2000" dirty="0"/>
+          </a:p>
+        </p:txBody>
+      </p:sp>
+    </p:spTree>
+    <p:extLst>
+      <p:ext uri="{BB962C8B-B14F-4D97-AF65-F5344CB8AC3E}">
+        <p14:creationId xmlns:p14="http://schemas.microsoft.com/office/powerpoint/2010/main" val="812258177"/>
+      </p:ext>
+    </p:extLst>
+  </p:cSld>
+  <p:clrMapOvr>
+    <a:masterClrMapping/>
+  </p:clrMapOvr>
+</p:sld>
+</file>
+
+<file path=ppt/slides/slide4.xml><?xml version="1.0" encoding="utf-8"?>
+<p:sld xmlns:a="http://schemas.openxmlformats.org/drawingml/2006/main" xmlns:r="http://schemas.openxmlformats.org/officeDocument/2006/relationships" xmlns:p="http://schemas.openxmlformats.org/presentationml/2006/main">
+  <p:cSld>
+    <p:spTree>
+      <p:nvGrpSpPr>
+        <p:cNvPr id="1" name=""/>
+        <p:cNvGrpSpPr/>
+        <p:nvPr/>
+      </p:nvGrpSpPr>
+      <p:grpSpPr>
+        <a:xfrm>
+          <a:off x="0" y="0"/>
+          <a:ext cx="0" cy="0"/>
+          <a:chOff x="0" y="0"/>
+          <a:chExt cx="0" cy="0"/>
+        </a:xfrm>
+      </p:grpSpPr>
+      <p:sp>
+        <p:nvSpPr>
+          <p:cNvPr id="2" name="Title 1">
+            <a:extLst>
+              <a:ext uri="{FF2B5EF4-FFF2-40B4-BE49-F238E27FC236}">
+                <a16:creationId xmlns:a16="http://schemas.microsoft.com/office/drawing/2014/main" id="{931ABA7B-F4D8-7391-464B-70D6FBE37A4E}"/>
+              </a:ext>
+            </a:extLst>
+          </p:cNvPr>
+          <p:cNvSpPr>
+            <a:spLocks noGrp="1"/>
+          </p:cNvSpPr>
+          <p:nvPr>
+            <p:ph type="title"/>
+          </p:nvPr>
+        </p:nvSpPr>
+        <p:spPr/>
+        <p:txBody>
+          <a:bodyPr>
+            <a:normAutofit fontScale="90000"/>
+          </a:bodyPr>
+          <a:lstStyle/>
+          <a:p>
+            <a:r>
+              <a:rPr lang="en-US" b="0" i="0" dirty="0">
+                <a:effectLst/>
+                <a:latin typeface="Arial" panose="020B0604020202020204" pitchFamily="34" charset="0"/>
+              </a:rPr>
+              <a:t>Task 3: </a:t>
+            </a:r>
+            <a:r>
+              <a:rPr lang="en-US" sz="3600" b="0" i="0" dirty="0">
+                <a:effectLst/>
+                <a:latin typeface="Arial" panose="020B0604020202020204" pitchFamily="34" charset="0"/>
+              </a:rPr>
+              <a:t>Compare your pressure-profile with the ideal</a:t>
+            </a:r>
+            <a:br>
+              <a:rPr lang="en-US" sz="3600" dirty="0"/>
+            </a:br>
+            <a:r>
+              <a:rPr lang="en-US" sz="3600" b="0" i="0" dirty="0">
+                <a:effectLst/>
+                <a:latin typeface="Arial" panose="020B0604020202020204" pitchFamily="34" charset="0"/>
+              </a:rPr>
+              <a:t>gas-law</a:t>
+            </a:r>
+            <a:endParaRPr lang="en-US" sz="3600" dirty="0"/>
+          </a:p>
+        </p:txBody>
+      </p:sp>
+      <p:pic>
+        <p:nvPicPr>
+          <p:cNvPr id="5" name="Picture 4" descr="A picture containing text, diagram, screenshot, line&#10;&#10;Description automatically generated">
+            <a:extLst>
+              <a:ext uri="{FF2B5EF4-FFF2-40B4-BE49-F238E27FC236}">
+                <a16:creationId xmlns:a16="http://schemas.microsoft.com/office/drawing/2014/main" id="{E68C8931-51D6-1461-387B-7612311AB3F6}"/>
+              </a:ext>
+            </a:extLst>
+          </p:cNvPr>
+          <p:cNvPicPr>
+            <a:picLocks noChangeAspect="1"/>
+          </p:cNvPicPr>
+          <p:nvPr/>
+        </p:nvPicPr>
+        <p:blipFill>
+          <a:blip r:embed="rId2">
+            <a:extLst>
+              <a:ext uri="{28A0092B-C50C-407E-A947-70E740481C1C}">
+                <a14:useLocalDpi xmlns:a14="http://schemas.microsoft.com/office/drawing/2010/main" val="0"/>
+              </a:ext>
+            </a:extLst>
+          </a:blip>
+          <a:stretch>
+            <a:fillRect/>
+          </a:stretch>
+        </p:blipFill>
+        <p:spPr>
+          <a:xfrm>
+            <a:off x="6096000" y="1690688"/>
+            <a:ext cx="6477000" cy="4857750"/>
+          </a:xfrm>
+          <a:prstGeom prst="rect">
+            <a:avLst/>
+          </a:prstGeom>
+        </p:spPr>
+      </p:pic>
+      <p:pic>
+        <p:nvPicPr>
+          <p:cNvPr id="7" name="Picture 6">
+            <a:extLst>
+              <a:ext uri="{FF2B5EF4-FFF2-40B4-BE49-F238E27FC236}">
+                <a16:creationId xmlns:a16="http://schemas.microsoft.com/office/drawing/2014/main" id="{D46E7844-EEAA-4AFF-9BB5-4F4CEDCB839B}"/>
+              </a:ext>
+            </a:extLst>
+          </p:cNvPr>
+          <p:cNvPicPr>
+            <a:picLocks noChangeAspect="1"/>
+          </p:cNvPicPr>
+          <p:nvPr/>
+        </p:nvPicPr>
+        <p:blipFill>
+          <a:blip r:embed="rId3"/>
+          <a:stretch>
+            <a:fillRect/>
+          </a:stretch>
+        </p:blipFill>
+        <p:spPr>
+          <a:xfrm>
+            <a:off x="1512469" y="2801903"/>
+            <a:ext cx="3880411" cy="878440"/>
+          </a:xfrm>
+          <a:prstGeom prst="rect">
+            <a:avLst/>
+          </a:prstGeom>
+        </p:spPr>
+      </p:pic>
+      <p:sp>
+        <p:nvSpPr>
+          <p:cNvPr id="11" name="TextBox 10">
+            <a:extLst>
+              <a:ext uri="{FF2B5EF4-FFF2-40B4-BE49-F238E27FC236}">
+                <a16:creationId xmlns:a16="http://schemas.microsoft.com/office/drawing/2014/main" id="{CE0BF78F-C179-9DBE-3D8A-C9C669E02AF7}"/>
+              </a:ext>
+            </a:extLst>
+          </p:cNvPr>
+          <p:cNvSpPr txBox="1"/>
+          <p:nvPr/>
+        </p:nvSpPr>
+        <p:spPr>
+          <a:xfrm>
+            <a:off x="838200" y="2115662"/>
+            <a:ext cx="2739276" cy="523220"/>
+          </a:xfrm>
+          <a:prstGeom prst="rect">
+            <a:avLst/>
+          </a:prstGeom>
+          <a:noFill/>
+        </p:spPr>
+        <p:txBody>
+          <a:bodyPr wrap="none" rtlCol="0">
+            <a:spAutoFit/>
+          </a:bodyPr>
+          <a:lstStyle/>
+          <a:p>
+            <a:r>
+              <a:rPr lang="nb-NO" sz="2800" dirty="0" err="1"/>
+              <a:t>Density</a:t>
+            </a:r>
+            <a:r>
+              <a:rPr lang="nb-NO" sz="2800" dirty="0"/>
+              <a:t> </a:t>
+            </a:r>
+            <a:r>
+              <a:rPr lang="nb-NO" sz="2800" dirty="0" err="1"/>
+              <a:t>variation</a:t>
+            </a:r>
+            <a:r>
+              <a:rPr lang="nb-NO" sz="2800" dirty="0"/>
+              <a:t>:</a:t>
+            </a:r>
+            <a:endParaRPr lang="en-US" sz="2800" dirty="0"/>
+          </a:p>
+        </p:txBody>
+      </p:sp>
+      <p:sp>
+        <p:nvSpPr>
+          <p:cNvPr id="12" name="TextBox 11">
+            <a:extLst>
+              <a:ext uri="{FF2B5EF4-FFF2-40B4-BE49-F238E27FC236}">
+                <a16:creationId xmlns:a16="http://schemas.microsoft.com/office/drawing/2014/main" id="{0D1904DE-34DE-610B-5CB8-7690B2F350D2}"/>
+              </a:ext>
+            </a:extLst>
+          </p:cNvPr>
+          <p:cNvSpPr txBox="1"/>
+          <p:nvPr/>
+        </p:nvSpPr>
+        <p:spPr>
+          <a:xfrm>
+            <a:off x="838200" y="3957509"/>
+            <a:ext cx="2136034" cy="523220"/>
+          </a:xfrm>
+          <a:prstGeom prst="rect">
+            <a:avLst/>
+          </a:prstGeom>
+          <a:noFill/>
+        </p:spPr>
+        <p:txBody>
+          <a:bodyPr wrap="none" rtlCol="0">
+            <a:spAutoFit/>
+          </a:bodyPr>
+          <a:lstStyle/>
+          <a:p>
+            <a:r>
+              <a:rPr lang="nb-NO" sz="2800" dirty="0"/>
+              <a:t>Ideal gas </a:t>
+            </a:r>
+            <a:r>
+              <a:rPr lang="nb-NO" sz="2800" dirty="0" err="1"/>
+              <a:t>law</a:t>
+            </a:r>
+            <a:r>
+              <a:rPr lang="nb-NO" sz="2800" dirty="0"/>
+              <a:t>:</a:t>
+            </a:r>
+            <a:endParaRPr lang="en-US" sz="2800" dirty="0"/>
+          </a:p>
+        </p:txBody>
+      </p:sp>
+      <p:pic>
+        <p:nvPicPr>
+          <p:cNvPr id="14" name="Picture 13">
+            <a:extLst>
+              <a:ext uri="{FF2B5EF4-FFF2-40B4-BE49-F238E27FC236}">
+                <a16:creationId xmlns:a16="http://schemas.microsoft.com/office/drawing/2014/main" id="{493D0B9F-89DC-6700-1895-F5AA38223F1F}"/>
+              </a:ext>
+            </a:extLst>
+          </p:cNvPr>
+          <p:cNvPicPr>
+            <a:picLocks noChangeAspect="1"/>
+          </p:cNvPicPr>
+          <p:nvPr/>
+        </p:nvPicPr>
+        <p:blipFill>
+          <a:blip r:embed="rId4"/>
+          <a:stretch>
+            <a:fillRect/>
+          </a:stretch>
+        </p:blipFill>
+        <p:spPr>
+          <a:xfrm>
+            <a:off x="1984873" y="4791558"/>
+            <a:ext cx="1592604" cy="421121"/>
           </a:xfrm>
           <a:prstGeom prst="rect">
             <a:avLst/>
@@ -1347,7 +5455,999 @@
     </p:spTree>
     <p:extLst>
       <p:ext uri="{BB962C8B-B14F-4D97-AF65-F5344CB8AC3E}">
-        <p14:creationId xmlns:p14="http://schemas.microsoft.com/office/powerpoint/2010/main" val="653922746"/>
+        <p14:creationId xmlns:p14="http://schemas.microsoft.com/office/powerpoint/2010/main" val="1029377993"/>
+      </p:ext>
+    </p:extLst>
+  </p:cSld>
+  <p:clrMapOvr>
+    <a:masterClrMapping/>
+  </p:clrMapOvr>
+</p:sld>
+</file>
+
+<file path=ppt/slides/slide5.xml><?xml version="1.0" encoding="utf-8"?>
+<p:sld xmlns:a="http://schemas.openxmlformats.org/drawingml/2006/main" xmlns:r="http://schemas.openxmlformats.org/officeDocument/2006/relationships" xmlns:p="http://schemas.openxmlformats.org/presentationml/2006/main">
+  <p:cSld>
+    <p:spTree>
+      <p:nvGrpSpPr>
+        <p:cNvPr id="1" name=""/>
+        <p:cNvGrpSpPr/>
+        <p:nvPr/>
+      </p:nvGrpSpPr>
+      <p:grpSpPr>
+        <a:xfrm>
+          <a:off x="0" y="0"/>
+          <a:ext cx="0" cy="0"/>
+          <a:chOff x="0" y="0"/>
+          <a:chExt cx="0" cy="0"/>
+        </a:xfrm>
+      </p:grpSpPr>
+      <p:sp>
+        <p:nvSpPr>
+          <p:cNvPr id="2" name="Title 1">
+            <a:extLst>
+              <a:ext uri="{FF2B5EF4-FFF2-40B4-BE49-F238E27FC236}">
+                <a16:creationId xmlns:a16="http://schemas.microsoft.com/office/drawing/2014/main" id="{80971172-C759-2FFD-3092-61B94E56E280}"/>
+              </a:ext>
+            </a:extLst>
+          </p:cNvPr>
+          <p:cNvSpPr>
+            <a:spLocks noGrp="1"/>
+          </p:cNvSpPr>
+          <p:nvPr>
+            <p:ph type="title"/>
+          </p:nvPr>
+        </p:nvSpPr>
+        <p:spPr/>
+        <p:txBody>
+          <a:bodyPr>
+            <a:normAutofit fontScale="90000"/>
+          </a:bodyPr>
+          <a:lstStyle/>
+          <a:p>
+            <a:r>
+              <a:rPr lang="en-US" b="0" i="0" dirty="0">
+                <a:effectLst/>
+                <a:latin typeface="Arial" panose="020B0604020202020204" pitchFamily="34" charset="0"/>
+              </a:rPr>
+              <a:t>Task 4: </a:t>
+            </a:r>
+            <a:r>
+              <a:rPr lang="en-US" sz="3600" b="0" i="0" dirty="0">
+                <a:effectLst/>
+                <a:latin typeface="Arial" panose="020B0604020202020204" pitchFamily="34" charset="0"/>
+              </a:rPr>
+              <a:t>Check the temperature-gradient for regions of</a:t>
+            </a:r>
+            <a:br>
+              <a:rPr lang="en-US" sz="3600" dirty="0"/>
+            </a:br>
+            <a:r>
+              <a:rPr lang="en-US" sz="3600" b="0" i="0" dirty="0">
+                <a:effectLst/>
+                <a:latin typeface="Arial" panose="020B0604020202020204" pitchFamily="34" charset="0"/>
+              </a:rPr>
+              <a:t>instability to convective instability</a:t>
+            </a:r>
+            <a:endParaRPr lang="en-US" sz="3600" dirty="0"/>
+          </a:p>
+        </p:txBody>
+      </p:sp>
+      <p:pic>
+        <p:nvPicPr>
+          <p:cNvPr id="5" name="Picture 4" descr="A picture containing text, screenshot, plot, line&#10;&#10;Description automatically generated">
+            <a:extLst>
+              <a:ext uri="{FF2B5EF4-FFF2-40B4-BE49-F238E27FC236}">
+                <a16:creationId xmlns:a16="http://schemas.microsoft.com/office/drawing/2014/main" id="{35C8B2CA-5EB2-36F6-D9F4-71100BD46F76}"/>
+              </a:ext>
+            </a:extLst>
+          </p:cNvPr>
+          <p:cNvPicPr>
+            <a:picLocks noChangeAspect="1"/>
+          </p:cNvPicPr>
+          <p:nvPr/>
+        </p:nvPicPr>
+        <p:blipFill>
+          <a:blip r:embed="rId2">
+            <a:extLst>
+              <a:ext uri="{28A0092B-C50C-407E-A947-70E740481C1C}">
+                <a14:useLocalDpi xmlns:a14="http://schemas.microsoft.com/office/drawing/2010/main" val="0"/>
+              </a:ext>
+            </a:extLst>
+          </a:blip>
+          <a:stretch>
+            <a:fillRect/>
+          </a:stretch>
+        </p:blipFill>
+        <p:spPr>
+          <a:xfrm>
+            <a:off x="6096000" y="1894508"/>
+            <a:ext cx="6096000" cy="4598367"/>
+          </a:xfrm>
+          <a:prstGeom prst="rect">
+            <a:avLst/>
+          </a:prstGeom>
+        </p:spPr>
+      </p:pic>
+      <p:pic>
+        <p:nvPicPr>
+          <p:cNvPr id="7" name="Picture 6">
+            <a:extLst>
+              <a:ext uri="{FF2B5EF4-FFF2-40B4-BE49-F238E27FC236}">
+                <a16:creationId xmlns:a16="http://schemas.microsoft.com/office/drawing/2014/main" id="{8AF131FA-E722-3B07-8057-05C4AE847F0D}"/>
+              </a:ext>
+            </a:extLst>
+          </p:cNvPr>
+          <p:cNvPicPr>
+            <a:picLocks noChangeAspect="1"/>
+          </p:cNvPicPr>
+          <p:nvPr/>
+        </p:nvPicPr>
+        <p:blipFill>
+          <a:blip r:embed="rId3"/>
+          <a:stretch>
+            <a:fillRect/>
+          </a:stretch>
+        </p:blipFill>
+        <p:spPr>
+          <a:xfrm>
+            <a:off x="2289067" y="2632086"/>
+            <a:ext cx="1439196" cy="800370"/>
+          </a:xfrm>
+          <a:prstGeom prst="rect">
+            <a:avLst/>
+          </a:prstGeom>
+        </p:spPr>
+      </p:pic>
+      <p:pic>
+        <p:nvPicPr>
+          <p:cNvPr id="9" name="Picture 8">
+            <a:extLst>
+              <a:ext uri="{FF2B5EF4-FFF2-40B4-BE49-F238E27FC236}">
+                <a16:creationId xmlns:a16="http://schemas.microsoft.com/office/drawing/2014/main" id="{AD0327F6-894C-9C22-D0B3-E1F2743CBCBB}"/>
+              </a:ext>
+            </a:extLst>
+          </p:cNvPr>
+          <p:cNvPicPr>
+            <a:picLocks noChangeAspect="1"/>
+          </p:cNvPicPr>
+          <p:nvPr/>
+        </p:nvPicPr>
+        <p:blipFill>
+          <a:blip r:embed="rId4"/>
+          <a:stretch>
+            <a:fillRect/>
+          </a:stretch>
+        </p:blipFill>
+        <p:spPr>
+          <a:xfrm>
+            <a:off x="2356104" y="4257524"/>
+            <a:ext cx="2006703" cy="685835"/>
+          </a:xfrm>
+          <a:prstGeom prst="rect">
+            <a:avLst/>
+          </a:prstGeom>
+        </p:spPr>
+      </p:pic>
+      <p:sp>
+        <p:nvSpPr>
+          <p:cNvPr id="10" name="TextBox 9">
+            <a:extLst>
+              <a:ext uri="{FF2B5EF4-FFF2-40B4-BE49-F238E27FC236}">
+                <a16:creationId xmlns:a16="http://schemas.microsoft.com/office/drawing/2014/main" id="{61B9FD35-2DD8-58BE-E772-005D7578A68F}"/>
+              </a:ext>
+            </a:extLst>
+          </p:cNvPr>
+          <p:cNvSpPr txBox="1"/>
+          <p:nvPr/>
+        </p:nvSpPr>
+        <p:spPr>
+          <a:xfrm>
+            <a:off x="838200" y="2037093"/>
+            <a:ext cx="3035808" cy="461665"/>
+          </a:xfrm>
+          <a:prstGeom prst="rect">
+            <a:avLst/>
+          </a:prstGeom>
+          <a:noFill/>
+        </p:spPr>
+        <p:txBody>
+          <a:bodyPr wrap="square" rtlCol="0">
+            <a:spAutoFit/>
+          </a:bodyPr>
+          <a:lstStyle/>
+          <a:p>
+            <a:r>
+              <a:rPr lang="nb-NO" sz="2400" dirty="0" err="1"/>
+              <a:t>Temperature</a:t>
+            </a:r>
+            <a:r>
+              <a:rPr lang="nb-NO" sz="2400" dirty="0"/>
+              <a:t>-gradient:</a:t>
+            </a:r>
+            <a:endParaRPr lang="en-US" sz="2400" dirty="0"/>
+          </a:p>
+        </p:txBody>
+      </p:sp>
+      <p:sp>
+        <p:nvSpPr>
+          <p:cNvPr id="11" name="TextBox 10">
+            <a:extLst>
+              <a:ext uri="{FF2B5EF4-FFF2-40B4-BE49-F238E27FC236}">
+                <a16:creationId xmlns:a16="http://schemas.microsoft.com/office/drawing/2014/main" id="{1FBC70B8-5EAA-69DA-4C09-2ABF843A47C6}"/>
+              </a:ext>
+            </a:extLst>
+          </p:cNvPr>
+          <p:cNvSpPr txBox="1"/>
+          <p:nvPr/>
+        </p:nvSpPr>
+        <p:spPr>
+          <a:xfrm>
+            <a:off x="838200" y="3666744"/>
+            <a:ext cx="3035808" cy="461665"/>
+          </a:xfrm>
+          <a:prstGeom prst="rect">
+            <a:avLst/>
+          </a:prstGeom>
+          <a:noFill/>
+        </p:spPr>
+        <p:txBody>
+          <a:bodyPr wrap="square" rtlCol="0">
+            <a:spAutoFit/>
+          </a:bodyPr>
+          <a:lstStyle/>
+          <a:p>
+            <a:r>
+              <a:rPr lang="nb-NO" sz="2400" dirty="0" err="1"/>
+              <a:t>Adiabatic</a:t>
+            </a:r>
+            <a:r>
+              <a:rPr lang="nb-NO" dirty="0"/>
+              <a:t> </a:t>
+            </a:r>
+            <a:r>
+              <a:rPr lang="nb-NO" sz="2400" dirty="0"/>
+              <a:t>lapse-rate</a:t>
+            </a:r>
+            <a:r>
+              <a:rPr lang="nb-NO" dirty="0"/>
+              <a:t>:</a:t>
+            </a:r>
+            <a:endParaRPr lang="en-US" dirty="0"/>
+          </a:p>
+        </p:txBody>
+      </p:sp>
+    </p:spTree>
+    <p:extLst>
+      <p:ext uri="{BB962C8B-B14F-4D97-AF65-F5344CB8AC3E}">
+        <p14:creationId xmlns:p14="http://schemas.microsoft.com/office/powerpoint/2010/main" val="2228437618"/>
+      </p:ext>
+    </p:extLst>
+  </p:cSld>
+  <p:clrMapOvr>
+    <a:masterClrMapping/>
+  </p:clrMapOvr>
+</p:sld>
+</file>
+
+<file path=ppt/slides/slide6.xml><?xml version="1.0" encoding="utf-8"?>
+<p:sld xmlns:a="http://schemas.openxmlformats.org/drawingml/2006/main" xmlns:r="http://schemas.openxmlformats.org/officeDocument/2006/relationships" xmlns:p="http://schemas.openxmlformats.org/presentationml/2006/main">
+  <p:cSld>
+    <p:spTree>
+      <p:nvGrpSpPr>
+        <p:cNvPr id="1" name=""/>
+        <p:cNvGrpSpPr/>
+        <p:nvPr/>
+      </p:nvGrpSpPr>
+      <p:grpSpPr>
+        <a:xfrm>
+          <a:off x="0" y="0"/>
+          <a:ext cx="0" cy="0"/>
+          <a:chOff x="0" y="0"/>
+          <a:chExt cx="0" cy="0"/>
+        </a:xfrm>
+      </p:grpSpPr>
+      <p:sp>
+        <p:nvSpPr>
+          <p:cNvPr id="2" name="Title 1">
+            <a:extLst>
+              <a:ext uri="{FF2B5EF4-FFF2-40B4-BE49-F238E27FC236}">
+                <a16:creationId xmlns:a16="http://schemas.microsoft.com/office/drawing/2014/main" id="{6130CDB8-DE46-627E-F5AD-BCCB2331F89A}"/>
+              </a:ext>
+            </a:extLst>
+          </p:cNvPr>
+          <p:cNvSpPr>
+            <a:spLocks noGrp="1"/>
+          </p:cNvSpPr>
+          <p:nvPr>
+            <p:ph type="title"/>
+          </p:nvPr>
+        </p:nvSpPr>
+        <p:spPr>
+          <a:xfrm>
+            <a:off x="838200" y="2103437"/>
+            <a:ext cx="10515600" cy="1325563"/>
+          </a:xfrm>
+        </p:spPr>
+        <p:txBody>
+          <a:bodyPr>
+            <a:normAutofit/>
+          </a:bodyPr>
+          <a:lstStyle/>
+          <a:p>
+            <a:pPr algn="ctr"/>
+            <a:r>
+              <a:rPr lang="nb-NO" sz="7200" b="1" dirty="0" err="1">
+                <a:latin typeface="+mn-lt"/>
+              </a:rPr>
+              <a:t>Assignment</a:t>
+            </a:r>
+            <a:r>
+              <a:rPr lang="nb-NO" sz="7200" b="1" dirty="0"/>
+              <a:t> 2</a:t>
+            </a:r>
+            <a:endParaRPr lang="en-US" sz="7200" b="1" dirty="0"/>
+          </a:p>
+        </p:txBody>
+      </p:sp>
+      <p:sp>
+        <p:nvSpPr>
+          <p:cNvPr id="4" name="TextBox 3">
+            <a:extLst>
+              <a:ext uri="{FF2B5EF4-FFF2-40B4-BE49-F238E27FC236}">
+                <a16:creationId xmlns:a16="http://schemas.microsoft.com/office/drawing/2014/main" id="{27545064-C337-0493-2347-27B579F85E3F}"/>
+              </a:ext>
+            </a:extLst>
+          </p:cNvPr>
+          <p:cNvSpPr txBox="1"/>
+          <p:nvPr/>
+        </p:nvSpPr>
+        <p:spPr>
+          <a:xfrm>
+            <a:off x="2598420" y="3172968"/>
+            <a:ext cx="6995160" cy="646331"/>
+          </a:xfrm>
+          <a:prstGeom prst="rect">
+            <a:avLst/>
+          </a:prstGeom>
+          <a:noFill/>
+        </p:spPr>
+        <p:txBody>
+          <a:bodyPr wrap="square" rtlCol="0">
+            <a:spAutoFit/>
+          </a:bodyPr>
+          <a:lstStyle/>
+          <a:p>
+            <a:pPr algn="ctr"/>
+            <a:r>
+              <a:rPr lang="en-US" sz="3600" dirty="0"/>
+              <a:t>Optical depth</a:t>
+            </a:r>
+          </a:p>
+        </p:txBody>
+      </p:sp>
+    </p:spTree>
+    <p:extLst>
+      <p:ext uri="{BB962C8B-B14F-4D97-AF65-F5344CB8AC3E}">
+        <p14:creationId xmlns:p14="http://schemas.microsoft.com/office/powerpoint/2010/main" val="2716293628"/>
+      </p:ext>
+    </p:extLst>
+  </p:cSld>
+  <p:clrMapOvr>
+    <a:masterClrMapping/>
+  </p:clrMapOvr>
+</p:sld>
+</file>
+
+<file path=ppt/slides/slide7.xml><?xml version="1.0" encoding="utf-8"?>
+<p:sld xmlns:a="http://schemas.openxmlformats.org/drawingml/2006/main" xmlns:r="http://schemas.openxmlformats.org/officeDocument/2006/relationships" xmlns:p="http://schemas.openxmlformats.org/presentationml/2006/main">
+  <p:cSld>
+    <p:spTree>
+      <p:nvGrpSpPr>
+        <p:cNvPr id="1" name=""/>
+        <p:cNvGrpSpPr/>
+        <p:nvPr/>
+      </p:nvGrpSpPr>
+      <p:grpSpPr>
+        <a:xfrm>
+          <a:off x="0" y="0"/>
+          <a:ext cx="0" cy="0"/>
+          <a:chOff x="0" y="0"/>
+          <a:chExt cx="0" cy="0"/>
+        </a:xfrm>
+      </p:grpSpPr>
+      <p:sp>
+        <p:nvSpPr>
+          <p:cNvPr id="2" name="Title 1">
+            <a:extLst>
+              <a:ext uri="{FF2B5EF4-FFF2-40B4-BE49-F238E27FC236}">
+                <a16:creationId xmlns:a16="http://schemas.microsoft.com/office/drawing/2014/main" id="{E71532BA-2632-A183-6943-AE90F7694646}"/>
+              </a:ext>
+            </a:extLst>
+          </p:cNvPr>
+          <p:cNvSpPr>
+            <a:spLocks noGrp="1"/>
+          </p:cNvSpPr>
+          <p:nvPr>
+            <p:ph type="title"/>
+          </p:nvPr>
+        </p:nvSpPr>
+        <p:spPr/>
+        <p:txBody>
+          <a:bodyPr>
+            <a:normAutofit fontScale="90000"/>
+          </a:bodyPr>
+          <a:lstStyle/>
+          <a:p>
+            <a:br>
+              <a:rPr lang="en-US" sz="2200" b="0" i="0" dirty="0">
+                <a:effectLst/>
+                <a:latin typeface="Arial" panose="020B0604020202020204" pitchFamily="34" charset="0"/>
+              </a:rPr>
+            </a:br>
+            <a:r>
+              <a:rPr lang="en-US" b="0" i="0" dirty="0">
+                <a:effectLst/>
+                <a:latin typeface="Arial" panose="020B0604020202020204" pitchFamily="34" charset="0"/>
+              </a:rPr>
+              <a:t>Task 1:</a:t>
+            </a:r>
+            <a:br>
+              <a:rPr lang="en-US" sz="2200" b="0" i="0" dirty="0">
+                <a:effectLst/>
+                <a:latin typeface="Arial" panose="020B0604020202020204" pitchFamily="34" charset="0"/>
+              </a:rPr>
+            </a:br>
+            <a:r>
+              <a:rPr lang="en-US" sz="2200" b="0" i="0" dirty="0">
+                <a:effectLst/>
+                <a:latin typeface="Arial" panose="020B0604020202020204" pitchFamily="34" charset="0"/>
+              </a:rPr>
+              <a:t>Make functions that calculate the optical depth as a function of altitude and wavelength,</a:t>
+            </a:r>
+            <a:br>
+              <a:rPr lang="en-US" sz="2200" dirty="0"/>
+            </a:br>
+            <a:r>
+              <a:rPr lang="en-US" sz="2200" b="0" i="0" dirty="0">
+                <a:effectLst/>
+                <a:latin typeface="Arial" panose="020B0604020202020204" pitchFamily="34" charset="0"/>
+              </a:rPr>
+              <a:t>for vertical incidence, and for variable zenith-angle of the incident light.</a:t>
+            </a:r>
+            <a:br>
+              <a:rPr lang="en-US" sz="2200" dirty="0"/>
+            </a:br>
+            <a:endParaRPr lang="en-US" sz="2200" dirty="0"/>
+          </a:p>
+        </p:txBody>
+      </p:sp>
+      <p:pic>
+        <p:nvPicPr>
+          <p:cNvPr id="5" name="Picture 4" descr="A picture containing text, plot, diagram, line&#10;&#10;Description automatically generated">
+            <a:extLst>
+              <a:ext uri="{FF2B5EF4-FFF2-40B4-BE49-F238E27FC236}">
+                <a16:creationId xmlns:a16="http://schemas.microsoft.com/office/drawing/2014/main" id="{3F2827F3-0E31-1109-9621-2E32A607E9BB}"/>
+              </a:ext>
+            </a:extLst>
+          </p:cNvPr>
+          <p:cNvPicPr>
+            <a:picLocks noChangeAspect="1"/>
+          </p:cNvPicPr>
+          <p:nvPr/>
+        </p:nvPicPr>
+        <p:blipFill>
+          <a:blip r:embed="rId2">
+            <a:extLst>
+              <a:ext uri="{28A0092B-C50C-407E-A947-70E740481C1C}">
+                <a14:useLocalDpi xmlns:a14="http://schemas.microsoft.com/office/drawing/2010/main" val="0"/>
+              </a:ext>
+            </a:extLst>
+          </a:blip>
+          <a:stretch>
+            <a:fillRect/>
+          </a:stretch>
+        </p:blipFill>
+        <p:spPr>
+          <a:xfrm>
+            <a:off x="346818" y="1653163"/>
+            <a:ext cx="5852172" cy="4389129"/>
+          </a:xfrm>
+          <a:prstGeom prst="rect">
+            <a:avLst/>
+          </a:prstGeom>
+        </p:spPr>
+      </p:pic>
+      <p:pic>
+        <p:nvPicPr>
+          <p:cNvPr id="7" name="Picture 6" descr="A picture containing text, screenshot, plot, diagram&#10;&#10;Description automatically generated">
+            <a:extLst>
+              <a:ext uri="{FF2B5EF4-FFF2-40B4-BE49-F238E27FC236}">
+                <a16:creationId xmlns:a16="http://schemas.microsoft.com/office/drawing/2014/main" id="{26B1FEBB-4DA1-5258-E918-878FB0471B43}"/>
+              </a:ext>
+            </a:extLst>
+          </p:cNvPr>
+          <p:cNvPicPr>
+            <a:picLocks noChangeAspect="1"/>
+          </p:cNvPicPr>
+          <p:nvPr/>
+        </p:nvPicPr>
+        <p:blipFill>
+          <a:blip r:embed="rId3">
+            <a:extLst>
+              <a:ext uri="{28A0092B-C50C-407E-A947-70E740481C1C}">
+                <a14:useLocalDpi xmlns:a14="http://schemas.microsoft.com/office/drawing/2010/main" val="0"/>
+              </a:ext>
+            </a:extLst>
+          </a:blip>
+          <a:stretch>
+            <a:fillRect/>
+          </a:stretch>
+        </p:blipFill>
+        <p:spPr>
+          <a:xfrm>
+            <a:off x="6198990" y="1690688"/>
+            <a:ext cx="5852172" cy="4389129"/>
+          </a:xfrm>
+          <a:prstGeom prst="rect">
+            <a:avLst/>
+          </a:prstGeom>
+        </p:spPr>
+      </p:pic>
+    </p:spTree>
+    <p:extLst>
+      <p:ext uri="{BB962C8B-B14F-4D97-AF65-F5344CB8AC3E}">
+        <p14:creationId xmlns:p14="http://schemas.microsoft.com/office/powerpoint/2010/main" val="2791451901"/>
+      </p:ext>
+    </p:extLst>
+  </p:cSld>
+  <p:clrMapOvr>
+    <a:masterClrMapping/>
+  </p:clrMapOvr>
+</p:sld>
+</file>
+
+<file path=ppt/slides/slide8.xml><?xml version="1.0" encoding="utf-8"?>
+<p:sld xmlns:a="http://schemas.openxmlformats.org/drawingml/2006/main" xmlns:r="http://schemas.openxmlformats.org/officeDocument/2006/relationships" xmlns:p="http://schemas.openxmlformats.org/presentationml/2006/main">
+  <p:cSld>
+    <p:spTree>
+      <p:nvGrpSpPr>
+        <p:cNvPr id="1" name=""/>
+        <p:cNvGrpSpPr/>
+        <p:nvPr/>
+      </p:nvGrpSpPr>
+      <p:grpSpPr>
+        <a:xfrm>
+          <a:off x="0" y="0"/>
+          <a:ext cx="0" cy="0"/>
+          <a:chOff x="0" y="0"/>
+          <a:chExt cx="0" cy="0"/>
+        </a:xfrm>
+      </p:grpSpPr>
+      <p:sp>
+        <p:nvSpPr>
+          <p:cNvPr id="4" name="Title 1">
+            <a:extLst>
+              <a:ext uri="{FF2B5EF4-FFF2-40B4-BE49-F238E27FC236}">
+                <a16:creationId xmlns:a16="http://schemas.microsoft.com/office/drawing/2014/main" id="{488A32D2-2C8F-D2E6-57BF-FD36BA2D5781}"/>
+              </a:ext>
+            </a:extLst>
+          </p:cNvPr>
+          <p:cNvSpPr>
+            <a:spLocks noGrp="1"/>
+          </p:cNvSpPr>
+          <p:nvPr>
+            <p:ph type="title"/>
+          </p:nvPr>
+        </p:nvSpPr>
+        <p:spPr>
+          <a:xfrm>
+            <a:off x="838200" y="365125"/>
+            <a:ext cx="10515600" cy="1325563"/>
+          </a:xfrm>
+        </p:spPr>
+        <p:txBody>
+          <a:bodyPr>
+            <a:normAutofit fontScale="90000"/>
+          </a:bodyPr>
+          <a:lstStyle/>
+          <a:p>
+            <a:br>
+              <a:rPr lang="en-US" sz="2200" b="0" i="0" dirty="0">
+                <a:effectLst/>
+                <a:latin typeface="Arial" panose="020B0604020202020204" pitchFamily="34" charset="0"/>
+              </a:rPr>
+            </a:br>
+            <a:r>
+              <a:rPr lang="en-US" b="0" i="0" dirty="0">
+                <a:effectLst/>
+                <a:latin typeface="Arial" panose="020B0604020202020204" pitchFamily="34" charset="0"/>
+              </a:rPr>
+              <a:t>Task 1:</a:t>
+            </a:r>
+            <a:br>
+              <a:rPr lang="en-US" sz="2200" b="0" i="0" dirty="0">
+                <a:effectLst/>
+                <a:latin typeface="Arial" panose="020B0604020202020204" pitchFamily="34" charset="0"/>
+              </a:rPr>
+            </a:br>
+            <a:r>
+              <a:rPr lang="en-US" sz="2200" b="0" i="0" dirty="0">
+                <a:effectLst/>
+                <a:latin typeface="Arial" panose="020B0604020202020204" pitchFamily="34" charset="0"/>
+              </a:rPr>
+              <a:t>Make functions that calculate the optical depth as a function of altitude and wavelength,</a:t>
+            </a:r>
+            <a:br>
+              <a:rPr lang="en-US" sz="2200" dirty="0"/>
+            </a:br>
+            <a:r>
+              <a:rPr lang="en-US" sz="2200" b="0" i="0" dirty="0">
+                <a:effectLst/>
+                <a:latin typeface="Arial" panose="020B0604020202020204" pitchFamily="34" charset="0"/>
+              </a:rPr>
+              <a:t>for vertical incidence, and for variable zenith-angle of the incident light.</a:t>
+            </a:r>
+            <a:br>
+              <a:rPr lang="en-US" sz="2200" dirty="0"/>
+            </a:br>
+            <a:endParaRPr lang="en-US" sz="2200" dirty="0"/>
+          </a:p>
+        </p:txBody>
+      </p:sp>
+      <p:pic>
+        <p:nvPicPr>
+          <p:cNvPr id="9" name="Picture 8" descr="A picture containing text, screenshot, plot, diagram&#10;&#10;Description automatically generated">
+            <a:extLst>
+              <a:ext uri="{FF2B5EF4-FFF2-40B4-BE49-F238E27FC236}">
+                <a16:creationId xmlns:a16="http://schemas.microsoft.com/office/drawing/2014/main" id="{E26337B1-487D-2C3D-D3AF-41947D5B6314}"/>
+              </a:ext>
+            </a:extLst>
+          </p:cNvPr>
+          <p:cNvPicPr>
+            <a:picLocks noChangeAspect="1"/>
+          </p:cNvPicPr>
+          <p:nvPr/>
+        </p:nvPicPr>
+        <p:blipFill>
+          <a:blip r:embed="rId2">
+            <a:extLst>
+              <a:ext uri="{28A0092B-C50C-407E-A947-70E740481C1C}">
+                <a14:useLocalDpi xmlns:a14="http://schemas.microsoft.com/office/drawing/2010/main" val="0"/>
+              </a:ext>
+            </a:extLst>
+          </a:blip>
+          <a:stretch>
+            <a:fillRect/>
+          </a:stretch>
+        </p:blipFill>
+        <p:spPr>
+          <a:xfrm>
+            <a:off x="6257544" y="1614510"/>
+            <a:ext cx="5096256" cy="3822192"/>
+          </a:xfrm>
+          <a:prstGeom prst="rect">
+            <a:avLst/>
+          </a:prstGeom>
+        </p:spPr>
+      </p:pic>
+      <p:pic>
+        <p:nvPicPr>
+          <p:cNvPr id="11" name="Picture 10" descr="A picture containing text, screenshot, plot, colorfulness&#10;&#10;Description automatically generated">
+            <a:extLst>
+              <a:ext uri="{FF2B5EF4-FFF2-40B4-BE49-F238E27FC236}">
+                <a16:creationId xmlns:a16="http://schemas.microsoft.com/office/drawing/2014/main" id="{33DD7F43-9435-1B59-EAFE-589724CEE3C5}"/>
+              </a:ext>
+            </a:extLst>
+          </p:cNvPr>
+          <p:cNvPicPr>
+            <a:picLocks noChangeAspect="1"/>
+          </p:cNvPicPr>
+          <p:nvPr/>
+        </p:nvPicPr>
+        <p:blipFill>
+          <a:blip r:embed="rId3">
+            <a:extLst>
+              <a:ext uri="{28A0092B-C50C-407E-A947-70E740481C1C}">
+                <a14:useLocalDpi xmlns:a14="http://schemas.microsoft.com/office/drawing/2010/main" val="0"/>
+              </a:ext>
+            </a:extLst>
+          </a:blip>
+          <a:stretch>
+            <a:fillRect/>
+          </a:stretch>
+        </p:blipFill>
+        <p:spPr>
+          <a:xfrm>
+            <a:off x="743712" y="1614510"/>
+            <a:ext cx="5096256" cy="3822192"/>
+          </a:xfrm>
+          <a:prstGeom prst="rect">
+            <a:avLst/>
+          </a:prstGeom>
+        </p:spPr>
+      </p:pic>
+      <p:pic>
+        <p:nvPicPr>
+          <p:cNvPr id="13" name="Picture 12">
+            <a:extLst>
+              <a:ext uri="{FF2B5EF4-FFF2-40B4-BE49-F238E27FC236}">
+                <a16:creationId xmlns:a16="http://schemas.microsoft.com/office/drawing/2014/main" id="{F53005AF-F3C9-DB39-8F8B-F83ABB4C16C9}"/>
+              </a:ext>
+            </a:extLst>
+          </p:cNvPr>
+          <p:cNvPicPr>
+            <a:picLocks noChangeAspect="1"/>
+          </p:cNvPicPr>
+          <p:nvPr/>
+        </p:nvPicPr>
+        <p:blipFill>
+          <a:blip r:embed="rId4"/>
+          <a:stretch>
+            <a:fillRect/>
+          </a:stretch>
+        </p:blipFill>
+        <p:spPr>
+          <a:xfrm>
+            <a:off x="3016091" y="5747749"/>
+            <a:ext cx="6159817" cy="647733"/>
+          </a:xfrm>
+          <a:prstGeom prst="rect">
+            <a:avLst/>
+          </a:prstGeom>
+        </p:spPr>
+      </p:pic>
+      <p:sp>
+        <p:nvSpPr>
+          <p:cNvPr id="14" name="TextBox 13">
+            <a:extLst>
+              <a:ext uri="{FF2B5EF4-FFF2-40B4-BE49-F238E27FC236}">
+                <a16:creationId xmlns:a16="http://schemas.microsoft.com/office/drawing/2014/main" id="{1D346B98-4D3D-80E9-1542-3A3EA50952A0}"/>
+              </a:ext>
+            </a:extLst>
+          </p:cNvPr>
+          <p:cNvSpPr txBox="1"/>
+          <p:nvPr/>
+        </p:nvSpPr>
+        <p:spPr>
+          <a:xfrm>
+            <a:off x="838200" y="5771354"/>
+            <a:ext cx="3020568" cy="461665"/>
+          </a:xfrm>
+          <a:prstGeom prst="rect">
+            <a:avLst/>
+          </a:prstGeom>
+          <a:noFill/>
+        </p:spPr>
+        <p:txBody>
+          <a:bodyPr wrap="square" rtlCol="0">
+            <a:spAutoFit/>
+          </a:bodyPr>
+          <a:lstStyle/>
+          <a:p>
+            <a:r>
+              <a:rPr lang="nb-NO" sz="2400" dirty="0"/>
+              <a:t>Optical </a:t>
+            </a:r>
+            <a:r>
+              <a:rPr lang="nb-NO" sz="2400" dirty="0" err="1"/>
+              <a:t>depth</a:t>
+            </a:r>
+            <a:r>
+              <a:rPr lang="nb-NO" sz="2400" dirty="0"/>
+              <a:t>:</a:t>
+            </a:r>
+            <a:endParaRPr lang="en-US" sz="2400" dirty="0"/>
+          </a:p>
+        </p:txBody>
+      </p:sp>
+      <p:pic>
+        <p:nvPicPr>
+          <p:cNvPr id="17" name="Picture 16">
+            <a:extLst>
+              <a:ext uri="{FF2B5EF4-FFF2-40B4-BE49-F238E27FC236}">
+                <a16:creationId xmlns:a16="http://schemas.microsoft.com/office/drawing/2014/main" id="{37D18B94-86F4-89FF-84A3-06656CC3756E}"/>
+              </a:ext>
+            </a:extLst>
+          </p:cNvPr>
+          <p:cNvPicPr>
+            <a:picLocks noChangeAspect="1"/>
+          </p:cNvPicPr>
+          <p:nvPr/>
+        </p:nvPicPr>
+        <p:blipFill>
+          <a:blip r:embed="rId5"/>
+          <a:stretch>
+            <a:fillRect/>
+          </a:stretch>
+        </p:blipFill>
+        <p:spPr>
+          <a:xfrm>
+            <a:off x="9809018" y="5834919"/>
+            <a:ext cx="939848" cy="266714"/>
+          </a:xfrm>
+          <a:prstGeom prst="rect">
+            <a:avLst/>
+          </a:prstGeom>
+        </p:spPr>
+      </p:pic>
+    </p:spTree>
+    <p:extLst>
+      <p:ext uri="{BB962C8B-B14F-4D97-AF65-F5344CB8AC3E}">
+        <p14:creationId xmlns:p14="http://schemas.microsoft.com/office/powerpoint/2010/main" val="484155815"/>
+      </p:ext>
+    </p:extLst>
+  </p:cSld>
+  <p:clrMapOvr>
+    <a:masterClrMapping/>
+  </p:clrMapOvr>
+</p:sld>
+</file>
+
+<file path=ppt/slides/slide9.xml><?xml version="1.0" encoding="utf-8"?>
+<p:sld xmlns:a="http://schemas.openxmlformats.org/drawingml/2006/main" xmlns:r="http://schemas.openxmlformats.org/officeDocument/2006/relationships" xmlns:p="http://schemas.openxmlformats.org/presentationml/2006/main">
+  <p:cSld>
+    <p:spTree>
+      <p:nvGrpSpPr>
+        <p:cNvPr id="1" name=""/>
+        <p:cNvGrpSpPr/>
+        <p:nvPr/>
+      </p:nvGrpSpPr>
+      <p:grpSpPr>
+        <a:xfrm>
+          <a:off x="0" y="0"/>
+          <a:ext cx="0" cy="0"/>
+          <a:chOff x="0" y="0"/>
+          <a:chExt cx="0" cy="0"/>
+        </a:xfrm>
+      </p:grpSpPr>
+      <p:sp>
+        <p:nvSpPr>
+          <p:cNvPr id="4" name="Title 1">
+            <a:extLst>
+              <a:ext uri="{FF2B5EF4-FFF2-40B4-BE49-F238E27FC236}">
+                <a16:creationId xmlns:a16="http://schemas.microsoft.com/office/drawing/2014/main" id="{B7592E41-DC95-9626-26BA-E3540C9ECED5}"/>
+              </a:ext>
+            </a:extLst>
+          </p:cNvPr>
+          <p:cNvSpPr>
+            <a:spLocks noGrp="1"/>
+          </p:cNvSpPr>
+          <p:nvPr>
+            <p:ph type="title"/>
+          </p:nvPr>
+        </p:nvSpPr>
+        <p:spPr>
+          <a:xfrm>
+            <a:off x="838200" y="365125"/>
+            <a:ext cx="10515600" cy="1325563"/>
+          </a:xfrm>
+        </p:spPr>
+        <p:txBody>
+          <a:bodyPr>
+            <a:normAutofit fontScale="90000"/>
+          </a:bodyPr>
+          <a:lstStyle/>
+          <a:p>
+            <a:br>
+              <a:rPr lang="en-US" sz="2200" b="0" i="0" dirty="0">
+                <a:effectLst/>
+                <a:latin typeface="Arial" panose="020B0604020202020204" pitchFamily="34" charset="0"/>
+              </a:rPr>
+            </a:br>
+            <a:r>
+              <a:rPr lang="en-US" b="0" i="0" dirty="0">
+                <a:effectLst/>
+                <a:latin typeface="Arial" panose="020B0604020202020204" pitchFamily="34" charset="0"/>
+              </a:rPr>
+              <a:t>Task 1:</a:t>
+            </a:r>
+            <a:br>
+              <a:rPr lang="en-US" sz="2200" b="0" i="0" dirty="0">
+                <a:effectLst/>
+                <a:latin typeface="Arial" panose="020B0604020202020204" pitchFamily="34" charset="0"/>
+              </a:rPr>
+            </a:br>
+            <a:r>
+              <a:rPr lang="en-US" sz="2200" b="0" i="0" dirty="0">
+                <a:effectLst/>
+                <a:latin typeface="Arial" panose="020B0604020202020204" pitchFamily="34" charset="0"/>
+              </a:rPr>
+              <a:t>Make functions that calculate the optical depth as a function of altitude and wavelength,</a:t>
+            </a:r>
+            <a:br>
+              <a:rPr lang="en-US" sz="2200" dirty="0"/>
+            </a:br>
+            <a:r>
+              <a:rPr lang="en-US" sz="2200" b="0" i="0" dirty="0">
+                <a:effectLst/>
+                <a:latin typeface="Arial" panose="020B0604020202020204" pitchFamily="34" charset="0"/>
+              </a:rPr>
+              <a:t>for vertical incidence, and for variable zenith-angle of the incident light.</a:t>
+            </a:r>
+            <a:br>
+              <a:rPr lang="en-US" sz="2200" dirty="0"/>
+            </a:br>
+            <a:endParaRPr lang="en-US" sz="2200" dirty="0"/>
+          </a:p>
+        </p:txBody>
+      </p:sp>
+      <p:pic>
+        <p:nvPicPr>
+          <p:cNvPr id="6" name="Picture 5" descr="A picture containing text, screenshot, plot, colorfulness&#10;&#10;Description automatically generated">
+            <a:extLst>
+              <a:ext uri="{FF2B5EF4-FFF2-40B4-BE49-F238E27FC236}">
+                <a16:creationId xmlns:a16="http://schemas.microsoft.com/office/drawing/2014/main" id="{7BBE6B7C-F954-8448-D938-195413ACC8C3}"/>
+              </a:ext>
+            </a:extLst>
+          </p:cNvPr>
+          <p:cNvPicPr>
+            <a:picLocks noChangeAspect="1"/>
+          </p:cNvPicPr>
+          <p:nvPr/>
+        </p:nvPicPr>
+        <p:blipFill>
+          <a:blip r:embed="rId2">
+            <a:extLst>
+              <a:ext uri="{28A0092B-C50C-407E-A947-70E740481C1C}">
+                <a14:useLocalDpi xmlns:a14="http://schemas.microsoft.com/office/drawing/2010/main" val="0"/>
+              </a:ext>
+            </a:extLst>
+          </a:blip>
+          <a:stretch>
+            <a:fillRect/>
+          </a:stretch>
+        </p:blipFill>
+        <p:spPr>
+          <a:xfrm>
+            <a:off x="2918229" y="1690688"/>
+            <a:ext cx="6355541" cy="4766656"/>
+          </a:xfrm>
+          <a:prstGeom prst="rect">
+            <a:avLst/>
+          </a:prstGeom>
+        </p:spPr>
+      </p:pic>
+      <p:sp>
+        <p:nvSpPr>
+          <p:cNvPr id="7" name="TextBox 6">
+            <a:extLst>
+              <a:ext uri="{FF2B5EF4-FFF2-40B4-BE49-F238E27FC236}">
+                <a16:creationId xmlns:a16="http://schemas.microsoft.com/office/drawing/2014/main" id="{438042E7-50CB-A535-BA3D-3F1D7684F8B9}"/>
+              </a:ext>
+            </a:extLst>
+          </p:cNvPr>
+          <p:cNvSpPr txBox="1"/>
+          <p:nvPr/>
+        </p:nvSpPr>
+        <p:spPr>
+          <a:xfrm>
+            <a:off x="6743469" y="1927444"/>
+            <a:ext cx="1005840" cy="369332"/>
+          </a:xfrm>
+          <a:prstGeom prst="rect">
+            <a:avLst/>
+          </a:prstGeom>
+          <a:noFill/>
+        </p:spPr>
+        <p:txBody>
+          <a:bodyPr wrap="square" rtlCol="0">
+            <a:spAutoFit/>
+          </a:bodyPr>
+          <a:lstStyle/>
+          <a:p>
+            <a:r>
+              <a:rPr lang="nb-NO" dirty="0"/>
+              <a:t>, 100km</a:t>
+            </a:r>
+            <a:endParaRPr lang="en-US" dirty="0"/>
+          </a:p>
+        </p:txBody>
+      </p:sp>
+    </p:spTree>
+    <p:extLst>
+      <p:ext uri="{BB962C8B-B14F-4D97-AF65-F5344CB8AC3E}">
+        <p14:creationId xmlns:p14="http://schemas.microsoft.com/office/powerpoint/2010/main" val="69961890"/>
       </p:ext>
     </p:extLst>
   </p:cSld>
@@ -1650,4 +6750,299 @@
     </a:ext>
   </a:extLst>
 </a:theme>
+</file>
+
+<file path=ppt/theme/theme2.xml><?xml version="1.0" encoding="utf-8"?>
+<a:theme xmlns:a="http://schemas.openxmlformats.org/drawingml/2006/main" name="Office Theme">
+  <a:themeElements>
+    <a:clrScheme name="Office">
+      <a:dk1>
+        <a:sysClr val="windowText" lastClr="000000"/>
+      </a:dk1>
+      <a:lt1>
+        <a:sysClr val="window" lastClr="FFFFFF"/>
+      </a:lt1>
+      <a:dk2>
+        <a:srgbClr val="44546A"/>
+      </a:dk2>
+      <a:lt2>
+        <a:srgbClr val="E7E6E6"/>
+      </a:lt2>
+      <a:accent1>
+        <a:srgbClr val="4472C4"/>
+      </a:accent1>
+      <a:accent2>
+        <a:srgbClr val="ED7D31"/>
+      </a:accent2>
+      <a:accent3>
+        <a:srgbClr val="A5A5A5"/>
+      </a:accent3>
+      <a:accent4>
+        <a:srgbClr val="FFC000"/>
+      </a:accent4>
+      <a:accent5>
+        <a:srgbClr val="5B9BD5"/>
+      </a:accent5>
+      <a:accent6>
+        <a:srgbClr val="70AD47"/>
+      </a:accent6>
+      <a:hlink>
+        <a:srgbClr val="0563C1"/>
+      </a:hlink>
+      <a:folHlink>
+        <a:srgbClr val="954F72"/>
+      </a:folHlink>
+    </a:clrScheme>
+    <a:fontScheme name="Office">
+      <a:majorFont>
+        <a:latin typeface="Calibri Light" panose="020F0302020204030204"/>
+        <a:ea typeface=""/>
+        <a:cs typeface=""/>
+        <a:font script="Jpan" typeface="游ゴシック Light"/>
+        <a:font script="Hang" typeface="맑은 고딕"/>
+        <a:font script="Hans" typeface="等线 Light"/>
+        <a:font script="Hant" typeface="新細明體"/>
+        <a:font script="Arab" typeface="Times New Roman"/>
+        <a:font script="Hebr" typeface="Times New Roman"/>
+        <a:font script="Thai" typeface="Angsana New"/>
+        <a:font script="Ethi" typeface="Nyala"/>
+        <a:font script="Beng" typeface="Vrinda"/>
+        <a:font script="Gujr" typeface="Shruti"/>
+        <a:font script="Khmr" typeface="MoolBoran"/>
+        <a:font script="Knda" typeface="Tunga"/>
+        <a:font script="Guru" typeface="Raavi"/>
+        <a:font script="Cans" typeface="Euphemia"/>
+        <a:font script="Cher" typeface="Plantagenet Cherokee"/>
+        <a:font script="Yiii" typeface="Microsoft Yi Baiti"/>
+        <a:font script="Tibt" typeface="Microsoft Himalaya"/>
+        <a:font script="Thaa" typeface="MV Boli"/>
+        <a:font script="Deva" typeface="Mangal"/>
+        <a:font script="Telu" typeface="Gautami"/>
+        <a:font script="Taml" typeface="Latha"/>
+        <a:font script="Syrc" typeface="Estrangelo Edessa"/>
+        <a:font script="Orya" typeface="Kalinga"/>
+        <a:font script="Mlym" typeface="Kartika"/>
+        <a:font script="Laoo" typeface="DokChampa"/>
+        <a:font script="Sinh" typeface="Iskoola Pota"/>
+        <a:font script="Mong" typeface="Mongolian Baiti"/>
+        <a:font script="Viet" typeface="Times New Roman"/>
+        <a:font script="Uigh" typeface="Microsoft Uighur"/>
+        <a:font script="Geor" typeface="Sylfaen"/>
+        <a:font script="Armn" typeface="Arial"/>
+        <a:font script="Bugi" typeface="Leelawadee UI"/>
+        <a:font script="Bopo" typeface="Microsoft JhengHei"/>
+        <a:font script="Java" typeface="Javanese Text"/>
+        <a:font script="Lisu" typeface="Segoe UI"/>
+        <a:font script="Mymr" typeface="Myanmar Text"/>
+        <a:font script="Nkoo" typeface="Ebrima"/>
+        <a:font script="Olck" typeface="Nirmala UI"/>
+        <a:font script="Osma" typeface="Ebrima"/>
+        <a:font script="Phag" typeface="Phagspa"/>
+        <a:font script="Syrn" typeface="Estrangelo Edessa"/>
+        <a:font script="Syrj" typeface="Estrangelo Edessa"/>
+        <a:font script="Syre" typeface="Estrangelo Edessa"/>
+        <a:font script="Sora" typeface="Nirmala UI"/>
+        <a:font script="Tale" typeface="Microsoft Tai Le"/>
+        <a:font script="Talu" typeface="Microsoft New Tai Lue"/>
+        <a:font script="Tfng" typeface="Ebrima"/>
+      </a:majorFont>
+      <a:minorFont>
+        <a:latin typeface="Calibri" panose="020F0502020204030204"/>
+        <a:ea typeface=""/>
+        <a:cs typeface=""/>
+        <a:font script="Jpan" typeface="游ゴシック"/>
+        <a:font script="Hang" typeface="맑은 고딕"/>
+        <a:font script="Hans" typeface="等线"/>
+        <a:font script="Hant" typeface="新細明體"/>
+        <a:font script="Arab" typeface="Arial"/>
+        <a:font script="Hebr" typeface="Arial"/>
+        <a:font script="Thai" typeface="Cordia New"/>
+        <a:font script="Ethi" typeface="Nyala"/>
+        <a:font script="Beng" typeface="Vrinda"/>
+        <a:font script="Gujr" typeface="Shruti"/>
+        <a:font script="Khmr" typeface="DaunPenh"/>
+        <a:font script="Knda" typeface="Tunga"/>
+        <a:font script="Guru" typeface="Raavi"/>
+        <a:font script="Cans" typeface="Euphemia"/>
+        <a:font script="Cher" typeface="Plantagenet Cherokee"/>
+        <a:font script="Yiii" typeface="Microsoft Yi Baiti"/>
+        <a:font script="Tibt" typeface="Microsoft Himalaya"/>
+        <a:font script="Thaa" typeface="MV Boli"/>
+        <a:font script="Deva" typeface="Mangal"/>
+        <a:font script="Telu" typeface="Gautami"/>
+        <a:font script="Taml" typeface="Latha"/>
+        <a:font script="Syrc" typeface="Estrangelo Edessa"/>
+        <a:font script="Orya" typeface="Kalinga"/>
+        <a:font script="Mlym" typeface="Kartika"/>
+        <a:font script="Laoo" typeface="DokChampa"/>
+        <a:font script="Sinh" typeface="Iskoola Pota"/>
+        <a:font script="Mong" typeface="Mongolian Baiti"/>
+        <a:font script="Viet" typeface="Arial"/>
+        <a:font script="Uigh" typeface="Microsoft Uighur"/>
+        <a:font script="Geor" typeface="Sylfaen"/>
+        <a:font script="Armn" typeface="Arial"/>
+        <a:font script="Bugi" typeface="Leelawadee UI"/>
+        <a:font script="Bopo" typeface="Microsoft JhengHei"/>
+        <a:font script="Java" typeface="Javanese Text"/>
+        <a:font script="Lisu" typeface="Segoe UI"/>
+        <a:font script="Mymr" typeface="Myanmar Text"/>
+        <a:font script="Nkoo" typeface="Ebrima"/>
+        <a:font script="Olck" typeface="Nirmala UI"/>
+        <a:font script="Osma" typeface="Ebrima"/>
+        <a:font script="Phag" typeface="Phagspa"/>
+        <a:font script="Syrn" typeface="Estrangelo Edessa"/>
+        <a:font script="Syrj" typeface="Estrangelo Edessa"/>
+        <a:font script="Syre" typeface="Estrangelo Edessa"/>
+        <a:font script="Sora" typeface="Nirmala UI"/>
+        <a:font script="Tale" typeface="Microsoft Tai Le"/>
+        <a:font script="Talu" typeface="Microsoft New Tai Lue"/>
+        <a:font script="Tfng" typeface="Ebrima"/>
+      </a:minorFont>
+    </a:fontScheme>
+    <a:fmtScheme name="Office">
+      <a:fillStyleLst>
+        <a:solidFill>
+          <a:schemeClr val="phClr"/>
+        </a:solidFill>
+        <a:gradFill rotWithShape="1">
+          <a:gsLst>
+            <a:gs pos="0">
+              <a:schemeClr val="phClr">
+                <a:lumMod val="110000"/>
+                <a:satMod val="105000"/>
+                <a:tint val="67000"/>
+              </a:schemeClr>
+            </a:gs>
+            <a:gs pos="50000">
+              <a:schemeClr val="phClr">
+                <a:lumMod val="105000"/>
+                <a:satMod val="103000"/>
+                <a:tint val="73000"/>
+              </a:schemeClr>
+            </a:gs>
+            <a:gs pos="100000">
+              <a:schemeClr val="phClr">
+                <a:lumMod val="105000"/>
+                <a:satMod val="109000"/>
+                <a:tint val="81000"/>
+              </a:schemeClr>
+            </a:gs>
+          </a:gsLst>
+          <a:lin ang="5400000" scaled="0"/>
+        </a:gradFill>
+        <a:gradFill rotWithShape="1">
+          <a:gsLst>
+            <a:gs pos="0">
+              <a:schemeClr val="phClr">
+                <a:satMod val="103000"/>
+                <a:lumMod val="102000"/>
+                <a:tint val="94000"/>
+              </a:schemeClr>
+            </a:gs>
+            <a:gs pos="50000">
+              <a:schemeClr val="phClr">
+                <a:satMod val="110000"/>
+                <a:lumMod val="100000"/>
+                <a:shade val="100000"/>
+              </a:schemeClr>
+            </a:gs>
+            <a:gs pos="100000">
+              <a:schemeClr val="phClr">
+                <a:lumMod val="99000"/>
+                <a:satMod val="120000"/>
+                <a:shade val="78000"/>
+              </a:schemeClr>
+            </a:gs>
+          </a:gsLst>
+          <a:lin ang="5400000" scaled="0"/>
+        </a:gradFill>
+      </a:fillStyleLst>
+      <a:lnStyleLst>
+        <a:ln w="6350" cap="flat" cmpd="sng" algn="ctr">
+          <a:solidFill>
+            <a:schemeClr val="phClr"/>
+          </a:solidFill>
+          <a:prstDash val="solid"/>
+          <a:miter lim="800000"/>
+        </a:ln>
+        <a:ln w="12700" cap="flat" cmpd="sng" algn="ctr">
+          <a:solidFill>
+            <a:schemeClr val="phClr"/>
+          </a:solidFill>
+          <a:prstDash val="solid"/>
+          <a:miter lim="800000"/>
+        </a:ln>
+        <a:ln w="19050" cap="flat" cmpd="sng" algn="ctr">
+          <a:solidFill>
+            <a:schemeClr val="phClr"/>
+          </a:solidFill>
+          <a:prstDash val="solid"/>
+          <a:miter lim="800000"/>
+        </a:ln>
+      </a:lnStyleLst>
+      <a:effectStyleLst>
+        <a:effectStyle>
+          <a:effectLst/>
+        </a:effectStyle>
+        <a:effectStyle>
+          <a:effectLst/>
+        </a:effectStyle>
+        <a:effectStyle>
+          <a:effectLst>
+            <a:outerShdw blurRad="57150" dist="19050" dir="5400000" algn="ctr" rotWithShape="0">
+              <a:srgbClr val="000000">
+                <a:alpha val="63000"/>
+              </a:srgbClr>
+            </a:outerShdw>
+          </a:effectLst>
+        </a:effectStyle>
+      </a:effectStyleLst>
+      <a:bgFillStyleLst>
+        <a:solidFill>
+          <a:schemeClr val="phClr"/>
+        </a:solidFill>
+        <a:solidFill>
+          <a:schemeClr val="phClr">
+            <a:tint val="95000"/>
+            <a:satMod val="170000"/>
+          </a:schemeClr>
+        </a:solidFill>
+        <a:gradFill rotWithShape="1">
+          <a:gsLst>
+            <a:gs pos="0">
+              <a:schemeClr val="phClr">
+                <a:tint val="93000"/>
+                <a:satMod val="150000"/>
+                <a:shade val="98000"/>
+                <a:lumMod val="102000"/>
+              </a:schemeClr>
+            </a:gs>
+            <a:gs pos="50000">
+              <a:schemeClr val="phClr">
+                <a:tint val="98000"/>
+                <a:satMod val="130000"/>
+                <a:shade val="90000"/>
+                <a:lumMod val="103000"/>
+              </a:schemeClr>
+            </a:gs>
+            <a:gs pos="100000">
+              <a:schemeClr val="phClr">
+                <a:shade val="63000"/>
+                <a:satMod val="120000"/>
+              </a:schemeClr>
+            </a:gs>
+          </a:gsLst>
+          <a:lin ang="5400000" scaled="0"/>
+        </a:gradFill>
+      </a:bgFillStyleLst>
+    </a:fmtScheme>
+  </a:themeElements>
+  <a:objectDefaults/>
+  <a:extraClrSchemeLst/>
+  <a:extLst>
+    <a:ext uri="{05A4C25C-085E-4340-85A3-A5531E510DB2}">
+      <thm15:themeFamily xmlns:thm15="http://schemas.microsoft.com/office/thememl/2012/main" name="Office Theme" id="{62F939B6-93AF-4DB8-9C6B-D6C7DFDC589F}" vid="{4A3C46E8-61CC-4603-A589-7422A47A8E4A}"/>
+    </a:ext>
+  </a:extLst>
+</a:theme>
 </file>